--- a/기말 발표.pptx
+++ b/기말 발표.pptx
@@ -140,164 +140,6 @@
 
 <file path=ppt/changesInfos/changesInfo1.xml><?xml version="1.0" encoding="utf-8"?>
 <pc:chgInfo xmlns:a="http://schemas.openxmlformats.org/drawingml/2006/main" xmlns:r="http://schemas.openxmlformats.org/officeDocument/2006/relationships" xmlns:ac="http://schemas.microsoft.com/office/drawing/2013/main/command" xmlns:pc="http://schemas.microsoft.com/office/powerpoint/2013/main/command">
-  <pc:docChgLst>
-    <pc:chgData name="김영찬" userId="a81591f0-1a4d-4c10-b0d3-35a306720c09" providerId="ADAL" clId="{BF047AC6-B3CF-4B2E-8A29-CB4C276824B2}"/>
-  </pc:docChgLst>
-  <pc:docChgLst>
-    <pc:chgData name="김영찬" userId="a81591f0-1a4d-4c10-b0d3-35a306720c09" providerId="ADAL" clId="{0FF42640-1B0D-47F0-99C2-6800CA124613}"/>
-    <pc:docChg chg="undo custSel addSld delSld modSld sldOrd modMainMaster">
-      <pc:chgData name="김영찬" userId="a81591f0-1a4d-4c10-b0d3-35a306720c09" providerId="ADAL" clId="{0FF42640-1B0D-47F0-99C2-6800CA124613}" dt="2019-04-14T08:37:22.457" v="15416" actId="20577"/>
-      <pc:docMkLst>
-        <pc:docMk/>
-      </pc:docMkLst>
-      <pc:sldMasterChg chg="modSldLayout">
-        <pc:chgData name="김영찬" userId="a81591f0-1a4d-4c10-b0d3-35a306720c09" providerId="ADAL" clId="{0FF42640-1B0D-47F0-99C2-6800CA124613}" dt="2019-04-07T08:15:17.305" v="2540" actId="478"/>
-        <pc:sldMasterMkLst>
-          <pc:docMk/>
-          <pc:sldMasterMk cId="3580537156" sldId="2147483648"/>
-        </pc:sldMasterMkLst>
-        <pc:sldLayoutChg chg="modSp">
-          <pc:chgData name="김영찬" userId="a81591f0-1a4d-4c10-b0d3-35a306720c09" providerId="ADAL" clId="{0FF42640-1B0D-47F0-99C2-6800CA124613}" dt="2019-04-07T08:13:52.548" v="2519" actId="692"/>
-          <pc:sldLayoutMkLst>
-            <pc:docMk/>
-            <pc:sldMasterMk cId="3580537156" sldId="2147483648"/>
-            <pc:sldLayoutMk cId="955644835" sldId="2147483649"/>
-          </pc:sldLayoutMkLst>
-          <pc:spChg chg="mod">
-            <ac:chgData name="김영찬" userId="a81591f0-1a4d-4c10-b0d3-35a306720c09" providerId="ADAL" clId="{0FF42640-1B0D-47F0-99C2-6800CA124613}" dt="2019-04-07T08:13:52.548" v="2519" actId="692"/>
-            <ac:spMkLst>
-              <pc:docMk/>
-              <pc:sldMasterMk cId="3580537156" sldId="2147483648"/>
-              <pc:sldLayoutMk cId="955644835" sldId="2147483649"/>
-              <ac:spMk id="2" creationId="{00B1986A-0BF3-48F4-8615-0276F801B0CA}"/>
-            </ac:spMkLst>
-          </pc:spChg>
-        </pc:sldLayoutChg>
-        <pc:sldLayoutChg chg="modSp">
-          <pc:chgData name="김영찬" userId="a81591f0-1a4d-4c10-b0d3-35a306720c09" providerId="ADAL" clId="{0FF42640-1B0D-47F0-99C2-6800CA124613}" dt="2019-04-07T08:13:55.828" v="2520" actId="692"/>
-          <pc:sldLayoutMkLst>
-            <pc:docMk/>
-            <pc:sldMasterMk cId="3580537156" sldId="2147483648"/>
-            <pc:sldLayoutMk cId="3661968336" sldId="2147483650"/>
-          </pc:sldLayoutMkLst>
-          <pc:spChg chg="mod">
-            <ac:chgData name="김영찬" userId="a81591f0-1a4d-4c10-b0d3-35a306720c09" providerId="ADAL" clId="{0FF42640-1B0D-47F0-99C2-6800CA124613}" dt="2019-04-07T08:13:55.828" v="2520" actId="692"/>
-            <ac:spMkLst>
-              <pc:docMk/>
-              <pc:sldMasterMk cId="3580537156" sldId="2147483648"/>
-              <pc:sldLayoutMk cId="3661968336" sldId="2147483650"/>
-              <ac:spMk id="3" creationId="{A8A81D29-565E-4AAE-8980-ADE5607E6196}"/>
-            </ac:spMkLst>
-          </pc:spChg>
-        </pc:sldLayoutChg>
-        <pc:sldLayoutChg chg="modSp">
-          <pc:chgData name="김영찬" userId="a81591f0-1a4d-4c10-b0d3-35a306720c09" providerId="ADAL" clId="{0FF42640-1B0D-47F0-99C2-6800CA124613}" dt="2019-04-07T08:14:03.343" v="2522" actId="692"/>
-          <pc:sldLayoutMkLst>
-            <pc:docMk/>
-            <pc:sldMasterMk cId="3580537156" sldId="2147483648"/>
-            <pc:sldLayoutMk cId="1647236246" sldId="2147483654"/>
-          </pc:sldLayoutMkLst>
-          <pc:spChg chg="mod">
-            <ac:chgData name="김영찬" userId="a81591f0-1a4d-4c10-b0d3-35a306720c09" providerId="ADAL" clId="{0FF42640-1B0D-47F0-99C2-6800CA124613}" dt="2019-04-07T08:14:03.343" v="2522" actId="692"/>
-            <ac:spMkLst>
-              <pc:docMk/>
-              <pc:sldMasterMk cId="3580537156" sldId="2147483648"/>
-              <pc:sldLayoutMk cId="1647236246" sldId="2147483654"/>
-              <ac:spMk id="7" creationId="{8D7A0A2B-A5E1-4002-AC67-CEB2427BD0B5}"/>
-            </ac:spMkLst>
-          </pc:spChg>
-        </pc:sldLayoutChg>
-        <pc:sldLayoutChg chg="addSp delSp modSp">
-          <pc:chgData name="김영찬" userId="a81591f0-1a4d-4c10-b0d3-35a306720c09" providerId="ADAL" clId="{0FF42640-1B0D-47F0-99C2-6800CA124613}" dt="2019-04-07T08:15:12.443" v="2539"/>
-          <pc:sldLayoutMkLst>
-            <pc:docMk/>
-            <pc:sldMasterMk cId="3580537156" sldId="2147483648"/>
-            <pc:sldLayoutMk cId="870047011" sldId="2147483656"/>
-          </pc:sldLayoutMkLst>
-          <pc:spChg chg="mod">
-            <ac:chgData name="김영찬" userId="a81591f0-1a4d-4c10-b0d3-35a306720c09" providerId="ADAL" clId="{0FF42640-1B0D-47F0-99C2-6800CA124613}" dt="2019-04-07T08:14:23.697" v="2529" actId="14100"/>
-            <ac:spMkLst>
-              <pc:docMk/>
-              <pc:sldMasterMk cId="3580537156" sldId="2147483648"/>
-              <pc:sldLayoutMk cId="870047011" sldId="2147483656"/>
-              <ac:spMk id="3" creationId="{A8A81D29-565E-4AAE-8980-ADE5607E6196}"/>
-            </ac:spMkLst>
-          </pc:spChg>
-          <pc:spChg chg="add mod">
-            <ac:chgData name="김영찬" userId="a81591f0-1a4d-4c10-b0d3-35a306720c09" providerId="ADAL" clId="{0FF42640-1B0D-47F0-99C2-6800CA124613}" dt="2019-04-07T08:14:31.019" v="2531" actId="14100"/>
-            <ac:spMkLst>
-              <pc:docMk/>
-              <pc:sldMasterMk cId="3580537156" sldId="2147483648"/>
-              <pc:sldLayoutMk cId="870047011" sldId="2147483656"/>
-              <ac:spMk id="15" creationId="{0EAF583E-4EE0-4C2F-A8B5-74A8E2A122E0}"/>
-            </ac:spMkLst>
-          </pc:spChg>
-          <pc:spChg chg="add del">
-            <ac:chgData name="김영찬" userId="a81591f0-1a4d-4c10-b0d3-35a306720c09" providerId="ADAL" clId="{0FF42640-1B0D-47F0-99C2-6800CA124613}" dt="2019-04-07T08:15:12.443" v="2539"/>
-            <ac:spMkLst>
-              <pc:docMk/>
-              <pc:sldMasterMk cId="3580537156" sldId="2147483648"/>
-              <pc:sldLayoutMk cId="870047011" sldId="2147483656"/>
-              <ac:spMk id="17" creationId="{EA17FFFB-0737-45D5-A34A-F8526074400B}"/>
-            </ac:spMkLst>
-          </pc:spChg>
-          <pc:spChg chg="add del">
-            <ac:chgData name="김영찬" userId="a81591f0-1a4d-4c10-b0d3-35a306720c09" providerId="ADAL" clId="{0FF42640-1B0D-47F0-99C2-6800CA124613}" dt="2019-04-07T08:15:12.443" v="2539"/>
-            <ac:spMkLst>
-              <pc:docMk/>
-              <pc:sldMasterMk cId="3580537156" sldId="2147483648"/>
-              <pc:sldLayoutMk cId="870047011" sldId="2147483656"/>
-              <ac:spMk id="18" creationId="{251A7378-1EE7-4C77-8A1C-0F080AEB6F34}"/>
-            </ac:spMkLst>
-          </pc:spChg>
-          <pc:spChg chg="add del">
-            <ac:chgData name="김영찬" userId="a81591f0-1a4d-4c10-b0d3-35a306720c09" providerId="ADAL" clId="{0FF42640-1B0D-47F0-99C2-6800CA124613}" dt="2019-04-07T08:15:12.443" v="2539"/>
-            <ac:spMkLst>
-              <pc:docMk/>
-              <pc:sldMasterMk cId="3580537156" sldId="2147483648"/>
-              <pc:sldLayoutMk cId="870047011" sldId="2147483656"/>
-              <ac:spMk id="19" creationId="{F1E1F073-B1D2-4D0C-ADD6-C4F1CFF0A4F8}"/>
-            </ac:spMkLst>
-          </pc:spChg>
-          <pc:spChg chg="add del">
-            <ac:chgData name="김영찬" userId="a81591f0-1a4d-4c10-b0d3-35a306720c09" providerId="ADAL" clId="{0FF42640-1B0D-47F0-99C2-6800CA124613}" dt="2019-04-07T08:15:12.443" v="2539"/>
-            <ac:spMkLst>
-              <pc:docMk/>
-              <pc:sldMasterMk cId="3580537156" sldId="2147483648"/>
-              <pc:sldLayoutMk cId="870047011" sldId="2147483656"/>
-              <ac:spMk id="20" creationId="{F462FD96-C5D2-4E98-B841-C73746D5E7C3}"/>
-            </ac:spMkLst>
-          </pc:spChg>
-          <pc:spChg chg="add del">
-            <ac:chgData name="김영찬" userId="a81591f0-1a4d-4c10-b0d3-35a306720c09" providerId="ADAL" clId="{0FF42640-1B0D-47F0-99C2-6800CA124613}" dt="2019-04-07T08:15:12.443" v="2539"/>
-            <ac:spMkLst>
-              <pc:docMk/>
-              <pc:sldMasterMk cId="3580537156" sldId="2147483648"/>
-              <pc:sldLayoutMk cId="870047011" sldId="2147483656"/>
-              <ac:spMk id="22" creationId="{32C9F139-2930-489E-BF3B-04449072749F}"/>
-            </ac:spMkLst>
-          </pc:spChg>
-        </pc:sldLayoutChg>
-        <pc:sldLayoutChg chg="delSp">
-          <pc:chgData name="김영찬" userId="a81591f0-1a4d-4c10-b0d3-35a306720c09" providerId="ADAL" clId="{0FF42640-1B0D-47F0-99C2-6800CA124613}" dt="2019-04-07T08:15:17.305" v="2540" actId="478"/>
-          <pc:sldLayoutMkLst>
-            <pc:docMk/>
-            <pc:sldMasterMk cId="3580537156" sldId="2147483648"/>
-            <pc:sldLayoutMk cId="2806755365" sldId="2147483657"/>
-          </pc:sldLayoutMkLst>
-          <pc:spChg chg="del">
-            <ac:chgData name="김영찬" userId="a81591f0-1a4d-4c10-b0d3-35a306720c09" providerId="ADAL" clId="{0FF42640-1B0D-47F0-99C2-6800CA124613}" dt="2019-04-07T08:15:17.305" v="2540" actId="478"/>
-            <ac:spMkLst>
-              <pc:docMk/>
-              <pc:sldMasterMk cId="3580537156" sldId="2147483648"/>
-              <pc:sldLayoutMk cId="2806755365" sldId="2147483657"/>
-              <ac:spMk id="3" creationId="{A8A81D29-565E-4AAE-8980-ADE5607E6196}"/>
-            </ac:spMkLst>
-          </pc:spChg>
-        </pc:sldLayoutChg>
-      </pc:sldMasterChg>
-    </pc:docChg>
-  </pc:docChgLst>
   <pc:docChgLst>
     <pc:chgData name="김영찬" userId="a81591f0-1a4d-4c10-b0d3-35a306720c09" providerId="ADAL" clId="{08995977-9966-4ECA-8EF1-2C98C65450F1}"/>
     <pc:docChg chg="undo redo custSel addSld delSld modSld sldOrd delMainMaster modMainMaster">
@@ -1014,367 +856,6 @@
     </pc:docChg>
   </pc:docChgLst>
   <pc:docChgLst>
-    <pc:chgData name="김영찬" userId="a81591f0-1a4d-4c10-b0d3-35a306720c09" providerId="ADAL" clId="{C6263AE8-44B9-418E-970B-782102A8990D}"/>
-    <pc:docChg chg="undo custSel addSld delSld modSld">
-      <pc:chgData name="김영찬" userId="a81591f0-1a4d-4c10-b0d3-35a306720c09" providerId="ADAL" clId="{C6263AE8-44B9-418E-970B-782102A8990D}" dt="2019-05-28T12:28:24.664" v="175"/>
-      <pc:docMkLst>
-        <pc:docMk/>
-      </pc:docMkLst>
-      <pc:sldChg chg="modSp">
-        <pc:chgData name="김영찬" userId="a81591f0-1a4d-4c10-b0d3-35a306720c09" providerId="ADAL" clId="{C6263AE8-44B9-418E-970B-782102A8990D}" dt="2019-05-28T12:28:24.664" v="175"/>
-        <pc:sldMkLst>
-          <pc:docMk/>
-          <pc:sldMk cId="3255533136" sldId="256"/>
-        </pc:sldMkLst>
-        <pc:spChg chg="mod">
-          <ac:chgData name="김영찬" userId="a81591f0-1a4d-4c10-b0d3-35a306720c09" providerId="ADAL" clId="{C6263AE8-44B9-418E-970B-782102A8990D}" dt="2019-05-28T12:28:24.664" v="175"/>
-          <ac:spMkLst>
-            <pc:docMk/>
-            <pc:sldMk cId="3255533136" sldId="256"/>
-            <ac:spMk id="2" creationId="{C886721D-0E80-4306-9F4C-3FAA6FE50BE6}"/>
-          </ac:spMkLst>
-        </pc:spChg>
-      </pc:sldChg>
-      <pc:sldChg chg="modSp">
-        <pc:chgData name="김영찬" userId="a81591f0-1a4d-4c10-b0d3-35a306720c09" providerId="ADAL" clId="{C6263AE8-44B9-418E-970B-782102A8990D}" dt="2019-05-28T12:27:29.727" v="168" actId="404"/>
-        <pc:sldMkLst>
-          <pc:docMk/>
-          <pc:sldMk cId="4197121160" sldId="261"/>
-        </pc:sldMkLst>
-        <pc:spChg chg="mod">
-          <ac:chgData name="김영찬" userId="a81591f0-1a4d-4c10-b0d3-35a306720c09" providerId="ADAL" clId="{C6263AE8-44B9-418E-970B-782102A8990D}" dt="2019-05-28T12:15:54.655" v="9"/>
-          <ac:spMkLst>
-            <pc:docMk/>
-            <pc:sldMk cId="4197121160" sldId="261"/>
-            <ac:spMk id="2" creationId="{AA57BE3B-8A81-4775-8A24-BE9D0E50C6BC}"/>
-          </ac:spMkLst>
-        </pc:spChg>
-        <pc:graphicFrameChg chg="mod modGraphic">
-          <ac:chgData name="김영찬" userId="a81591f0-1a4d-4c10-b0d3-35a306720c09" providerId="ADAL" clId="{C6263AE8-44B9-418E-970B-782102A8990D}" dt="2019-05-28T12:27:29.727" v="168" actId="404"/>
-          <ac:graphicFrameMkLst>
-            <pc:docMk/>
-            <pc:sldMk cId="4197121160" sldId="261"/>
-            <ac:graphicFrameMk id="7" creationId="{B5583A04-3A25-4635-A454-27DEBF9D096E}"/>
-          </ac:graphicFrameMkLst>
-        </pc:graphicFrameChg>
-      </pc:sldChg>
-      <pc:sldChg chg="addSp delSp modSp">
-        <pc:chgData name="김영찬" userId="a81591f0-1a4d-4c10-b0d3-35a306720c09" providerId="ADAL" clId="{C6263AE8-44B9-418E-970B-782102A8990D}" dt="2019-05-28T12:26:07.507" v="114" actId="478"/>
-        <pc:sldMkLst>
-          <pc:docMk/>
-          <pc:sldMk cId="2517608374" sldId="267"/>
-        </pc:sldMkLst>
-        <pc:spChg chg="mod">
-          <ac:chgData name="김영찬" userId="a81591f0-1a4d-4c10-b0d3-35a306720c09" providerId="ADAL" clId="{C6263AE8-44B9-418E-970B-782102A8990D}" dt="2019-05-28T12:25:43.744" v="94" actId="20577"/>
-          <ac:spMkLst>
-            <pc:docMk/>
-            <pc:sldMk cId="2517608374" sldId="267"/>
-            <ac:spMk id="3" creationId="{9BED47D4-ED28-440D-90C9-75F03E72F699}"/>
-          </ac:spMkLst>
-        </pc:spChg>
-        <pc:picChg chg="add del mod">
-          <ac:chgData name="김영찬" userId="a81591f0-1a4d-4c10-b0d3-35a306720c09" providerId="ADAL" clId="{C6263AE8-44B9-418E-970B-782102A8990D}" dt="2019-05-28T12:25:57.006" v="105"/>
-          <ac:picMkLst>
-            <pc:docMk/>
-            <pc:sldMk cId="2517608374" sldId="267"/>
-            <ac:picMk id="8" creationId="{B77B10B1-0188-46FD-A2C0-1D79BE428841}"/>
-          </ac:picMkLst>
-        </pc:picChg>
-        <pc:picChg chg="add mod">
-          <ac:chgData name="김영찬" userId="a81591f0-1a4d-4c10-b0d3-35a306720c09" providerId="ADAL" clId="{C6263AE8-44B9-418E-970B-782102A8990D}" dt="2019-05-28T12:26:04.009" v="112" actId="1076"/>
-          <ac:picMkLst>
-            <pc:docMk/>
-            <pc:sldMk cId="2517608374" sldId="267"/>
-            <ac:picMk id="10" creationId="{A4F182B4-5B20-4303-82F3-2C6365718551}"/>
-          </ac:picMkLst>
-        </pc:picChg>
-        <pc:picChg chg="add del">
-          <ac:chgData name="김영찬" userId="a81591f0-1a4d-4c10-b0d3-35a306720c09" providerId="ADAL" clId="{C6263AE8-44B9-418E-970B-782102A8990D}" dt="2019-05-28T12:26:07.507" v="114" actId="478"/>
-          <ac:picMkLst>
-            <pc:docMk/>
-            <pc:sldMk cId="2517608374" sldId="267"/>
-            <ac:picMk id="11" creationId="{A6CE3275-91AC-4CEF-BBDE-27AEC2F502CC}"/>
-          </ac:picMkLst>
-        </pc:picChg>
-      </pc:sldChg>
-      <pc:sldChg chg="addSp delSp modSp add">
-        <pc:chgData name="김영찬" userId="a81591f0-1a4d-4c10-b0d3-35a306720c09" providerId="ADAL" clId="{C6263AE8-44B9-418E-970B-782102A8990D}" dt="2019-05-28T12:26:42.089" v="133" actId="1076"/>
-        <pc:sldMkLst>
-          <pc:docMk/>
-          <pc:sldMk cId="2270366174" sldId="268"/>
-        </pc:sldMkLst>
-        <pc:spChg chg="del mod">
-          <ac:chgData name="김영찬" userId="a81591f0-1a4d-4c10-b0d3-35a306720c09" providerId="ADAL" clId="{C6263AE8-44B9-418E-970B-782102A8990D}" dt="2019-05-28T12:26:16.290" v="118"/>
-          <ac:spMkLst>
-            <pc:docMk/>
-            <pc:sldMk cId="2270366174" sldId="268"/>
-            <ac:spMk id="3" creationId="{9BED47D4-ED28-440D-90C9-75F03E72F699}"/>
-          </ac:spMkLst>
-        </pc:spChg>
-        <pc:spChg chg="del">
-          <ac:chgData name="김영찬" userId="a81591f0-1a4d-4c10-b0d3-35a306720c09" providerId="ADAL" clId="{C6263AE8-44B9-418E-970B-782102A8990D}" dt="2019-05-28T12:26:37.093" v="131" actId="478"/>
-          <ac:spMkLst>
-            <pc:docMk/>
-            <pc:sldMk cId="2270366174" sldId="268"/>
-            <ac:spMk id="5" creationId="{A4F3CE2C-6C4B-40FA-9D7D-03679CAB5200}"/>
-          </ac:spMkLst>
-        </pc:spChg>
-        <pc:picChg chg="add mod">
-          <ac:chgData name="김영찬" userId="a81591f0-1a4d-4c10-b0d3-35a306720c09" providerId="ADAL" clId="{C6263AE8-44B9-418E-970B-782102A8990D}" dt="2019-05-28T12:26:38.232" v="132" actId="1076"/>
-          <ac:picMkLst>
-            <pc:docMk/>
-            <pc:sldMk cId="2270366174" sldId="268"/>
-            <ac:picMk id="8" creationId="{2F9A39B0-7DFF-4621-AAC4-324F3D9A3478}"/>
-          </ac:picMkLst>
-        </pc:picChg>
-        <pc:picChg chg="del">
-          <ac:chgData name="김영찬" userId="a81591f0-1a4d-4c10-b0d3-35a306720c09" providerId="ADAL" clId="{C6263AE8-44B9-418E-970B-782102A8990D}" dt="2019-05-28T12:26:12.109" v="116" actId="478"/>
-          <ac:picMkLst>
-            <pc:docMk/>
-            <pc:sldMk cId="2270366174" sldId="268"/>
-            <ac:picMk id="10" creationId="{A4F182B4-5B20-4303-82F3-2C6365718551}"/>
-          </ac:picMkLst>
-        </pc:picChg>
-        <pc:picChg chg="add mod">
-          <ac:chgData name="김영찬" userId="a81591f0-1a4d-4c10-b0d3-35a306720c09" providerId="ADAL" clId="{C6263AE8-44B9-418E-970B-782102A8990D}" dt="2019-05-28T12:26:42.089" v="133" actId="1076"/>
-          <ac:picMkLst>
-            <pc:docMk/>
-            <pc:sldMk cId="2270366174" sldId="268"/>
-            <ac:picMk id="11" creationId="{DCD39B79-56E9-4FA5-ADBF-7CBBB54B1F1F}"/>
-          </ac:picMkLst>
-        </pc:picChg>
-      </pc:sldChg>
-    </pc:docChg>
-  </pc:docChgLst>
-  <pc:docChgLst>
-    <pc:chgData name="김영찬" userId="a81591f0-1a4d-4c10-b0d3-35a306720c09" providerId="ADAL" clId="{3222EEAA-C4D3-4163-9871-70D3B67B13F5}"/>
-    <pc:docChg chg="undo custSel addSld delSld modSld sldOrd">
-      <pc:chgData name="김영찬" userId="a81591f0-1a4d-4c10-b0d3-35a306720c09" providerId="ADAL" clId="{3222EEAA-C4D3-4163-9871-70D3B67B13F5}" dt="2019-04-28T16:27:50.859" v="4320" actId="14100"/>
-      <pc:docMkLst>
-        <pc:docMk/>
-      </pc:docMkLst>
-    </pc:docChg>
-  </pc:docChgLst>
-  <pc:docChgLst>
-    <pc:chgData name="김영찬" userId="a81591f0-1a4d-4c10-b0d3-35a306720c09" providerId="ADAL" clId="{A3A0D0E8-9F3A-4857-BB36-F1D91E7B334A}"/>
-    <pc:docChg chg="undo redo custSel modSld">
-      <pc:chgData name="김영찬" userId="a81591f0-1a4d-4c10-b0d3-35a306720c09" providerId="ADAL" clId="{A3A0D0E8-9F3A-4857-BB36-F1D91E7B334A}" dt="2019-06-14T05:31:39.735" v="1367" actId="20577"/>
-      <pc:docMkLst>
-        <pc:docMk/>
-      </pc:docMkLst>
-      <pc:sldChg chg="modSp">
-        <pc:chgData name="김영찬" userId="a81591f0-1a4d-4c10-b0d3-35a306720c09" providerId="ADAL" clId="{A3A0D0E8-9F3A-4857-BB36-F1D91E7B334A}" dt="2019-06-14T05:00:24.620" v="8"/>
-        <pc:sldMkLst>
-          <pc:docMk/>
-          <pc:sldMk cId="3255533136" sldId="256"/>
-        </pc:sldMkLst>
-        <pc:spChg chg="mod">
-          <ac:chgData name="김영찬" userId="a81591f0-1a4d-4c10-b0d3-35a306720c09" providerId="ADAL" clId="{A3A0D0E8-9F3A-4857-BB36-F1D91E7B334A}" dt="2019-06-14T05:00:24.620" v="8"/>
-          <ac:spMkLst>
-            <pc:docMk/>
-            <pc:sldMk cId="3255533136" sldId="256"/>
-            <ac:spMk id="2" creationId="{C886721D-0E80-4306-9F4C-3FAA6FE50BE6}"/>
-          </ac:spMkLst>
-        </pc:spChg>
-      </pc:sldChg>
-      <pc:sldChg chg="addSp delSp modSp">
-        <pc:chgData name="김영찬" userId="a81591f0-1a4d-4c10-b0d3-35a306720c09" providerId="ADAL" clId="{A3A0D0E8-9F3A-4857-BB36-F1D91E7B334A}" dt="2019-06-14T05:31:39.735" v="1367" actId="20577"/>
-        <pc:sldMkLst>
-          <pc:docMk/>
-          <pc:sldMk cId="3228944088" sldId="259"/>
-        </pc:sldMkLst>
-        <pc:spChg chg="mod">
-          <ac:chgData name="김영찬" userId="a81591f0-1a4d-4c10-b0d3-35a306720c09" providerId="ADAL" clId="{A3A0D0E8-9F3A-4857-BB36-F1D91E7B334A}" dt="2019-06-14T05:31:39.735" v="1367" actId="20577"/>
-          <ac:spMkLst>
-            <pc:docMk/>
-            <pc:sldMk cId="3228944088" sldId="259"/>
-            <ac:spMk id="3" creationId="{C08FC53D-329F-4A72-89A3-715DA112070D}"/>
-          </ac:spMkLst>
-        </pc:spChg>
-        <pc:spChg chg="add mod ord">
-          <ac:chgData name="김영찬" userId="a81591f0-1a4d-4c10-b0d3-35a306720c09" providerId="ADAL" clId="{A3A0D0E8-9F3A-4857-BB36-F1D91E7B334A}" dt="2019-06-14T05:19:58.903" v="769" actId="1076"/>
-          <ac:spMkLst>
-            <pc:docMk/>
-            <pc:sldMk cId="3228944088" sldId="259"/>
-            <ac:spMk id="6" creationId="{9268CF3F-FA9F-4FC0-95D7-7578F988BEAD}"/>
-          </ac:spMkLst>
-        </pc:spChg>
-        <pc:spChg chg="del">
-          <ac:chgData name="김영찬" userId="a81591f0-1a4d-4c10-b0d3-35a306720c09" providerId="ADAL" clId="{A3A0D0E8-9F3A-4857-BB36-F1D91E7B334A}" dt="2019-06-14T05:16:55.969" v="266" actId="478"/>
-          <ac:spMkLst>
-            <pc:docMk/>
-            <pc:sldMk cId="3228944088" sldId="259"/>
-            <ac:spMk id="7" creationId="{F234F5A2-857A-43E7-A9E4-F01F38BA6864}"/>
-          </ac:spMkLst>
-        </pc:spChg>
-        <pc:picChg chg="add mod">
-          <ac:chgData name="김영찬" userId="a81591f0-1a4d-4c10-b0d3-35a306720c09" providerId="ADAL" clId="{A3A0D0E8-9F3A-4857-BB36-F1D91E7B334A}" dt="2019-06-14T05:16:42.235" v="264" actId="14100"/>
-          <ac:picMkLst>
-            <pc:docMk/>
-            <pc:sldMk cId="3228944088" sldId="259"/>
-            <ac:picMk id="5" creationId="{7C3ADAB9-8142-40EB-AE41-35C83ADD07F1}"/>
-          </ac:picMkLst>
-        </pc:picChg>
-        <pc:picChg chg="mod">
-          <ac:chgData name="김영찬" userId="a81591f0-1a4d-4c10-b0d3-35a306720c09" providerId="ADAL" clId="{A3A0D0E8-9F3A-4857-BB36-F1D91E7B334A}" dt="2019-06-14T05:14:16.175" v="253" actId="1076"/>
-          <ac:picMkLst>
-            <pc:docMk/>
-            <pc:sldMk cId="3228944088" sldId="259"/>
-            <ac:picMk id="18" creationId="{E6859861-974B-4D10-8597-BF8D3FA2C810}"/>
-          </ac:picMkLst>
-        </pc:picChg>
-      </pc:sldChg>
-      <pc:sldChg chg="modSp modNotesTx">
-        <pc:chgData name="김영찬" userId="a81591f0-1a4d-4c10-b0d3-35a306720c09" providerId="ADAL" clId="{A3A0D0E8-9F3A-4857-BB36-F1D91E7B334A}" dt="2019-06-14T05:02:19.067" v="219" actId="6549"/>
-        <pc:sldMkLst>
-          <pc:docMk/>
-          <pc:sldMk cId="4197121160" sldId="261"/>
-        </pc:sldMkLst>
-        <pc:graphicFrameChg chg="mod modGraphic">
-          <ac:chgData name="김영찬" userId="a81591f0-1a4d-4c10-b0d3-35a306720c09" providerId="ADAL" clId="{A3A0D0E8-9F3A-4857-BB36-F1D91E7B334A}" dt="2019-06-14T05:02:19.067" v="219" actId="6549"/>
-          <ac:graphicFrameMkLst>
-            <pc:docMk/>
-            <pc:sldMk cId="4197121160" sldId="261"/>
-            <ac:graphicFrameMk id="7" creationId="{B5583A04-3A25-4635-A454-27DEBF9D096E}"/>
-          </ac:graphicFrameMkLst>
-        </pc:graphicFrameChg>
-      </pc:sldChg>
-      <pc:sldChg chg="addSp delSp modSp">
-        <pc:chgData name="김영찬" userId="a81591f0-1a4d-4c10-b0d3-35a306720c09" providerId="ADAL" clId="{A3A0D0E8-9F3A-4857-BB36-F1D91E7B334A}" dt="2019-06-14T05:28:21.888" v="1290" actId="20577"/>
-        <pc:sldMkLst>
-          <pc:docMk/>
-          <pc:sldMk cId="306099351" sldId="266"/>
-        </pc:sldMkLst>
-        <pc:spChg chg="mod">
-          <ac:chgData name="김영찬" userId="a81591f0-1a4d-4c10-b0d3-35a306720c09" providerId="ADAL" clId="{A3A0D0E8-9F3A-4857-BB36-F1D91E7B334A}" dt="2019-06-14T05:28:21.888" v="1290" actId="20577"/>
-          <ac:spMkLst>
-            <pc:docMk/>
-            <pc:sldMk cId="306099351" sldId="266"/>
-            <ac:spMk id="3" creationId="{C08FC53D-329F-4A72-89A3-715DA112070D}"/>
-          </ac:spMkLst>
-        </pc:spChg>
-        <pc:spChg chg="add mod">
-          <ac:chgData name="김영찬" userId="a81591f0-1a4d-4c10-b0d3-35a306720c09" providerId="ADAL" clId="{A3A0D0E8-9F3A-4857-BB36-F1D91E7B334A}" dt="2019-06-14T05:27:20.742" v="978" actId="403"/>
-          <ac:spMkLst>
-            <pc:docMk/>
-            <pc:sldMk cId="306099351" sldId="266"/>
-            <ac:spMk id="6" creationId="{98A6BD85-1493-43DE-BDE8-376C887F2722}"/>
-          </ac:spMkLst>
-        </pc:spChg>
-        <pc:picChg chg="add mod">
-          <ac:chgData name="김영찬" userId="a81591f0-1a4d-4c10-b0d3-35a306720c09" providerId="ADAL" clId="{A3A0D0E8-9F3A-4857-BB36-F1D91E7B334A}" dt="2019-06-14T05:25:26.633" v="786" actId="1076"/>
-          <ac:picMkLst>
-            <pc:docMk/>
-            <pc:sldMk cId="306099351" sldId="266"/>
-            <ac:picMk id="5" creationId="{1C7ED89C-DB5E-4A9D-9943-2265BE4D5015}"/>
-          </ac:picMkLst>
-        </pc:picChg>
-        <pc:picChg chg="mod">
-          <ac:chgData name="김영찬" userId="a81591f0-1a4d-4c10-b0d3-35a306720c09" providerId="ADAL" clId="{A3A0D0E8-9F3A-4857-BB36-F1D91E7B334A}" dt="2019-06-14T05:20:16.052" v="774" actId="1076"/>
-          <ac:picMkLst>
-            <pc:docMk/>
-            <pc:sldMk cId="306099351" sldId="266"/>
-            <ac:picMk id="21" creationId="{4935CDEA-1299-4F66-89AE-C64002D5BA67}"/>
-          </ac:picMkLst>
-        </pc:picChg>
-        <pc:picChg chg="del mod">
-          <ac:chgData name="김영찬" userId="a81591f0-1a4d-4c10-b0d3-35a306720c09" providerId="ADAL" clId="{A3A0D0E8-9F3A-4857-BB36-F1D91E7B334A}" dt="2019-06-14T05:26:53.381" v="956" actId="478"/>
-          <ac:picMkLst>
-            <pc:docMk/>
-            <pc:sldMk cId="306099351" sldId="266"/>
-            <ac:picMk id="23" creationId="{A63C2F75-F5BB-418F-8602-1D6FBCC95CE8}"/>
-          </ac:picMkLst>
-        </pc:picChg>
-      </pc:sldChg>
-      <pc:sldChg chg="addSp delSp modSp">
-        <pc:chgData name="김영찬" userId="a81591f0-1a4d-4c10-b0d3-35a306720c09" providerId="ADAL" clId="{A3A0D0E8-9F3A-4857-BB36-F1D91E7B334A}" dt="2019-06-14T05:09:02.234" v="229"/>
-        <pc:sldMkLst>
-          <pc:docMk/>
-          <pc:sldMk cId="2517608374" sldId="267"/>
-        </pc:sldMkLst>
-        <pc:picChg chg="add del mod">
-          <ac:chgData name="김영찬" userId="a81591f0-1a4d-4c10-b0d3-35a306720c09" providerId="ADAL" clId="{A3A0D0E8-9F3A-4857-BB36-F1D91E7B334A}" dt="2019-06-14T05:08:59.910" v="227"/>
-          <ac:picMkLst>
-            <pc:docMk/>
-            <pc:sldMk cId="2517608374" sldId="267"/>
-            <ac:picMk id="8" creationId="{385ABBE7-8214-4800-81B5-88C5B6505F4F}"/>
-          </ac:picMkLst>
-        </pc:picChg>
-        <pc:picChg chg="del mod">
-          <ac:chgData name="김영찬" userId="a81591f0-1a4d-4c10-b0d3-35a306720c09" providerId="ADAL" clId="{A3A0D0E8-9F3A-4857-BB36-F1D91E7B334A}" dt="2019-06-14T05:09:01.132" v="228" actId="478"/>
-          <ac:picMkLst>
-            <pc:docMk/>
-            <pc:sldMk cId="2517608374" sldId="267"/>
-            <ac:picMk id="10" creationId="{A4F182B4-5B20-4303-82F3-2C6365718551}"/>
-          </ac:picMkLst>
-        </pc:picChg>
-        <pc:picChg chg="add">
-          <ac:chgData name="김영찬" userId="a81591f0-1a4d-4c10-b0d3-35a306720c09" providerId="ADAL" clId="{A3A0D0E8-9F3A-4857-BB36-F1D91E7B334A}" dt="2019-06-14T05:09:02.234" v="229"/>
-          <ac:picMkLst>
-            <pc:docMk/>
-            <pc:sldMk cId="2517608374" sldId="267"/>
-            <ac:picMk id="11" creationId="{A2095E0B-E321-456D-9E01-55904A5DB82A}"/>
-          </ac:picMkLst>
-        </pc:picChg>
-      </pc:sldChg>
-      <pc:sldChg chg="addSp delSp modSp">
-        <pc:chgData name="김영찬" userId="a81591f0-1a4d-4c10-b0d3-35a306720c09" providerId="ADAL" clId="{A3A0D0E8-9F3A-4857-BB36-F1D91E7B334A}" dt="2019-06-14T05:13:18.669" v="249" actId="1076"/>
-        <pc:sldMkLst>
-          <pc:docMk/>
-          <pc:sldMk cId="2270366174" sldId="268"/>
-        </pc:sldMkLst>
-        <pc:spChg chg="add del mod">
-          <ac:chgData name="김영찬" userId="a81591f0-1a4d-4c10-b0d3-35a306720c09" providerId="ADAL" clId="{A3A0D0E8-9F3A-4857-BB36-F1D91E7B334A}" dt="2019-06-14T05:11:31.173" v="232"/>
-          <ac:spMkLst>
-            <pc:docMk/>
-            <pc:sldMk cId="2270366174" sldId="268"/>
-            <ac:spMk id="5" creationId="{8BAF3DC6-57B7-46E8-BBE3-DE4091779D00}"/>
-          </ac:spMkLst>
-        </pc:spChg>
-        <pc:picChg chg="del">
-          <ac:chgData name="김영찬" userId="a81591f0-1a4d-4c10-b0d3-35a306720c09" providerId="ADAL" clId="{A3A0D0E8-9F3A-4857-BB36-F1D91E7B334A}" dt="2019-06-14T05:09:58.262" v="230" actId="478"/>
-          <ac:picMkLst>
-            <pc:docMk/>
-            <pc:sldMk cId="2270366174" sldId="268"/>
-            <ac:picMk id="8" creationId="{2F9A39B0-7DFF-4621-AAC4-324F3D9A3478}"/>
-          </ac:picMkLst>
-        </pc:picChg>
-        <pc:picChg chg="add mod">
-          <ac:chgData name="김영찬" userId="a81591f0-1a4d-4c10-b0d3-35a306720c09" providerId="ADAL" clId="{A3A0D0E8-9F3A-4857-BB36-F1D91E7B334A}" dt="2019-06-14T05:11:46.316" v="237" actId="1076"/>
-          <ac:picMkLst>
-            <pc:docMk/>
-            <pc:sldMk cId="2270366174" sldId="268"/>
-            <ac:picMk id="9" creationId="{3503FCD1-0635-469E-89BA-B0A076C62EB9}"/>
-          </ac:picMkLst>
-        </pc:picChg>
-        <pc:picChg chg="del">
-          <ac:chgData name="김영찬" userId="a81591f0-1a4d-4c10-b0d3-35a306720c09" providerId="ADAL" clId="{A3A0D0E8-9F3A-4857-BB36-F1D91E7B334A}" dt="2019-06-14T05:10:00.845" v="231" actId="478"/>
-          <ac:picMkLst>
-            <pc:docMk/>
-            <pc:sldMk cId="2270366174" sldId="268"/>
-            <ac:picMk id="11" creationId="{DCD39B79-56E9-4FA5-ADBF-7CBBB54B1F1F}"/>
-          </ac:picMkLst>
-        </pc:picChg>
-        <pc:picChg chg="add del mod">
-          <ac:chgData name="김영찬" userId="a81591f0-1a4d-4c10-b0d3-35a306720c09" providerId="ADAL" clId="{A3A0D0E8-9F3A-4857-BB36-F1D91E7B334A}" dt="2019-06-14T05:12:30.513" v="242" actId="478"/>
-          <ac:picMkLst>
-            <pc:docMk/>
-            <pc:sldMk cId="2270366174" sldId="268"/>
-            <ac:picMk id="12" creationId="{BD192B67-2C4D-4E72-A86A-D9E066316BD0}"/>
-          </ac:picMkLst>
-        </pc:picChg>
-        <pc:picChg chg="add mod">
-          <ac:chgData name="김영찬" userId="a81591f0-1a4d-4c10-b0d3-35a306720c09" providerId="ADAL" clId="{A3A0D0E8-9F3A-4857-BB36-F1D91E7B334A}" dt="2019-06-14T05:13:18.669" v="249" actId="1076"/>
-          <ac:picMkLst>
-            <pc:docMk/>
-            <pc:sldMk cId="2270366174" sldId="268"/>
-            <ac:picMk id="14" creationId="{17CC0A98-6C19-4D01-A8EE-A15E2AA92B12}"/>
-          </ac:picMkLst>
-        </pc:picChg>
-      </pc:sldChg>
-    </pc:docChg>
-  </pc:docChgLst>
-  <pc:docChgLst>
     <pc:chgData name="김영찬" userId="a81591f0-1a4d-4c10-b0d3-35a306720c09" providerId="ADAL" clId="{55A6C147-651B-4EA1-B137-62EAA54887D7}"/>
     <pc:docChg chg="undo redo custSel addSld delSld modSld sldOrd modMainMaster">
       <pc:chgData name="김영찬" userId="a81591f0-1a4d-4c10-b0d3-35a306720c09" providerId="ADAL" clId="{55A6C147-651B-4EA1-B137-62EAA54887D7}" dt="2019-04-16T02:09:39.478" v="30811"/>
@@ -1520,15 +1001,6 @@
     </pc:docChg>
   </pc:docChgLst>
   <pc:docChgLst>
-    <pc:chgData name="김영찬" userId="a81591f0-1a4d-4c10-b0d3-35a306720c09" providerId="ADAL" clId="{96725876-79DF-416C-B807-402B7C64161B}"/>
-    <pc:docChg chg="delSld">
-      <pc:chgData name="김영찬" userId="a81591f0-1a4d-4c10-b0d3-35a306720c09" providerId="ADAL" clId="{96725876-79DF-416C-B807-402B7C64161B}" dt="2019-05-10T13:37:52.124" v="13" actId="2696"/>
-      <pc:docMkLst>
-        <pc:docMk/>
-      </pc:docMkLst>
-    </pc:docChg>
-  </pc:docChgLst>
-  <pc:docChgLst>
     <pc:chgData name="김영찬" userId="a81591f0-1a4d-4c10-b0d3-35a306720c09" providerId="ADAL" clId="{8C5D3337-9A92-4731-953F-24DDF54DD1A0}"/>
     <pc:docChg chg="undo custSel addSld delSld modSld sldOrd modMainMaster">
       <pc:chgData name="김영찬" userId="a81591f0-1a4d-4c10-b0d3-35a306720c09" providerId="ADAL" clId="{8C5D3337-9A92-4731-953F-24DDF54DD1A0}" dt="2019-05-10T18:15:54.420" v="8108" actId="14100"/>
@@ -3359,6 +2831,142 @@
     </pc:docChg>
   </pc:docChgLst>
   <pc:docChgLst>
+    <pc:chgData name="김영찬" userId="a81591f0-1a4d-4c10-b0d3-35a306720c09" providerId="ADAL" clId="{BF047AC6-B3CF-4B2E-8A29-CB4C276824B2}"/>
+  </pc:docChgLst>
+  <pc:docChgLst>
+    <pc:chgData name="김영찬" userId="a81591f0-1a4d-4c10-b0d3-35a306720c09" providerId="ADAL" clId="{C6263AE8-44B9-418E-970B-782102A8990D}"/>
+    <pc:docChg chg="undo custSel addSld delSld modSld">
+      <pc:chgData name="김영찬" userId="a81591f0-1a4d-4c10-b0d3-35a306720c09" providerId="ADAL" clId="{C6263AE8-44B9-418E-970B-782102A8990D}" dt="2019-05-28T12:28:24.664" v="175"/>
+      <pc:docMkLst>
+        <pc:docMk/>
+      </pc:docMkLst>
+      <pc:sldChg chg="modSp">
+        <pc:chgData name="김영찬" userId="a81591f0-1a4d-4c10-b0d3-35a306720c09" providerId="ADAL" clId="{C6263AE8-44B9-418E-970B-782102A8990D}" dt="2019-05-28T12:28:24.664" v="175"/>
+        <pc:sldMkLst>
+          <pc:docMk/>
+          <pc:sldMk cId="3255533136" sldId="256"/>
+        </pc:sldMkLst>
+        <pc:spChg chg="mod">
+          <ac:chgData name="김영찬" userId="a81591f0-1a4d-4c10-b0d3-35a306720c09" providerId="ADAL" clId="{C6263AE8-44B9-418E-970B-782102A8990D}" dt="2019-05-28T12:28:24.664" v="175"/>
+          <ac:spMkLst>
+            <pc:docMk/>
+            <pc:sldMk cId="3255533136" sldId="256"/>
+            <ac:spMk id="2" creationId="{C886721D-0E80-4306-9F4C-3FAA6FE50BE6}"/>
+          </ac:spMkLst>
+        </pc:spChg>
+      </pc:sldChg>
+      <pc:sldChg chg="modSp">
+        <pc:chgData name="김영찬" userId="a81591f0-1a4d-4c10-b0d3-35a306720c09" providerId="ADAL" clId="{C6263AE8-44B9-418E-970B-782102A8990D}" dt="2019-05-28T12:27:29.727" v="168" actId="404"/>
+        <pc:sldMkLst>
+          <pc:docMk/>
+          <pc:sldMk cId="4197121160" sldId="261"/>
+        </pc:sldMkLst>
+        <pc:spChg chg="mod">
+          <ac:chgData name="김영찬" userId="a81591f0-1a4d-4c10-b0d3-35a306720c09" providerId="ADAL" clId="{C6263AE8-44B9-418E-970B-782102A8990D}" dt="2019-05-28T12:15:54.655" v="9"/>
+          <ac:spMkLst>
+            <pc:docMk/>
+            <pc:sldMk cId="4197121160" sldId="261"/>
+            <ac:spMk id="2" creationId="{AA57BE3B-8A81-4775-8A24-BE9D0E50C6BC}"/>
+          </ac:spMkLst>
+        </pc:spChg>
+        <pc:graphicFrameChg chg="mod modGraphic">
+          <ac:chgData name="김영찬" userId="a81591f0-1a4d-4c10-b0d3-35a306720c09" providerId="ADAL" clId="{C6263AE8-44B9-418E-970B-782102A8990D}" dt="2019-05-28T12:27:29.727" v="168" actId="404"/>
+          <ac:graphicFrameMkLst>
+            <pc:docMk/>
+            <pc:sldMk cId="4197121160" sldId="261"/>
+            <ac:graphicFrameMk id="7" creationId="{B5583A04-3A25-4635-A454-27DEBF9D096E}"/>
+          </ac:graphicFrameMkLst>
+        </pc:graphicFrameChg>
+      </pc:sldChg>
+      <pc:sldChg chg="addSp delSp modSp">
+        <pc:chgData name="김영찬" userId="a81591f0-1a4d-4c10-b0d3-35a306720c09" providerId="ADAL" clId="{C6263AE8-44B9-418E-970B-782102A8990D}" dt="2019-05-28T12:26:07.507" v="114" actId="478"/>
+        <pc:sldMkLst>
+          <pc:docMk/>
+          <pc:sldMk cId="2517608374" sldId="267"/>
+        </pc:sldMkLst>
+        <pc:spChg chg="mod">
+          <ac:chgData name="김영찬" userId="a81591f0-1a4d-4c10-b0d3-35a306720c09" providerId="ADAL" clId="{C6263AE8-44B9-418E-970B-782102A8990D}" dt="2019-05-28T12:25:43.744" v="94" actId="20577"/>
+          <ac:spMkLst>
+            <pc:docMk/>
+            <pc:sldMk cId="2517608374" sldId="267"/>
+            <ac:spMk id="3" creationId="{9BED47D4-ED28-440D-90C9-75F03E72F699}"/>
+          </ac:spMkLst>
+        </pc:spChg>
+        <pc:picChg chg="add del mod">
+          <ac:chgData name="김영찬" userId="a81591f0-1a4d-4c10-b0d3-35a306720c09" providerId="ADAL" clId="{C6263AE8-44B9-418E-970B-782102A8990D}" dt="2019-05-28T12:25:57.006" v="105"/>
+          <ac:picMkLst>
+            <pc:docMk/>
+            <pc:sldMk cId="2517608374" sldId="267"/>
+            <ac:picMk id="8" creationId="{B77B10B1-0188-46FD-A2C0-1D79BE428841}"/>
+          </ac:picMkLst>
+        </pc:picChg>
+        <pc:picChg chg="add mod">
+          <ac:chgData name="김영찬" userId="a81591f0-1a4d-4c10-b0d3-35a306720c09" providerId="ADAL" clId="{C6263AE8-44B9-418E-970B-782102A8990D}" dt="2019-05-28T12:26:04.009" v="112" actId="1076"/>
+          <ac:picMkLst>
+            <pc:docMk/>
+            <pc:sldMk cId="2517608374" sldId="267"/>
+            <ac:picMk id="10" creationId="{A4F182B4-5B20-4303-82F3-2C6365718551}"/>
+          </ac:picMkLst>
+        </pc:picChg>
+        <pc:picChg chg="add del">
+          <ac:chgData name="김영찬" userId="a81591f0-1a4d-4c10-b0d3-35a306720c09" providerId="ADAL" clId="{C6263AE8-44B9-418E-970B-782102A8990D}" dt="2019-05-28T12:26:07.507" v="114" actId="478"/>
+          <ac:picMkLst>
+            <pc:docMk/>
+            <pc:sldMk cId="2517608374" sldId="267"/>
+            <ac:picMk id="11" creationId="{A6CE3275-91AC-4CEF-BBDE-27AEC2F502CC}"/>
+          </ac:picMkLst>
+        </pc:picChg>
+      </pc:sldChg>
+      <pc:sldChg chg="addSp delSp modSp add">
+        <pc:chgData name="김영찬" userId="a81591f0-1a4d-4c10-b0d3-35a306720c09" providerId="ADAL" clId="{C6263AE8-44B9-418E-970B-782102A8990D}" dt="2019-05-28T12:26:42.089" v="133" actId="1076"/>
+        <pc:sldMkLst>
+          <pc:docMk/>
+          <pc:sldMk cId="2270366174" sldId="268"/>
+        </pc:sldMkLst>
+        <pc:spChg chg="del mod">
+          <ac:chgData name="김영찬" userId="a81591f0-1a4d-4c10-b0d3-35a306720c09" providerId="ADAL" clId="{C6263AE8-44B9-418E-970B-782102A8990D}" dt="2019-05-28T12:26:16.290" v="118"/>
+          <ac:spMkLst>
+            <pc:docMk/>
+            <pc:sldMk cId="2270366174" sldId="268"/>
+            <ac:spMk id="3" creationId="{9BED47D4-ED28-440D-90C9-75F03E72F699}"/>
+          </ac:spMkLst>
+        </pc:spChg>
+        <pc:spChg chg="del">
+          <ac:chgData name="김영찬" userId="a81591f0-1a4d-4c10-b0d3-35a306720c09" providerId="ADAL" clId="{C6263AE8-44B9-418E-970B-782102A8990D}" dt="2019-05-28T12:26:37.093" v="131" actId="478"/>
+          <ac:spMkLst>
+            <pc:docMk/>
+            <pc:sldMk cId="2270366174" sldId="268"/>
+            <ac:spMk id="5" creationId="{A4F3CE2C-6C4B-40FA-9D7D-03679CAB5200}"/>
+          </ac:spMkLst>
+        </pc:spChg>
+        <pc:picChg chg="add mod">
+          <ac:chgData name="김영찬" userId="a81591f0-1a4d-4c10-b0d3-35a306720c09" providerId="ADAL" clId="{C6263AE8-44B9-418E-970B-782102A8990D}" dt="2019-05-28T12:26:38.232" v="132" actId="1076"/>
+          <ac:picMkLst>
+            <pc:docMk/>
+            <pc:sldMk cId="2270366174" sldId="268"/>
+            <ac:picMk id="8" creationId="{2F9A39B0-7DFF-4621-AAC4-324F3D9A3478}"/>
+          </ac:picMkLst>
+        </pc:picChg>
+        <pc:picChg chg="del">
+          <ac:chgData name="김영찬" userId="a81591f0-1a4d-4c10-b0d3-35a306720c09" providerId="ADAL" clId="{C6263AE8-44B9-418E-970B-782102A8990D}" dt="2019-05-28T12:26:12.109" v="116" actId="478"/>
+          <ac:picMkLst>
+            <pc:docMk/>
+            <pc:sldMk cId="2270366174" sldId="268"/>
+            <ac:picMk id="10" creationId="{A4F182B4-5B20-4303-82F3-2C6365718551}"/>
+          </ac:picMkLst>
+        </pc:picChg>
+        <pc:picChg chg="add mod">
+          <ac:chgData name="김영찬" userId="a81591f0-1a4d-4c10-b0d3-35a306720c09" providerId="ADAL" clId="{C6263AE8-44B9-418E-970B-782102A8990D}" dt="2019-05-28T12:26:42.089" v="133" actId="1076"/>
+          <ac:picMkLst>
+            <pc:docMk/>
+            <pc:sldMk cId="2270366174" sldId="268"/>
+            <ac:picMk id="11" creationId="{DCD39B79-56E9-4FA5-ADBF-7CBBB54B1F1F}"/>
+          </ac:picMkLst>
+        </pc:picChg>
+      </pc:sldChg>
+    </pc:docChg>
+  </pc:docChgLst>
+  <pc:docChgLst>
     <pc:chgData name="김영찬" userId="a81591f0-1a4d-4c10-b0d3-35a306720c09" providerId="ADAL" clId="{D6696B76-AE65-491A-B254-287DE2784131}"/>
     <pc:docChg chg="undo custSel addSld delSld modSld sldOrd modMainMaster">
       <pc:chgData name="김영찬" userId="a81591f0-1a4d-4c10-b0d3-35a306720c09" providerId="ADAL" clId="{D6696B76-AE65-491A-B254-287DE2784131}" dt="2019-04-22T04:45:16.545" v="3308" actId="404"/>
@@ -3389,6 +2997,398 @@
           </pc:graphicFrameChg>
         </pc:sldLayoutChg>
       </pc:sldMasterChg>
+    </pc:docChg>
+  </pc:docChgLst>
+  <pc:docChgLst>
+    <pc:chgData name="김영찬" userId="a81591f0-1a4d-4c10-b0d3-35a306720c09" providerId="ADAL" clId="{96725876-79DF-416C-B807-402B7C64161B}"/>
+    <pc:docChg chg="delSld">
+      <pc:chgData name="김영찬" userId="a81591f0-1a4d-4c10-b0d3-35a306720c09" providerId="ADAL" clId="{96725876-79DF-416C-B807-402B7C64161B}" dt="2019-05-10T13:37:52.124" v="13" actId="2696"/>
+      <pc:docMkLst>
+        <pc:docMk/>
+      </pc:docMkLst>
+    </pc:docChg>
+  </pc:docChgLst>
+  <pc:docChgLst>
+    <pc:chgData name="김영찬" userId="a81591f0-1a4d-4c10-b0d3-35a306720c09" providerId="ADAL" clId="{3222EEAA-C4D3-4163-9871-70D3B67B13F5}"/>
+    <pc:docChg chg="undo custSel addSld delSld modSld sldOrd">
+      <pc:chgData name="김영찬" userId="a81591f0-1a4d-4c10-b0d3-35a306720c09" providerId="ADAL" clId="{3222EEAA-C4D3-4163-9871-70D3B67B13F5}" dt="2019-04-28T16:27:50.859" v="4320" actId="14100"/>
+      <pc:docMkLst>
+        <pc:docMk/>
+      </pc:docMkLst>
+    </pc:docChg>
+  </pc:docChgLst>
+  <pc:docChgLst>
+    <pc:chgData name="김영찬" userId="a81591f0-1a4d-4c10-b0d3-35a306720c09" providerId="ADAL" clId="{0FF42640-1B0D-47F0-99C2-6800CA124613}"/>
+    <pc:docChg chg="undo custSel addSld delSld modSld sldOrd modMainMaster">
+      <pc:chgData name="김영찬" userId="a81591f0-1a4d-4c10-b0d3-35a306720c09" providerId="ADAL" clId="{0FF42640-1B0D-47F0-99C2-6800CA124613}" dt="2019-04-14T08:37:22.457" v="15416" actId="20577"/>
+      <pc:docMkLst>
+        <pc:docMk/>
+      </pc:docMkLst>
+      <pc:sldMasterChg chg="modSldLayout">
+        <pc:chgData name="김영찬" userId="a81591f0-1a4d-4c10-b0d3-35a306720c09" providerId="ADAL" clId="{0FF42640-1B0D-47F0-99C2-6800CA124613}" dt="2019-04-07T08:15:17.305" v="2540" actId="478"/>
+        <pc:sldMasterMkLst>
+          <pc:docMk/>
+          <pc:sldMasterMk cId="3580537156" sldId="2147483648"/>
+        </pc:sldMasterMkLst>
+        <pc:sldLayoutChg chg="modSp">
+          <pc:chgData name="김영찬" userId="a81591f0-1a4d-4c10-b0d3-35a306720c09" providerId="ADAL" clId="{0FF42640-1B0D-47F0-99C2-6800CA124613}" dt="2019-04-07T08:13:52.548" v="2519" actId="692"/>
+          <pc:sldLayoutMkLst>
+            <pc:docMk/>
+            <pc:sldMasterMk cId="3580537156" sldId="2147483648"/>
+            <pc:sldLayoutMk cId="955644835" sldId="2147483649"/>
+          </pc:sldLayoutMkLst>
+          <pc:spChg chg="mod">
+            <ac:chgData name="김영찬" userId="a81591f0-1a4d-4c10-b0d3-35a306720c09" providerId="ADAL" clId="{0FF42640-1B0D-47F0-99C2-6800CA124613}" dt="2019-04-07T08:13:52.548" v="2519" actId="692"/>
+            <ac:spMkLst>
+              <pc:docMk/>
+              <pc:sldMasterMk cId="3580537156" sldId="2147483648"/>
+              <pc:sldLayoutMk cId="955644835" sldId="2147483649"/>
+              <ac:spMk id="2" creationId="{00B1986A-0BF3-48F4-8615-0276F801B0CA}"/>
+            </ac:spMkLst>
+          </pc:spChg>
+        </pc:sldLayoutChg>
+        <pc:sldLayoutChg chg="modSp">
+          <pc:chgData name="김영찬" userId="a81591f0-1a4d-4c10-b0d3-35a306720c09" providerId="ADAL" clId="{0FF42640-1B0D-47F0-99C2-6800CA124613}" dt="2019-04-07T08:13:55.828" v="2520" actId="692"/>
+          <pc:sldLayoutMkLst>
+            <pc:docMk/>
+            <pc:sldMasterMk cId="3580537156" sldId="2147483648"/>
+            <pc:sldLayoutMk cId="3661968336" sldId="2147483650"/>
+          </pc:sldLayoutMkLst>
+          <pc:spChg chg="mod">
+            <ac:chgData name="김영찬" userId="a81591f0-1a4d-4c10-b0d3-35a306720c09" providerId="ADAL" clId="{0FF42640-1B0D-47F0-99C2-6800CA124613}" dt="2019-04-07T08:13:55.828" v="2520" actId="692"/>
+            <ac:spMkLst>
+              <pc:docMk/>
+              <pc:sldMasterMk cId="3580537156" sldId="2147483648"/>
+              <pc:sldLayoutMk cId="3661968336" sldId="2147483650"/>
+              <ac:spMk id="3" creationId="{A8A81D29-565E-4AAE-8980-ADE5607E6196}"/>
+            </ac:spMkLst>
+          </pc:spChg>
+        </pc:sldLayoutChg>
+        <pc:sldLayoutChg chg="modSp">
+          <pc:chgData name="김영찬" userId="a81591f0-1a4d-4c10-b0d3-35a306720c09" providerId="ADAL" clId="{0FF42640-1B0D-47F0-99C2-6800CA124613}" dt="2019-04-07T08:14:03.343" v="2522" actId="692"/>
+          <pc:sldLayoutMkLst>
+            <pc:docMk/>
+            <pc:sldMasterMk cId="3580537156" sldId="2147483648"/>
+            <pc:sldLayoutMk cId="1647236246" sldId="2147483654"/>
+          </pc:sldLayoutMkLst>
+          <pc:spChg chg="mod">
+            <ac:chgData name="김영찬" userId="a81591f0-1a4d-4c10-b0d3-35a306720c09" providerId="ADAL" clId="{0FF42640-1B0D-47F0-99C2-6800CA124613}" dt="2019-04-07T08:14:03.343" v="2522" actId="692"/>
+            <ac:spMkLst>
+              <pc:docMk/>
+              <pc:sldMasterMk cId="3580537156" sldId="2147483648"/>
+              <pc:sldLayoutMk cId="1647236246" sldId="2147483654"/>
+              <ac:spMk id="7" creationId="{8D7A0A2B-A5E1-4002-AC67-CEB2427BD0B5}"/>
+            </ac:spMkLst>
+          </pc:spChg>
+        </pc:sldLayoutChg>
+        <pc:sldLayoutChg chg="addSp delSp modSp">
+          <pc:chgData name="김영찬" userId="a81591f0-1a4d-4c10-b0d3-35a306720c09" providerId="ADAL" clId="{0FF42640-1B0D-47F0-99C2-6800CA124613}" dt="2019-04-07T08:15:12.443" v="2539"/>
+          <pc:sldLayoutMkLst>
+            <pc:docMk/>
+            <pc:sldMasterMk cId="3580537156" sldId="2147483648"/>
+            <pc:sldLayoutMk cId="870047011" sldId="2147483656"/>
+          </pc:sldLayoutMkLst>
+          <pc:spChg chg="mod">
+            <ac:chgData name="김영찬" userId="a81591f0-1a4d-4c10-b0d3-35a306720c09" providerId="ADAL" clId="{0FF42640-1B0D-47F0-99C2-6800CA124613}" dt="2019-04-07T08:14:23.697" v="2529" actId="14100"/>
+            <ac:spMkLst>
+              <pc:docMk/>
+              <pc:sldMasterMk cId="3580537156" sldId="2147483648"/>
+              <pc:sldLayoutMk cId="870047011" sldId="2147483656"/>
+              <ac:spMk id="3" creationId="{A8A81D29-565E-4AAE-8980-ADE5607E6196}"/>
+            </ac:spMkLst>
+          </pc:spChg>
+          <pc:spChg chg="add mod">
+            <ac:chgData name="김영찬" userId="a81591f0-1a4d-4c10-b0d3-35a306720c09" providerId="ADAL" clId="{0FF42640-1B0D-47F0-99C2-6800CA124613}" dt="2019-04-07T08:14:31.019" v="2531" actId="14100"/>
+            <ac:spMkLst>
+              <pc:docMk/>
+              <pc:sldMasterMk cId="3580537156" sldId="2147483648"/>
+              <pc:sldLayoutMk cId="870047011" sldId="2147483656"/>
+              <ac:spMk id="15" creationId="{0EAF583E-4EE0-4C2F-A8B5-74A8E2A122E0}"/>
+            </ac:spMkLst>
+          </pc:spChg>
+          <pc:spChg chg="add del">
+            <ac:chgData name="김영찬" userId="a81591f0-1a4d-4c10-b0d3-35a306720c09" providerId="ADAL" clId="{0FF42640-1B0D-47F0-99C2-6800CA124613}" dt="2019-04-07T08:15:12.443" v="2539"/>
+            <ac:spMkLst>
+              <pc:docMk/>
+              <pc:sldMasterMk cId="3580537156" sldId="2147483648"/>
+              <pc:sldLayoutMk cId="870047011" sldId="2147483656"/>
+              <ac:spMk id="17" creationId="{EA17FFFB-0737-45D5-A34A-F8526074400B}"/>
+            </ac:spMkLst>
+          </pc:spChg>
+          <pc:spChg chg="add del">
+            <ac:chgData name="김영찬" userId="a81591f0-1a4d-4c10-b0d3-35a306720c09" providerId="ADAL" clId="{0FF42640-1B0D-47F0-99C2-6800CA124613}" dt="2019-04-07T08:15:12.443" v="2539"/>
+            <ac:spMkLst>
+              <pc:docMk/>
+              <pc:sldMasterMk cId="3580537156" sldId="2147483648"/>
+              <pc:sldLayoutMk cId="870047011" sldId="2147483656"/>
+              <ac:spMk id="18" creationId="{251A7378-1EE7-4C77-8A1C-0F080AEB6F34}"/>
+            </ac:spMkLst>
+          </pc:spChg>
+          <pc:spChg chg="add del">
+            <ac:chgData name="김영찬" userId="a81591f0-1a4d-4c10-b0d3-35a306720c09" providerId="ADAL" clId="{0FF42640-1B0D-47F0-99C2-6800CA124613}" dt="2019-04-07T08:15:12.443" v="2539"/>
+            <ac:spMkLst>
+              <pc:docMk/>
+              <pc:sldMasterMk cId="3580537156" sldId="2147483648"/>
+              <pc:sldLayoutMk cId="870047011" sldId="2147483656"/>
+              <ac:spMk id="19" creationId="{F1E1F073-B1D2-4D0C-ADD6-C4F1CFF0A4F8}"/>
+            </ac:spMkLst>
+          </pc:spChg>
+          <pc:spChg chg="add del">
+            <ac:chgData name="김영찬" userId="a81591f0-1a4d-4c10-b0d3-35a306720c09" providerId="ADAL" clId="{0FF42640-1B0D-47F0-99C2-6800CA124613}" dt="2019-04-07T08:15:12.443" v="2539"/>
+            <ac:spMkLst>
+              <pc:docMk/>
+              <pc:sldMasterMk cId="3580537156" sldId="2147483648"/>
+              <pc:sldLayoutMk cId="870047011" sldId="2147483656"/>
+              <ac:spMk id="20" creationId="{F462FD96-C5D2-4E98-B841-C73746D5E7C3}"/>
+            </ac:spMkLst>
+          </pc:spChg>
+          <pc:spChg chg="add del">
+            <ac:chgData name="김영찬" userId="a81591f0-1a4d-4c10-b0d3-35a306720c09" providerId="ADAL" clId="{0FF42640-1B0D-47F0-99C2-6800CA124613}" dt="2019-04-07T08:15:12.443" v="2539"/>
+            <ac:spMkLst>
+              <pc:docMk/>
+              <pc:sldMasterMk cId="3580537156" sldId="2147483648"/>
+              <pc:sldLayoutMk cId="870047011" sldId="2147483656"/>
+              <ac:spMk id="22" creationId="{32C9F139-2930-489E-BF3B-04449072749F}"/>
+            </ac:spMkLst>
+          </pc:spChg>
+        </pc:sldLayoutChg>
+        <pc:sldLayoutChg chg="delSp">
+          <pc:chgData name="김영찬" userId="a81591f0-1a4d-4c10-b0d3-35a306720c09" providerId="ADAL" clId="{0FF42640-1B0D-47F0-99C2-6800CA124613}" dt="2019-04-07T08:15:17.305" v="2540" actId="478"/>
+          <pc:sldLayoutMkLst>
+            <pc:docMk/>
+            <pc:sldMasterMk cId="3580537156" sldId="2147483648"/>
+            <pc:sldLayoutMk cId="2806755365" sldId="2147483657"/>
+          </pc:sldLayoutMkLst>
+          <pc:spChg chg="del">
+            <ac:chgData name="김영찬" userId="a81591f0-1a4d-4c10-b0d3-35a306720c09" providerId="ADAL" clId="{0FF42640-1B0D-47F0-99C2-6800CA124613}" dt="2019-04-07T08:15:17.305" v="2540" actId="478"/>
+            <ac:spMkLst>
+              <pc:docMk/>
+              <pc:sldMasterMk cId="3580537156" sldId="2147483648"/>
+              <pc:sldLayoutMk cId="2806755365" sldId="2147483657"/>
+              <ac:spMk id="3" creationId="{A8A81D29-565E-4AAE-8980-ADE5607E6196}"/>
+            </ac:spMkLst>
+          </pc:spChg>
+        </pc:sldLayoutChg>
+      </pc:sldMasterChg>
+    </pc:docChg>
+  </pc:docChgLst>
+  <pc:docChgLst>
+    <pc:chgData name="김영찬" userId="a81591f0-1a4d-4c10-b0d3-35a306720c09" providerId="ADAL" clId="{A3A0D0E8-9F3A-4857-BB36-F1D91E7B334A}"/>
+    <pc:docChg chg="undo redo custSel modSld">
+      <pc:chgData name="김영찬" userId="a81591f0-1a4d-4c10-b0d3-35a306720c09" providerId="ADAL" clId="{A3A0D0E8-9F3A-4857-BB36-F1D91E7B334A}" dt="2019-06-14T05:31:39.735" v="1367" actId="20577"/>
+      <pc:docMkLst>
+        <pc:docMk/>
+      </pc:docMkLst>
+      <pc:sldChg chg="modSp">
+        <pc:chgData name="김영찬" userId="a81591f0-1a4d-4c10-b0d3-35a306720c09" providerId="ADAL" clId="{A3A0D0E8-9F3A-4857-BB36-F1D91E7B334A}" dt="2019-06-14T05:00:24.620" v="8"/>
+        <pc:sldMkLst>
+          <pc:docMk/>
+          <pc:sldMk cId="3255533136" sldId="256"/>
+        </pc:sldMkLst>
+        <pc:spChg chg="mod">
+          <ac:chgData name="김영찬" userId="a81591f0-1a4d-4c10-b0d3-35a306720c09" providerId="ADAL" clId="{A3A0D0E8-9F3A-4857-BB36-F1D91E7B334A}" dt="2019-06-14T05:00:24.620" v="8"/>
+          <ac:spMkLst>
+            <pc:docMk/>
+            <pc:sldMk cId="3255533136" sldId="256"/>
+            <ac:spMk id="2" creationId="{C886721D-0E80-4306-9F4C-3FAA6FE50BE6}"/>
+          </ac:spMkLst>
+        </pc:spChg>
+      </pc:sldChg>
+      <pc:sldChg chg="addSp delSp modSp">
+        <pc:chgData name="김영찬" userId="a81591f0-1a4d-4c10-b0d3-35a306720c09" providerId="ADAL" clId="{A3A0D0E8-9F3A-4857-BB36-F1D91E7B334A}" dt="2019-06-14T05:31:39.735" v="1367" actId="20577"/>
+        <pc:sldMkLst>
+          <pc:docMk/>
+          <pc:sldMk cId="3228944088" sldId="259"/>
+        </pc:sldMkLst>
+        <pc:spChg chg="mod">
+          <ac:chgData name="김영찬" userId="a81591f0-1a4d-4c10-b0d3-35a306720c09" providerId="ADAL" clId="{A3A0D0E8-9F3A-4857-BB36-F1D91E7B334A}" dt="2019-06-14T05:31:39.735" v="1367" actId="20577"/>
+          <ac:spMkLst>
+            <pc:docMk/>
+            <pc:sldMk cId="3228944088" sldId="259"/>
+            <ac:spMk id="3" creationId="{C08FC53D-329F-4A72-89A3-715DA112070D}"/>
+          </ac:spMkLst>
+        </pc:spChg>
+        <pc:spChg chg="add mod ord">
+          <ac:chgData name="김영찬" userId="a81591f0-1a4d-4c10-b0d3-35a306720c09" providerId="ADAL" clId="{A3A0D0E8-9F3A-4857-BB36-F1D91E7B334A}" dt="2019-06-14T05:19:58.903" v="769" actId="1076"/>
+          <ac:spMkLst>
+            <pc:docMk/>
+            <pc:sldMk cId="3228944088" sldId="259"/>
+            <ac:spMk id="6" creationId="{9268CF3F-FA9F-4FC0-95D7-7578F988BEAD}"/>
+          </ac:spMkLst>
+        </pc:spChg>
+        <pc:spChg chg="del">
+          <ac:chgData name="김영찬" userId="a81591f0-1a4d-4c10-b0d3-35a306720c09" providerId="ADAL" clId="{A3A0D0E8-9F3A-4857-BB36-F1D91E7B334A}" dt="2019-06-14T05:16:55.969" v="266" actId="478"/>
+          <ac:spMkLst>
+            <pc:docMk/>
+            <pc:sldMk cId="3228944088" sldId="259"/>
+            <ac:spMk id="7" creationId="{F234F5A2-857A-43E7-A9E4-F01F38BA6864}"/>
+          </ac:spMkLst>
+        </pc:spChg>
+        <pc:picChg chg="add mod">
+          <ac:chgData name="김영찬" userId="a81591f0-1a4d-4c10-b0d3-35a306720c09" providerId="ADAL" clId="{A3A0D0E8-9F3A-4857-BB36-F1D91E7B334A}" dt="2019-06-14T05:16:42.235" v="264" actId="14100"/>
+          <ac:picMkLst>
+            <pc:docMk/>
+            <pc:sldMk cId="3228944088" sldId="259"/>
+            <ac:picMk id="5" creationId="{7C3ADAB9-8142-40EB-AE41-35C83ADD07F1}"/>
+          </ac:picMkLst>
+        </pc:picChg>
+        <pc:picChg chg="mod">
+          <ac:chgData name="김영찬" userId="a81591f0-1a4d-4c10-b0d3-35a306720c09" providerId="ADAL" clId="{A3A0D0E8-9F3A-4857-BB36-F1D91E7B334A}" dt="2019-06-14T05:14:16.175" v="253" actId="1076"/>
+          <ac:picMkLst>
+            <pc:docMk/>
+            <pc:sldMk cId="3228944088" sldId="259"/>
+            <ac:picMk id="18" creationId="{E6859861-974B-4D10-8597-BF8D3FA2C810}"/>
+          </ac:picMkLst>
+        </pc:picChg>
+      </pc:sldChg>
+      <pc:sldChg chg="modSp modNotesTx">
+        <pc:chgData name="김영찬" userId="a81591f0-1a4d-4c10-b0d3-35a306720c09" providerId="ADAL" clId="{A3A0D0E8-9F3A-4857-BB36-F1D91E7B334A}" dt="2019-06-14T05:02:19.067" v="219" actId="6549"/>
+        <pc:sldMkLst>
+          <pc:docMk/>
+          <pc:sldMk cId="4197121160" sldId="261"/>
+        </pc:sldMkLst>
+        <pc:graphicFrameChg chg="mod modGraphic">
+          <ac:chgData name="김영찬" userId="a81591f0-1a4d-4c10-b0d3-35a306720c09" providerId="ADAL" clId="{A3A0D0E8-9F3A-4857-BB36-F1D91E7B334A}" dt="2019-06-14T05:02:19.067" v="219" actId="6549"/>
+          <ac:graphicFrameMkLst>
+            <pc:docMk/>
+            <pc:sldMk cId="4197121160" sldId="261"/>
+            <ac:graphicFrameMk id="7" creationId="{B5583A04-3A25-4635-A454-27DEBF9D096E}"/>
+          </ac:graphicFrameMkLst>
+        </pc:graphicFrameChg>
+      </pc:sldChg>
+      <pc:sldChg chg="addSp delSp modSp">
+        <pc:chgData name="김영찬" userId="a81591f0-1a4d-4c10-b0d3-35a306720c09" providerId="ADAL" clId="{A3A0D0E8-9F3A-4857-BB36-F1D91E7B334A}" dt="2019-06-14T05:28:21.888" v="1290" actId="20577"/>
+        <pc:sldMkLst>
+          <pc:docMk/>
+          <pc:sldMk cId="306099351" sldId="266"/>
+        </pc:sldMkLst>
+        <pc:spChg chg="mod">
+          <ac:chgData name="김영찬" userId="a81591f0-1a4d-4c10-b0d3-35a306720c09" providerId="ADAL" clId="{A3A0D0E8-9F3A-4857-BB36-F1D91E7B334A}" dt="2019-06-14T05:28:21.888" v="1290" actId="20577"/>
+          <ac:spMkLst>
+            <pc:docMk/>
+            <pc:sldMk cId="306099351" sldId="266"/>
+            <ac:spMk id="3" creationId="{C08FC53D-329F-4A72-89A3-715DA112070D}"/>
+          </ac:spMkLst>
+        </pc:spChg>
+        <pc:spChg chg="add mod">
+          <ac:chgData name="김영찬" userId="a81591f0-1a4d-4c10-b0d3-35a306720c09" providerId="ADAL" clId="{A3A0D0E8-9F3A-4857-BB36-F1D91E7B334A}" dt="2019-06-14T05:27:20.742" v="978" actId="403"/>
+          <ac:spMkLst>
+            <pc:docMk/>
+            <pc:sldMk cId="306099351" sldId="266"/>
+            <ac:spMk id="6" creationId="{98A6BD85-1493-43DE-BDE8-376C887F2722}"/>
+          </ac:spMkLst>
+        </pc:spChg>
+        <pc:picChg chg="add mod">
+          <ac:chgData name="김영찬" userId="a81591f0-1a4d-4c10-b0d3-35a306720c09" providerId="ADAL" clId="{A3A0D0E8-9F3A-4857-BB36-F1D91E7B334A}" dt="2019-06-14T05:25:26.633" v="786" actId="1076"/>
+          <ac:picMkLst>
+            <pc:docMk/>
+            <pc:sldMk cId="306099351" sldId="266"/>
+            <ac:picMk id="5" creationId="{1C7ED89C-DB5E-4A9D-9943-2265BE4D5015}"/>
+          </ac:picMkLst>
+        </pc:picChg>
+        <pc:picChg chg="mod">
+          <ac:chgData name="김영찬" userId="a81591f0-1a4d-4c10-b0d3-35a306720c09" providerId="ADAL" clId="{A3A0D0E8-9F3A-4857-BB36-F1D91E7B334A}" dt="2019-06-14T05:20:16.052" v="774" actId="1076"/>
+          <ac:picMkLst>
+            <pc:docMk/>
+            <pc:sldMk cId="306099351" sldId="266"/>
+            <ac:picMk id="21" creationId="{4935CDEA-1299-4F66-89AE-C64002D5BA67}"/>
+          </ac:picMkLst>
+        </pc:picChg>
+        <pc:picChg chg="del mod">
+          <ac:chgData name="김영찬" userId="a81591f0-1a4d-4c10-b0d3-35a306720c09" providerId="ADAL" clId="{A3A0D0E8-9F3A-4857-BB36-F1D91E7B334A}" dt="2019-06-14T05:26:53.381" v="956" actId="478"/>
+          <ac:picMkLst>
+            <pc:docMk/>
+            <pc:sldMk cId="306099351" sldId="266"/>
+            <ac:picMk id="23" creationId="{A63C2F75-F5BB-418F-8602-1D6FBCC95CE8}"/>
+          </ac:picMkLst>
+        </pc:picChg>
+      </pc:sldChg>
+      <pc:sldChg chg="addSp delSp modSp">
+        <pc:chgData name="김영찬" userId="a81591f0-1a4d-4c10-b0d3-35a306720c09" providerId="ADAL" clId="{A3A0D0E8-9F3A-4857-BB36-F1D91E7B334A}" dt="2019-06-14T05:09:02.234" v="229"/>
+        <pc:sldMkLst>
+          <pc:docMk/>
+          <pc:sldMk cId="2517608374" sldId="267"/>
+        </pc:sldMkLst>
+        <pc:picChg chg="add del mod">
+          <ac:chgData name="김영찬" userId="a81591f0-1a4d-4c10-b0d3-35a306720c09" providerId="ADAL" clId="{A3A0D0E8-9F3A-4857-BB36-F1D91E7B334A}" dt="2019-06-14T05:08:59.910" v="227"/>
+          <ac:picMkLst>
+            <pc:docMk/>
+            <pc:sldMk cId="2517608374" sldId="267"/>
+            <ac:picMk id="8" creationId="{385ABBE7-8214-4800-81B5-88C5B6505F4F}"/>
+          </ac:picMkLst>
+        </pc:picChg>
+        <pc:picChg chg="del mod">
+          <ac:chgData name="김영찬" userId="a81591f0-1a4d-4c10-b0d3-35a306720c09" providerId="ADAL" clId="{A3A0D0E8-9F3A-4857-BB36-F1D91E7B334A}" dt="2019-06-14T05:09:01.132" v="228" actId="478"/>
+          <ac:picMkLst>
+            <pc:docMk/>
+            <pc:sldMk cId="2517608374" sldId="267"/>
+            <ac:picMk id="10" creationId="{A4F182B4-5B20-4303-82F3-2C6365718551}"/>
+          </ac:picMkLst>
+        </pc:picChg>
+        <pc:picChg chg="add">
+          <ac:chgData name="김영찬" userId="a81591f0-1a4d-4c10-b0d3-35a306720c09" providerId="ADAL" clId="{A3A0D0E8-9F3A-4857-BB36-F1D91E7B334A}" dt="2019-06-14T05:09:02.234" v="229"/>
+          <ac:picMkLst>
+            <pc:docMk/>
+            <pc:sldMk cId="2517608374" sldId="267"/>
+            <ac:picMk id="11" creationId="{A2095E0B-E321-456D-9E01-55904A5DB82A}"/>
+          </ac:picMkLst>
+        </pc:picChg>
+      </pc:sldChg>
+      <pc:sldChg chg="addSp delSp modSp">
+        <pc:chgData name="김영찬" userId="a81591f0-1a4d-4c10-b0d3-35a306720c09" providerId="ADAL" clId="{A3A0D0E8-9F3A-4857-BB36-F1D91E7B334A}" dt="2019-06-14T05:13:18.669" v="249" actId="1076"/>
+        <pc:sldMkLst>
+          <pc:docMk/>
+          <pc:sldMk cId="2270366174" sldId="268"/>
+        </pc:sldMkLst>
+        <pc:spChg chg="add del mod">
+          <ac:chgData name="김영찬" userId="a81591f0-1a4d-4c10-b0d3-35a306720c09" providerId="ADAL" clId="{A3A0D0E8-9F3A-4857-BB36-F1D91E7B334A}" dt="2019-06-14T05:11:31.173" v="232"/>
+          <ac:spMkLst>
+            <pc:docMk/>
+            <pc:sldMk cId="2270366174" sldId="268"/>
+            <ac:spMk id="5" creationId="{8BAF3DC6-57B7-46E8-BBE3-DE4091779D00}"/>
+          </ac:spMkLst>
+        </pc:spChg>
+        <pc:picChg chg="del">
+          <ac:chgData name="김영찬" userId="a81591f0-1a4d-4c10-b0d3-35a306720c09" providerId="ADAL" clId="{A3A0D0E8-9F3A-4857-BB36-F1D91E7B334A}" dt="2019-06-14T05:09:58.262" v="230" actId="478"/>
+          <ac:picMkLst>
+            <pc:docMk/>
+            <pc:sldMk cId="2270366174" sldId="268"/>
+            <ac:picMk id="8" creationId="{2F9A39B0-7DFF-4621-AAC4-324F3D9A3478}"/>
+          </ac:picMkLst>
+        </pc:picChg>
+        <pc:picChg chg="add mod">
+          <ac:chgData name="김영찬" userId="a81591f0-1a4d-4c10-b0d3-35a306720c09" providerId="ADAL" clId="{A3A0D0E8-9F3A-4857-BB36-F1D91E7B334A}" dt="2019-06-14T05:11:46.316" v="237" actId="1076"/>
+          <ac:picMkLst>
+            <pc:docMk/>
+            <pc:sldMk cId="2270366174" sldId="268"/>
+            <ac:picMk id="9" creationId="{3503FCD1-0635-469E-89BA-B0A076C62EB9}"/>
+          </ac:picMkLst>
+        </pc:picChg>
+        <pc:picChg chg="del">
+          <ac:chgData name="김영찬" userId="a81591f0-1a4d-4c10-b0d3-35a306720c09" providerId="ADAL" clId="{A3A0D0E8-9F3A-4857-BB36-F1D91E7B334A}" dt="2019-06-14T05:10:00.845" v="231" actId="478"/>
+          <ac:picMkLst>
+            <pc:docMk/>
+            <pc:sldMk cId="2270366174" sldId="268"/>
+            <ac:picMk id="11" creationId="{DCD39B79-56E9-4FA5-ADBF-7CBBB54B1F1F}"/>
+          </ac:picMkLst>
+        </pc:picChg>
+        <pc:picChg chg="add del mod">
+          <ac:chgData name="김영찬" userId="a81591f0-1a4d-4c10-b0d3-35a306720c09" providerId="ADAL" clId="{A3A0D0E8-9F3A-4857-BB36-F1D91E7B334A}" dt="2019-06-14T05:12:30.513" v="242" actId="478"/>
+          <ac:picMkLst>
+            <pc:docMk/>
+            <pc:sldMk cId="2270366174" sldId="268"/>
+            <ac:picMk id="12" creationId="{BD192B67-2C4D-4E72-A86A-D9E066316BD0}"/>
+          </ac:picMkLst>
+        </pc:picChg>
+        <pc:picChg chg="add mod">
+          <ac:chgData name="김영찬" userId="a81591f0-1a4d-4c10-b0d3-35a306720c09" providerId="ADAL" clId="{A3A0D0E8-9F3A-4857-BB36-F1D91E7B334A}" dt="2019-06-14T05:13:18.669" v="249" actId="1076"/>
+          <ac:picMkLst>
+            <pc:docMk/>
+            <pc:sldMk cId="2270366174" sldId="268"/>
+            <ac:picMk id="14" creationId="{17CC0A98-6C19-4D01-A8EE-A15E2AA92B12}"/>
+          </ac:picMkLst>
+        </pc:picChg>
+      </pc:sldChg>
     </pc:docChg>
   </pc:docChgLst>
 </pc:chgInfo>
@@ -4403,7 +4403,7 @@
           <a:p>
             <a:r>
               <a:rPr lang="en-US" altLang="ko-KR" dirty="0"/>
-              <a:t>C++ </a:t>
+              <a:t>C </a:t>
             </a:r>
             <a:r>
               <a:rPr lang="ko-KR" altLang="en-US" dirty="0"/>
@@ -9529,16 +9529,12 @@
               <a:t>기존에 저장한 </a:t>
             </a:r>
             <a:r>
-              <a:rPr lang="en-US" altLang="ko-KR"/>
+              <a:rPr lang="en-US" altLang="ko-KR" dirty="0"/>
               <a:t>xml</a:t>
             </a:r>
             <a:r>
-              <a:rPr lang="ko-KR" altLang="en-US"/>
-              <a:t>데이터를 </a:t>
-            </a:r>
-            <a:r>
               <a:rPr lang="ko-KR" altLang="en-US" dirty="0"/>
-              <a:t>읽어와서 로딩 속도를 향상 시킨다</a:t>
+              <a:t>데이터를 읽어와서 로딩 속도를 향상 시킨다</a:t>
             </a:r>
             <a:r>
               <a:rPr lang="en-US" altLang="ko-KR" dirty="0"/>
@@ -10067,7 +10063,30 @@
             </a:r>
             <a:r>
               <a:rPr lang="en-US" altLang="ko-KR" sz="1400" dirty="0"/>
-              <a:t>.</a:t>
+              <a:t>. </a:t>
+            </a:r>
+            <a:br>
+              <a:rPr lang="en-US" altLang="ko-KR" sz="1400" dirty="0"/>
+            </a:br>
+            <a:r>
+              <a:rPr lang="en-US" altLang="ko-KR" sz="1400" dirty="0"/>
+              <a:t>(</a:t>
+            </a:r>
+            <a:r>
+              <a:rPr lang="ko-KR" altLang="en-US" sz="1400" dirty="0"/>
+              <a:t>그래프에서 사각형 하나의 폭</a:t>
+            </a:r>
+            <a:r>
+              <a:rPr lang="en-US" altLang="ko-KR" sz="1400" dirty="0"/>
+              <a:t>(width)</a:t>
+            </a:r>
+            <a:r>
+              <a:rPr lang="ko-KR" altLang="en-US" sz="1400" dirty="0"/>
+              <a:t>을 구하는 함수를 연동</a:t>
+            </a:r>
+            <a:r>
+              <a:rPr lang="en-US" altLang="ko-KR" sz="1400" dirty="0"/>
+              <a:t>)</a:t>
             </a:r>
           </a:p>
           <a:p>
@@ -16935,7 +16954,7 @@
           <p:nvPr>
             <p:extLst>
               <p:ext uri="{D42A27DB-BD31-4B8C-83A1-F6EECF244321}">
-                <p14:modId xmlns:p14="http://schemas.microsoft.com/office/powerpoint/2010/main" val="4214108356"/>
+                <p14:modId xmlns:p14="http://schemas.microsoft.com/office/powerpoint/2010/main" val="566812974"/>
               </p:ext>
             </p:extLst>
           </p:nvPr>
@@ -17461,12 +17480,17 @@
                       </a:r>
                       <a:r>
                         <a:rPr lang="en-US" altLang="ko-KR" sz="1600" dirty="0"/>
-                        <a:t>C++</a:t>
+                        <a:t>C</a:t>
                       </a:r>
                       <a:r>
                         <a:rPr lang="ko-KR" altLang="en-US" sz="1600" dirty="0"/>
-                        <a:t>함수 연동 구현</a:t>
+                        <a:t>함수 연동</a:t>
                       </a:r>
+                      <a:r>
+                        <a:rPr lang="en-US" altLang="ko-KR" sz="1600" dirty="0"/>
+                        <a:t>,</a:t>
+                      </a:r>
+                      <a:endParaRPr lang="ko-KR" altLang="en-US" sz="1600" dirty="0"/>
                     </a:p>
                   </a:txBody>
                   <a:tcPr marL="216000" anchor="ctr"/>
@@ -17551,8 +17575,41 @@
                       <a:pPr latinLnBrk="1"/>
                       <a:r>
                         <a:rPr lang="ko-KR" altLang="en-US" sz="1600" dirty="0"/>
-                        <a:t>추가 구현 및 테스트</a:t>
+                        <a:t>추가 구현 및 테스트 </a:t>
                       </a:r>
+                      <a:r>
+                        <a:rPr lang="en-US" altLang="ko-KR" sz="1600" dirty="0"/>
+                        <a:t>(pickle </a:t>
+                      </a:r>
+                      <a:r>
+                        <a:rPr lang="ko-KR" altLang="en-US" sz="1600" dirty="0"/>
+                        <a:t>모듈 활용 </a:t>
+                      </a:r>
+                      <a:r>
+                        <a:rPr lang="ko-KR" altLang="en-US" sz="1600" dirty="0" err="1"/>
+                        <a:t>찜목록</a:t>
+                      </a:r>
+                      <a:r>
+                        <a:rPr lang="ko-KR" altLang="en-US" sz="1600" dirty="0"/>
+                        <a:t> </a:t>
+                      </a:r>
+                      <a:r>
+                        <a:rPr lang="en-US" altLang="ko-KR" sz="1600" dirty="0" err="1"/>
+                        <a:t>Save&amp;Load</a:t>
+                      </a:r>
+                      <a:r>
+                        <a:rPr lang="en-US" altLang="ko-KR" sz="1600" dirty="0"/>
+                        <a:t> </a:t>
+                      </a:r>
+                      <a:r>
+                        <a:rPr lang="ko-KR" altLang="en-US" sz="1600" dirty="0"/>
+                        <a:t>구현</a:t>
+                      </a:r>
+                      <a:r>
+                        <a:rPr lang="en-US" altLang="ko-KR" sz="1600" dirty="0"/>
+                        <a:t>)</a:t>
+                      </a:r>
+                      <a:endParaRPr lang="ko-KR" altLang="en-US" sz="1600" dirty="0"/>
                     </a:p>
                   </a:txBody>
                   <a:tcPr marL="216000" anchor="ctr"/>

--- a/기말 발표.pptx
+++ b/기말 발표.pptx
@@ -133,13 +133,171 @@
 <file path=ppt/revisionInfo.xml><?xml version="1.0" encoding="utf-8"?>
 <p1510:revInfo xmlns:a="http://schemas.openxmlformats.org/drawingml/2006/main" xmlns:r="http://schemas.openxmlformats.org/officeDocument/2006/relationships" xmlns:p1510="http://schemas.microsoft.com/office/powerpoint/2015/10/main">
   <p1510:revLst>
-    <p1510:client id="{A3A0D0E8-9F3A-4857-BB36-F1D91E7B334A}" v="109" dt="2019-06-14T05:31:39.431"/>
+    <p1510:client id="{A3A0D0E8-9F3A-4857-BB36-F1D91E7B334A}" v="115" dt="2019-06-15T10:48:22.419"/>
   </p1510:revLst>
 </p1510:revInfo>
 </file>
 
 <file path=ppt/changesInfos/changesInfo1.xml><?xml version="1.0" encoding="utf-8"?>
 <pc:chgInfo xmlns:a="http://schemas.openxmlformats.org/drawingml/2006/main" xmlns:r="http://schemas.openxmlformats.org/officeDocument/2006/relationships" xmlns:ac="http://schemas.microsoft.com/office/drawing/2013/main/command" xmlns:pc="http://schemas.microsoft.com/office/powerpoint/2013/main/command">
+  <pc:docChgLst>
+    <pc:chgData name="김영찬" userId="a81591f0-1a4d-4c10-b0d3-35a306720c09" providerId="ADAL" clId="{BF047AC6-B3CF-4B2E-8A29-CB4C276824B2}"/>
+  </pc:docChgLst>
+  <pc:docChgLst>
+    <pc:chgData name="김영찬" userId="a81591f0-1a4d-4c10-b0d3-35a306720c09" providerId="ADAL" clId="{0FF42640-1B0D-47F0-99C2-6800CA124613}"/>
+    <pc:docChg chg="undo custSel addSld delSld modSld sldOrd modMainMaster">
+      <pc:chgData name="김영찬" userId="a81591f0-1a4d-4c10-b0d3-35a306720c09" providerId="ADAL" clId="{0FF42640-1B0D-47F0-99C2-6800CA124613}" dt="2019-04-14T08:37:22.457" v="15416" actId="20577"/>
+      <pc:docMkLst>
+        <pc:docMk/>
+      </pc:docMkLst>
+      <pc:sldMasterChg chg="modSldLayout">
+        <pc:chgData name="김영찬" userId="a81591f0-1a4d-4c10-b0d3-35a306720c09" providerId="ADAL" clId="{0FF42640-1B0D-47F0-99C2-6800CA124613}" dt="2019-04-07T08:15:17.305" v="2540" actId="478"/>
+        <pc:sldMasterMkLst>
+          <pc:docMk/>
+          <pc:sldMasterMk cId="3580537156" sldId="2147483648"/>
+        </pc:sldMasterMkLst>
+        <pc:sldLayoutChg chg="modSp">
+          <pc:chgData name="김영찬" userId="a81591f0-1a4d-4c10-b0d3-35a306720c09" providerId="ADAL" clId="{0FF42640-1B0D-47F0-99C2-6800CA124613}" dt="2019-04-07T08:13:52.548" v="2519" actId="692"/>
+          <pc:sldLayoutMkLst>
+            <pc:docMk/>
+            <pc:sldMasterMk cId="3580537156" sldId="2147483648"/>
+            <pc:sldLayoutMk cId="955644835" sldId="2147483649"/>
+          </pc:sldLayoutMkLst>
+          <pc:spChg chg="mod">
+            <ac:chgData name="김영찬" userId="a81591f0-1a4d-4c10-b0d3-35a306720c09" providerId="ADAL" clId="{0FF42640-1B0D-47F0-99C2-6800CA124613}" dt="2019-04-07T08:13:52.548" v="2519" actId="692"/>
+            <ac:spMkLst>
+              <pc:docMk/>
+              <pc:sldMasterMk cId="3580537156" sldId="2147483648"/>
+              <pc:sldLayoutMk cId="955644835" sldId="2147483649"/>
+              <ac:spMk id="2" creationId="{00B1986A-0BF3-48F4-8615-0276F801B0CA}"/>
+            </ac:spMkLst>
+          </pc:spChg>
+        </pc:sldLayoutChg>
+        <pc:sldLayoutChg chg="modSp">
+          <pc:chgData name="김영찬" userId="a81591f0-1a4d-4c10-b0d3-35a306720c09" providerId="ADAL" clId="{0FF42640-1B0D-47F0-99C2-6800CA124613}" dt="2019-04-07T08:13:55.828" v="2520" actId="692"/>
+          <pc:sldLayoutMkLst>
+            <pc:docMk/>
+            <pc:sldMasterMk cId="3580537156" sldId="2147483648"/>
+            <pc:sldLayoutMk cId="3661968336" sldId="2147483650"/>
+          </pc:sldLayoutMkLst>
+          <pc:spChg chg="mod">
+            <ac:chgData name="김영찬" userId="a81591f0-1a4d-4c10-b0d3-35a306720c09" providerId="ADAL" clId="{0FF42640-1B0D-47F0-99C2-6800CA124613}" dt="2019-04-07T08:13:55.828" v="2520" actId="692"/>
+            <ac:spMkLst>
+              <pc:docMk/>
+              <pc:sldMasterMk cId="3580537156" sldId="2147483648"/>
+              <pc:sldLayoutMk cId="3661968336" sldId="2147483650"/>
+              <ac:spMk id="3" creationId="{A8A81D29-565E-4AAE-8980-ADE5607E6196}"/>
+            </ac:spMkLst>
+          </pc:spChg>
+        </pc:sldLayoutChg>
+        <pc:sldLayoutChg chg="modSp">
+          <pc:chgData name="김영찬" userId="a81591f0-1a4d-4c10-b0d3-35a306720c09" providerId="ADAL" clId="{0FF42640-1B0D-47F0-99C2-6800CA124613}" dt="2019-04-07T08:14:03.343" v="2522" actId="692"/>
+          <pc:sldLayoutMkLst>
+            <pc:docMk/>
+            <pc:sldMasterMk cId="3580537156" sldId="2147483648"/>
+            <pc:sldLayoutMk cId="1647236246" sldId="2147483654"/>
+          </pc:sldLayoutMkLst>
+          <pc:spChg chg="mod">
+            <ac:chgData name="김영찬" userId="a81591f0-1a4d-4c10-b0d3-35a306720c09" providerId="ADAL" clId="{0FF42640-1B0D-47F0-99C2-6800CA124613}" dt="2019-04-07T08:14:03.343" v="2522" actId="692"/>
+            <ac:spMkLst>
+              <pc:docMk/>
+              <pc:sldMasterMk cId="3580537156" sldId="2147483648"/>
+              <pc:sldLayoutMk cId="1647236246" sldId="2147483654"/>
+              <ac:spMk id="7" creationId="{8D7A0A2B-A5E1-4002-AC67-CEB2427BD0B5}"/>
+            </ac:spMkLst>
+          </pc:spChg>
+        </pc:sldLayoutChg>
+        <pc:sldLayoutChg chg="addSp delSp modSp">
+          <pc:chgData name="김영찬" userId="a81591f0-1a4d-4c10-b0d3-35a306720c09" providerId="ADAL" clId="{0FF42640-1B0D-47F0-99C2-6800CA124613}" dt="2019-04-07T08:15:12.443" v="2539"/>
+          <pc:sldLayoutMkLst>
+            <pc:docMk/>
+            <pc:sldMasterMk cId="3580537156" sldId="2147483648"/>
+            <pc:sldLayoutMk cId="870047011" sldId="2147483656"/>
+          </pc:sldLayoutMkLst>
+          <pc:spChg chg="mod">
+            <ac:chgData name="김영찬" userId="a81591f0-1a4d-4c10-b0d3-35a306720c09" providerId="ADAL" clId="{0FF42640-1B0D-47F0-99C2-6800CA124613}" dt="2019-04-07T08:14:23.697" v="2529" actId="14100"/>
+            <ac:spMkLst>
+              <pc:docMk/>
+              <pc:sldMasterMk cId="3580537156" sldId="2147483648"/>
+              <pc:sldLayoutMk cId="870047011" sldId="2147483656"/>
+              <ac:spMk id="3" creationId="{A8A81D29-565E-4AAE-8980-ADE5607E6196}"/>
+            </ac:spMkLst>
+          </pc:spChg>
+          <pc:spChg chg="add mod">
+            <ac:chgData name="김영찬" userId="a81591f0-1a4d-4c10-b0d3-35a306720c09" providerId="ADAL" clId="{0FF42640-1B0D-47F0-99C2-6800CA124613}" dt="2019-04-07T08:14:31.019" v="2531" actId="14100"/>
+            <ac:spMkLst>
+              <pc:docMk/>
+              <pc:sldMasterMk cId="3580537156" sldId="2147483648"/>
+              <pc:sldLayoutMk cId="870047011" sldId="2147483656"/>
+              <ac:spMk id="15" creationId="{0EAF583E-4EE0-4C2F-A8B5-74A8E2A122E0}"/>
+            </ac:spMkLst>
+          </pc:spChg>
+          <pc:spChg chg="add del">
+            <ac:chgData name="김영찬" userId="a81591f0-1a4d-4c10-b0d3-35a306720c09" providerId="ADAL" clId="{0FF42640-1B0D-47F0-99C2-6800CA124613}" dt="2019-04-07T08:15:12.443" v="2539"/>
+            <ac:spMkLst>
+              <pc:docMk/>
+              <pc:sldMasterMk cId="3580537156" sldId="2147483648"/>
+              <pc:sldLayoutMk cId="870047011" sldId="2147483656"/>
+              <ac:spMk id="17" creationId="{EA17FFFB-0737-45D5-A34A-F8526074400B}"/>
+            </ac:spMkLst>
+          </pc:spChg>
+          <pc:spChg chg="add del">
+            <ac:chgData name="김영찬" userId="a81591f0-1a4d-4c10-b0d3-35a306720c09" providerId="ADAL" clId="{0FF42640-1B0D-47F0-99C2-6800CA124613}" dt="2019-04-07T08:15:12.443" v="2539"/>
+            <ac:spMkLst>
+              <pc:docMk/>
+              <pc:sldMasterMk cId="3580537156" sldId="2147483648"/>
+              <pc:sldLayoutMk cId="870047011" sldId="2147483656"/>
+              <ac:spMk id="18" creationId="{251A7378-1EE7-4C77-8A1C-0F080AEB6F34}"/>
+            </ac:spMkLst>
+          </pc:spChg>
+          <pc:spChg chg="add del">
+            <ac:chgData name="김영찬" userId="a81591f0-1a4d-4c10-b0d3-35a306720c09" providerId="ADAL" clId="{0FF42640-1B0D-47F0-99C2-6800CA124613}" dt="2019-04-07T08:15:12.443" v="2539"/>
+            <ac:spMkLst>
+              <pc:docMk/>
+              <pc:sldMasterMk cId="3580537156" sldId="2147483648"/>
+              <pc:sldLayoutMk cId="870047011" sldId="2147483656"/>
+              <ac:spMk id="19" creationId="{F1E1F073-B1D2-4D0C-ADD6-C4F1CFF0A4F8}"/>
+            </ac:spMkLst>
+          </pc:spChg>
+          <pc:spChg chg="add del">
+            <ac:chgData name="김영찬" userId="a81591f0-1a4d-4c10-b0d3-35a306720c09" providerId="ADAL" clId="{0FF42640-1B0D-47F0-99C2-6800CA124613}" dt="2019-04-07T08:15:12.443" v="2539"/>
+            <ac:spMkLst>
+              <pc:docMk/>
+              <pc:sldMasterMk cId="3580537156" sldId="2147483648"/>
+              <pc:sldLayoutMk cId="870047011" sldId="2147483656"/>
+              <ac:spMk id="20" creationId="{F462FD96-C5D2-4E98-B841-C73746D5E7C3}"/>
+            </ac:spMkLst>
+          </pc:spChg>
+          <pc:spChg chg="add del">
+            <ac:chgData name="김영찬" userId="a81591f0-1a4d-4c10-b0d3-35a306720c09" providerId="ADAL" clId="{0FF42640-1B0D-47F0-99C2-6800CA124613}" dt="2019-04-07T08:15:12.443" v="2539"/>
+            <ac:spMkLst>
+              <pc:docMk/>
+              <pc:sldMasterMk cId="3580537156" sldId="2147483648"/>
+              <pc:sldLayoutMk cId="870047011" sldId="2147483656"/>
+              <ac:spMk id="22" creationId="{32C9F139-2930-489E-BF3B-04449072749F}"/>
+            </ac:spMkLst>
+          </pc:spChg>
+        </pc:sldLayoutChg>
+        <pc:sldLayoutChg chg="delSp">
+          <pc:chgData name="김영찬" userId="a81591f0-1a4d-4c10-b0d3-35a306720c09" providerId="ADAL" clId="{0FF42640-1B0D-47F0-99C2-6800CA124613}" dt="2019-04-07T08:15:17.305" v="2540" actId="478"/>
+          <pc:sldLayoutMkLst>
+            <pc:docMk/>
+            <pc:sldMasterMk cId="3580537156" sldId="2147483648"/>
+            <pc:sldLayoutMk cId="2806755365" sldId="2147483657"/>
+          </pc:sldLayoutMkLst>
+          <pc:spChg chg="del">
+            <ac:chgData name="김영찬" userId="a81591f0-1a4d-4c10-b0d3-35a306720c09" providerId="ADAL" clId="{0FF42640-1B0D-47F0-99C2-6800CA124613}" dt="2019-04-07T08:15:17.305" v="2540" actId="478"/>
+            <ac:spMkLst>
+              <pc:docMk/>
+              <pc:sldMasterMk cId="3580537156" sldId="2147483648"/>
+              <pc:sldLayoutMk cId="2806755365" sldId="2147483657"/>
+              <ac:spMk id="3" creationId="{A8A81D29-565E-4AAE-8980-ADE5607E6196}"/>
+            </ac:spMkLst>
+          </pc:spChg>
+        </pc:sldLayoutChg>
+      </pc:sldMasterChg>
+    </pc:docChg>
+  </pc:docChgLst>
   <pc:docChgLst>
     <pc:chgData name="김영찬" userId="a81591f0-1a4d-4c10-b0d3-35a306720c09" providerId="ADAL" clId="{08995977-9966-4ECA-8EF1-2C98C65450F1}"/>
     <pc:docChg chg="undo redo custSel addSld delSld modSld sldOrd delMainMaster modMainMaster">
@@ -856,6 +1014,909 @@
     </pc:docChg>
   </pc:docChgLst>
   <pc:docChgLst>
+    <pc:chgData name="김영찬" userId="a81591f0-1a4d-4c10-b0d3-35a306720c09" providerId="ADAL" clId="{C6263AE8-44B9-418E-970B-782102A8990D}"/>
+    <pc:docChg chg="undo custSel addSld delSld modSld">
+      <pc:chgData name="김영찬" userId="a81591f0-1a4d-4c10-b0d3-35a306720c09" providerId="ADAL" clId="{C6263AE8-44B9-418E-970B-782102A8990D}" dt="2019-05-28T12:28:24.664" v="175"/>
+      <pc:docMkLst>
+        <pc:docMk/>
+      </pc:docMkLst>
+      <pc:sldChg chg="modSp">
+        <pc:chgData name="김영찬" userId="a81591f0-1a4d-4c10-b0d3-35a306720c09" providerId="ADAL" clId="{C6263AE8-44B9-418E-970B-782102A8990D}" dt="2019-05-28T12:28:24.664" v="175"/>
+        <pc:sldMkLst>
+          <pc:docMk/>
+          <pc:sldMk cId="3255533136" sldId="256"/>
+        </pc:sldMkLst>
+        <pc:spChg chg="mod">
+          <ac:chgData name="김영찬" userId="a81591f0-1a4d-4c10-b0d3-35a306720c09" providerId="ADAL" clId="{C6263AE8-44B9-418E-970B-782102A8990D}" dt="2019-05-28T12:28:24.664" v="175"/>
+          <ac:spMkLst>
+            <pc:docMk/>
+            <pc:sldMk cId="3255533136" sldId="256"/>
+            <ac:spMk id="2" creationId="{C886721D-0E80-4306-9F4C-3FAA6FE50BE6}"/>
+          </ac:spMkLst>
+        </pc:spChg>
+      </pc:sldChg>
+      <pc:sldChg chg="modSp">
+        <pc:chgData name="김영찬" userId="a81591f0-1a4d-4c10-b0d3-35a306720c09" providerId="ADAL" clId="{C6263AE8-44B9-418E-970B-782102A8990D}" dt="2019-05-28T12:27:29.727" v="168" actId="404"/>
+        <pc:sldMkLst>
+          <pc:docMk/>
+          <pc:sldMk cId="4197121160" sldId="261"/>
+        </pc:sldMkLst>
+        <pc:spChg chg="mod">
+          <ac:chgData name="김영찬" userId="a81591f0-1a4d-4c10-b0d3-35a306720c09" providerId="ADAL" clId="{C6263AE8-44B9-418E-970B-782102A8990D}" dt="2019-05-28T12:15:54.655" v="9"/>
+          <ac:spMkLst>
+            <pc:docMk/>
+            <pc:sldMk cId="4197121160" sldId="261"/>
+            <ac:spMk id="2" creationId="{AA57BE3B-8A81-4775-8A24-BE9D0E50C6BC}"/>
+          </ac:spMkLst>
+        </pc:spChg>
+        <pc:graphicFrameChg chg="mod modGraphic">
+          <ac:chgData name="김영찬" userId="a81591f0-1a4d-4c10-b0d3-35a306720c09" providerId="ADAL" clId="{C6263AE8-44B9-418E-970B-782102A8990D}" dt="2019-05-28T12:27:29.727" v="168" actId="404"/>
+          <ac:graphicFrameMkLst>
+            <pc:docMk/>
+            <pc:sldMk cId="4197121160" sldId="261"/>
+            <ac:graphicFrameMk id="7" creationId="{B5583A04-3A25-4635-A454-27DEBF9D096E}"/>
+          </ac:graphicFrameMkLst>
+        </pc:graphicFrameChg>
+      </pc:sldChg>
+      <pc:sldChg chg="addSp delSp modSp">
+        <pc:chgData name="김영찬" userId="a81591f0-1a4d-4c10-b0d3-35a306720c09" providerId="ADAL" clId="{C6263AE8-44B9-418E-970B-782102A8990D}" dt="2019-05-28T12:26:07.507" v="114" actId="478"/>
+        <pc:sldMkLst>
+          <pc:docMk/>
+          <pc:sldMk cId="2517608374" sldId="267"/>
+        </pc:sldMkLst>
+        <pc:spChg chg="mod">
+          <ac:chgData name="김영찬" userId="a81591f0-1a4d-4c10-b0d3-35a306720c09" providerId="ADAL" clId="{C6263AE8-44B9-418E-970B-782102A8990D}" dt="2019-05-28T12:25:43.744" v="94" actId="20577"/>
+          <ac:spMkLst>
+            <pc:docMk/>
+            <pc:sldMk cId="2517608374" sldId="267"/>
+            <ac:spMk id="3" creationId="{9BED47D4-ED28-440D-90C9-75F03E72F699}"/>
+          </ac:spMkLst>
+        </pc:spChg>
+        <pc:picChg chg="add del mod">
+          <ac:chgData name="김영찬" userId="a81591f0-1a4d-4c10-b0d3-35a306720c09" providerId="ADAL" clId="{C6263AE8-44B9-418E-970B-782102A8990D}" dt="2019-05-28T12:25:57.006" v="105"/>
+          <ac:picMkLst>
+            <pc:docMk/>
+            <pc:sldMk cId="2517608374" sldId="267"/>
+            <ac:picMk id="8" creationId="{B77B10B1-0188-46FD-A2C0-1D79BE428841}"/>
+          </ac:picMkLst>
+        </pc:picChg>
+        <pc:picChg chg="add mod">
+          <ac:chgData name="김영찬" userId="a81591f0-1a4d-4c10-b0d3-35a306720c09" providerId="ADAL" clId="{C6263AE8-44B9-418E-970B-782102A8990D}" dt="2019-05-28T12:26:04.009" v="112" actId="1076"/>
+          <ac:picMkLst>
+            <pc:docMk/>
+            <pc:sldMk cId="2517608374" sldId="267"/>
+            <ac:picMk id="10" creationId="{A4F182B4-5B20-4303-82F3-2C6365718551}"/>
+          </ac:picMkLst>
+        </pc:picChg>
+        <pc:picChg chg="add del">
+          <ac:chgData name="김영찬" userId="a81591f0-1a4d-4c10-b0d3-35a306720c09" providerId="ADAL" clId="{C6263AE8-44B9-418E-970B-782102A8990D}" dt="2019-05-28T12:26:07.507" v="114" actId="478"/>
+          <ac:picMkLst>
+            <pc:docMk/>
+            <pc:sldMk cId="2517608374" sldId="267"/>
+            <ac:picMk id="11" creationId="{A6CE3275-91AC-4CEF-BBDE-27AEC2F502CC}"/>
+          </ac:picMkLst>
+        </pc:picChg>
+      </pc:sldChg>
+      <pc:sldChg chg="addSp delSp modSp add">
+        <pc:chgData name="김영찬" userId="a81591f0-1a4d-4c10-b0d3-35a306720c09" providerId="ADAL" clId="{C6263AE8-44B9-418E-970B-782102A8990D}" dt="2019-05-28T12:26:42.089" v="133" actId="1076"/>
+        <pc:sldMkLst>
+          <pc:docMk/>
+          <pc:sldMk cId="2270366174" sldId="268"/>
+        </pc:sldMkLst>
+        <pc:spChg chg="del mod">
+          <ac:chgData name="김영찬" userId="a81591f0-1a4d-4c10-b0d3-35a306720c09" providerId="ADAL" clId="{C6263AE8-44B9-418E-970B-782102A8990D}" dt="2019-05-28T12:26:16.290" v="118"/>
+          <ac:spMkLst>
+            <pc:docMk/>
+            <pc:sldMk cId="2270366174" sldId="268"/>
+            <ac:spMk id="3" creationId="{9BED47D4-ED28-440D-90C9-75F03E72F699}"/>
+          </ac:spMkLst>
+        </pc:spChg>
+        <pc:spChg chg="del">
+          <ac:chgData name="김영찬" userId="a81591f0-1a4d-4c10-b0d3-35a306720c09" providerId="ADAL" clId="{C6263AE8-44B9-418E-970B-782102A8990D}" dt="2019-05-28T12:26:37.093" v="131" actId="478"/>
+          <ac:spMkLst>
+            <pc:docMk/>
+            <pc:sldMk cId="2270366174" sldId="268"/>
+            <ac:spMk id="5" creationId="{A4F3CE2C-6C4B-40FA-9D7D-03679CAB5200}"/>
+          </ac:spMkLst>
+        </pc:spChg>
+        <pc:picChg chg="add mod">
+          <ac:chgData name="김영찬" userId="a81591f0-1a4d-4c10-b0d3-35a306720c09" providerId="ADAL" clId="{C6263AE8-44B9-418E-970B-782102A8990D}" dt="2019-05-28T12:26:38.232" v="132" actId="1076"/>
+          <ac:picMkLst>
+            <pc:docMk/>
+            <pc:sldMk cId="2270366174" sldId="268"/>
+            <ac:picMk id="8" creationId="{2F9A39B0-7DFF-4621-AAC4-324F3D9A3478}"/>
+          </ac:picMkLst>
+        </pc:picChg>
+        <pc:picChg chg="del">
+          <ac:chgData name="김영찬" userId="a81591f0-1a4d-4c10-b0d3-35a306720c09" providerId="ADAL" clId="{C6263AE8-44B9-418E-970B-782102A8990D}" dt="2019-05-28T12:26:12.109" v="116" actId="478"/>
+          <ac:picMkLst>
+            <pc:docMk/>
+            <pc:sldMk cId="2270366174" sldId="268"/>
+            <ac:picMk id="10" creationId="{A4F182B4-5B20-4303-82F3-2C6365718551}"/>
+          </ac:picMkLst>
+        </pc:picChg>
+        <pc:picChg chg="add mod">
+          <ac:chgData name="김영찬" userId="a81591f0-1a4d-4c10-b0d3-35a306720c09" providerId="ADAL" clId="{C6263AE8-44B9-418E-970B-782102A8990D}" dt="2019-05-28T12:26:42.089" v="133" actId="1076"/>
+          <ac:picMkLst>
+            <pc:docMk/>
+            <pc:sldMk cId="2270366174" sldId="268"/>
+            <ac:picMk id="11" creationId="{DCD39B79-56E9-4FA5-ADBF-7CBBB54B1F1F}"/>
+          </ac:picMkLst>
+        </pc:picChg>
+      </pc:sldChg>
+    </pc:docChg>
+  </pc:docChgLst>
+  <pc:docChgLst>
+    <pc:chgData name="김영찬" userId="a81591f0-1a4d-4c10-b0d3-35a306720c09" providerId="ADAL" clId="{3222EEAA-C4D3-4163-9871-70D3B67B13F5}"/>
+    <pc:docChg chg="undo custSel addSld delSld modSld sldOrd">
+      <pc:chgData name="김영찬" userId="a81591f0-1a4d-4c10-b0d3-35a306720c09" providerId="ADAL" clId="{3222EEAA-C4D3-4163-9871-70D3B67B13F5}" dt="2019-04-28T16:27:50.859" v="4320" actId="14100"/>
+      <pc:docMkLst>
+        <pc:docMk/>
+      </pc:docMkLst>
+    </pc:docChg>
+  </pc:docChgLst>
+  <pc:docChgLst>
+    <pc:chgData name="김영찬" userId="a81591f0-1a4d-4c10-b0d3-35a306720c09" providerId="ADAL" clId="{A3A0D0E8-9F3A-4857-BB36-F1D91E7B334A}"/>
+    <pc:docChg chg="undo redo custSel modSld">
+      <pc:chgData name="김영찬" userId="a81591f0-1a4d-4c10-b0d3-35a306720c09" providerId="ADAL" clId="{A3A0D0E8-9F3A-4857-BB36-F1D91E7B334A}" dt="2019-06-15T10:48:27.997" v="1455" actId="404"/>
+      <pc:docMkLst>
+        <pc:docMk/>
+      </pc:docMkLst>
+      <pc:sldChg chg="modSp">
+        <pc:chgData name="김영찬" userId="a81591f0-1a4d-4c10-b0d3-35a306720c09" providerId="ADAL" clId="{A3A0D0E8-9F3A-4857-BB36-F1D91E7B334A}" dt="2019-06-14T05:00:24.620" v="8"/>
+        <pc:sldMkLst>
+          <pc:docMk/>
+          <pc:sldMk cId="3255533136" sldId="256"/>
+        </pc:sldMkLst>
+        <pc:spChg chg="mod">
+          <ac:chgData name="김영찬" userId="a81591f0-1a4d-4c10-b0d3-35a306720c09" providerId="ADAL" clId="{A3A0D0E8-9F3A-4857-BB36-F1D91E7B334A}" dt="2019-06-14T05:00:24.620" v="8"/>
+          <ac:spMkLst>
+            <pc:docMk/>
+            <pc:sldMk cId="3255533136" sldId="256"/>
+            <ac:spMk id="2" creationId="{C886721D-0E80-4306-9F4C-3FAA6FE50BE6}"/>
+          </ac:spMkLst>
+        </pc:spChg>
+      </pc:sldChg>
+      <pc:sldChg chg="addSp delSp modSp">
+        <pc:chgData name="김영찬" userId="a81591f0-1a4d-4c10-b0d3-35a306720c09" providerId="ADAL" clId="{A3A0D0E8-9F3A-4857-BB36-F1D91E7B334A}" dt="2019-06-14T05:31:39.735" v="1367" actId="20577"/>
+        <pc:sldMkLst>
+          <pc:docMk/>
+          <pc:sldMk cId="3228944088" sldId="259"/>
+        </pc:sldMkLst>
+        <pc:spChg chg="mod">
+          <ac:chgData name="김영찬" userId="a81591f0-1a4d-4c10-b0d3-35a306720c09" providerId="ADAL" clId="{A3A0D0E8-9F3A-4857-BB36-F1D91E7B334A}" dt="2019-06-14T05:31:39.735" v="1367" actId="20577"/>
+          <ac:spMkLst>
+            <pc:docMk/>
+            <pc:sldMk cId="3228944088" sldId="259"/>
+            <ac:spMk id="3" creationId="{C08FC53D-329F-4A72-89A3-715DA112070D}"/>
+          </ac:spMkLst>
+        </pc:spChg>
+        <pc:spChg chg="add mod ord">
+          <ac:chgData name="김영찬" userId="a81591f0-1a4d-4c10-b0d3-35a306720c09" providerId="ADAL" clId="{A3A0D0E8-9F3A-4857-BB36-F1D91E7B334A}" dt="2019-06-14T05:19:58.903" v="769" actId="1076"/>
+          <ac:spMkLst>
+            <pc:docMk/>
+            <pc:sldMk cId="3228944088" sldId="259"/>
+            <ac:spMk id="6" creationId="{9268CF3F-FA9F-4FC0-95D7-7578F988BEAD}"/>
+          </ac:spMkLst>
+        </pc:spChg>
+        <pc:spChg chg="del">
+          <ac:chgData name="김영찬" userId="a81591f0-1a4d-4c10-b0d3-35a306720c09" providerId="ADAL" clId="{A3A0D0E8-9F3A-4857-BB36-F1D91E7B334A}" dt="2019-06-14T05:16:55.969" v="266" actId="478"/>
+          <ac:spMkLst>
+            <pc:docMk/>
+            <pc:sldMk cId="3228944088" sldId="259"/>
+            <ac:spMk id="7" creationId="{F234F5A2-857A-43E7-A9E4-F01F38BA6864}"/>
+          </ac:spMkLst>
+        </pc:spChg>
+        <pc:picChg chg="add mod">
+          <ac:chgData name="김영찬" userId="a81591f0-1a4d-4c10-b0d3-35a306720c09" providerId="ADAL" clId="{A3A0D0E8-9F3A-4857-BB36-F1D91E7B334A}" dt="2019-06-14T05:16:42.235" v="264" actId="14100"/>
+          <ac:picMkLst>
+            <pc:docMk/>
+            <pc:sldMk cId="3228944088" sldId="259"/>
+            <ac:picMk id="5" creationId="{7C3ADAB9-8142-40EB-AE41-35C83ADD07F1}"/>
+          </ac:picMkLst>
+        </pc:picChg>
+        <pc:picChg chg="mod">
+          <ac:chgData name="김영찬" userId="a81591f0-1a4d-4c10-b0d3-35a306720c09" providerId="ADAL" clId="{A3A0D0E8-9F3A-4857-BB36-F1D91E7B334A}" dt="2019-06-14T05:14:16.175" v="253" actId="1076"/>
+          <ac:picMkLst>
+            <pc:docMk/>
+            <pc:sldMk cId="3228944088" sldId="259"/>
+            <ac:picMk id="18" creationId="{E6859861-974B-4D10-8597-BF8D3FA2C810}"/>
+          </ac:picMkLst>
+        </pc:picChg>
+      </pc:sldChg>
+      <pc:sldChg chg="addSp modSp">
+        <pc:chgData name="김영찬" userId="a81591f0-1a4d-4c10-b0d3-35a306720c09" providerId="ADAL" clId="{A3A0D0E8-9F3A-4857-BB36-F1D91E7B334A}" dt="2019-06-15T10:47:27.527" v="1406"/>
+        <pc:sldMkLst>
+          <pc:docMk/>
+          <pc:sldMk cId="1221641340" sldId="260"/>
+        </pc:sldMkLst>
+        <pc:spChg chg="ord">
+          <ac:chgData name="김영찬" userId="a81591f0-1a4d-4c10-b0d3-35a306720c09" providerId="ADAL" clId="{A3A0D0E8-9F3A-4857-BB36-F1D91E7B334A}" dt="2019-06-15T10:47:05.397" v="1395" actId="166"/>
+          <ac:spMkLst>
+            <pc:docMk/>
+            <pc:sldMk cId="1221641340" sldId="260"/>
+            <ac:spMk id="25" creationId="{C2CCB308-36FB-4828-BFC4-2F87099BB597}"/>
+          </ac:spMkLst>
+        </pc:spChg>
+        <pc:spChg chg="ord">
+          <ac:chgData name="김영찬" userId="a81591f0-1a4d-4c10-b0d3-35a306720c09" providerId="ADAL" clId="{A3A0D0E8-9F3A-4857-BB36-F1D91E7B334A}" dt="2019-06-15T10:47:05.397" v="1395" actId="166"/>
+          <ac:spMkLst>
+            <pc:docMk/>
+            <pc:sldMk cId="1221641340" sldId="260"/>
+            <ac:spMk id="27" creationId="{244ACD61-8131-4B35-AA94-E35941CE935B}"/>
+          </ac:spMkLst>
+        </pc:spChg>
+        <pc:spChg chg="ord">
+          <ac:chgData name="김영찬" userId="a81591f0-1a4d-4c10-b0d3-35a306720c09" providerId="ADAL" clId="{A3A0D0E8-9F3A-4857-BB36-F1D91E7B334A}" dt="2019-06-15T10:47:05.397" v="1395" actId="166"/>
+          <ac:spMkLst>
+            <pc:docMk/>
+            <pc:sldMk cId="1221641340" sldId="260"/>
+            <ac:spMk id="28" creationId="{7AAC8860-F5FD-4220-B4C6-D7419E5A2CBB}"/>
+          </ac:spMkLst>
+        </pc:spChg>
+        <pc:spChg chg="ord">
+          <ac:chgData name="김영찬" userId="a81591f0-1a4d-4c10-b0d3-35a306720c09" providerId="ADAL" clId="{A3A0D0E8-9F3A-4857-BB36-F1D91E7B334A}" dt="2019-06-15T10:47:05.397" v="1395" actId="166"/>
+          <ac:spMkLst>
+            <pc:docMk/>
+            <pc:sldMk cId="1221641340" sldId="260"/>
+            <ac:spMk id="29" creationId="{6D2696B8-4C94-43D8-89BC-E0F7B3E760FC}"/>
+          </ac:spMkLst>
+        </pc:spChg>
+        <pc:spChg chg="ord">
+          <ac:chgData name="김영찬" userId="a81591f0-1a4d-4c10-b0d3-35a306720c09" providerId="ADAL" clId="{A3A0D0E8-9F3A-4857-BB36-F1D91E7B334A}" dt="2019-06-15T10:47:05.397" v="1395" actId="166"/>
+          <ac:spMkLst>
+            <pc:docMk/>
+            <pc:sldMk cId="1221641340" sldId="260"/>
+            <ac:spMk id="30" creationId="{5E4C4003-B8A0-4474-9FE0-B0407F0F75DB}"/>
+          </ac:spMkLst>
+        </pc:spChg>
+        <pc:spChg chg="ord">
+          <ac:chgData name="김영찬" userId="a81591f0-1a4d-4c10-b0d3-35a306720c09" providerId="ADAL" clId="{A3A0D0E8-9F3A-4857-BB36-F1D91E7B334A}" dt="2019-06-15T10:47:05.397" v="1395" actId="166"/>
+          <ac:spMkLst>
+            <pc:docMk/>
+            <pc:sldMk cId="1221641340" sldId="260"/>
+            <ac:spMk id="32" creationId="{DA2597A0-2F15-4008-8EB1-1C2DA06A2045}"/>
+          </ac:spMkLst>
+        </pc:spChg>
+        <pc:spChg chg="ord">
+          <ac:chgData name="김영찬" userId="a81591f0-1a4d-4c10-b0d3-35a306720c09" providerId="ADAL" clId="{A3A0D0E8-9F3A-4857-BB36-F1D91E7B334A}" dt="2019-06-15T10:47:05.397" v="1395" actId="166"/>
+          <ac:spMkLst>
+            <pc:docMk/>
+            <pc:sldMk cId="1221641340" sldId="260"/>
+            <ac:spMk id="34" creationId="{16454BB2-29D4-4C1D-8957-06B579A993E1}"/>
+          </ac:spMkLst>
+        </pc:spChg>
+        <pc:spChg chg="ord">
+          <ac:chgData name="김영찬" userId="a81591f0-1a4d-4c10-b0d3-35a306720c09" providerId="ADAL" clId="{A3A0D0E8-9F3A-4857-BB36-F1D91E7B334A}" dt="2019-06-15T10:47:05.397" v="1395" actId="166"/>
+          <ac:spMkLst>
+            <pc:docMk/>
+            <pc:sldMk cId="1221641340" sldId="260"/>
+            <ac:spMk id="52" creationId="{C9216A7F-02F2-49BE-AA14-6349AEDB4F0F}"/>
+          </ac:spMkLst>
+        </pc:spChg>
+        <pc:spChg chg="ord">
+          <ac:chgData name="김영찬" userId="a81591f0-1a4d-4c10-b0d3-35a306720c09" providerId="ADAL" clId="{A3A0D0E8-9F3A-4857-BB36-F1D91E7B334A}" dt="2019-06-15T10:47:05.397" v="1395" actId="166"/>
+          <ac:spMkLst>
+            <pc:docMk/>
+            <pc:sldMk cId="1221641340" sldId="260"/>
+            <ac:spMk id="53" creationId="{D61C2961-EF96-4F2B-862D-9D695F4E7443}"/>
+          </ac:spMkLst>
+        </pc:spChg>
+        <pc:spChg chg="ord">
+          <ac:chgData name="김영찬" userId="a81591f0-1a4d-4c10-b0d3-35a306720c09" providerId="ADAL" clId="{A3A0D0E8-9F3A-4857-BB36-F1D91E7B334A}" dt="2019-06-15T10:47:05.397" v="1395" actId="166"/>
+          <ac:spMkLst>
+            <pc:docMk/>
+            <pc:sldMk cId="1221641340" sldId="260"/>
+            <ac:spMk id="60" creationId="{7B22F2BA-AF76-41A7-BCAC-F2DDF314DFAF}"/>
+          </ac:spMkLst>
+        </pc:spChg>
+        <pc:spChg chg="ord">
+          <ac:chgData name="김영찬" userId="a81591f0-1a4d-4c10-b0d3-35a306720c09" providerId="ADAL" clId="{A3A0D0E8-9F3A-4857-BB36-F1D91E7B334A}" dt="2019-06-15T10:47:05.397" v="1395" actId="166"/>
+          <ac:spMkLst>
+            <pc:docMk/>
+            <pc:sldMk cId="1221641340" sldId="260"/>
+            <ac:spMk id="62" creationId="{A2C3D3A8-3AF5-4D68-A2D5-E86A62AF8A53}"/>
+          </ac:spMkLst>
+        </pc:spChg>
+        <pc:spChg chg="ord">
+          <ac:chgData name="김영찬" userId="a81591f0-1a4d-4c10-b0d3-35a306720c09" providerId="ADAL" clId="{A3A0D0E8-9F3A-4857-BB36-F1D91E7B334A}" dt="2019-06-15T10:47:05.397" v="1395" actId="166"/>
+          <ac:spMkLst>
+            <pc:docMk/>
+            <pc:sldMk cId="1221641340" sldId="260"/>
+            <ac:spMk id="63" creationId="{36BEF848-E9FD-49B0-98FA-0D0BDB1C4A4E}"/>
+          </ac:spMkLst>
+        </pc:spChg>
+        <pc:spChg chg="ord">
+          <ac:chgData name="김영찬" userId="a81591f0-1a4d-4c10-b0d3-35a306720c09" providerId="ADAL" clId="{A3A0D0E8-9F3A-4857-BB36-F1D91E7B334A}" dt="2019-06-15T10:47:05.397" v="1395" actId="166"/>
+          <ac:spMkLst>
+            <pc:docMk/>
+            <pc:sldMk cId="1221641340" sldId="260"/>
+            <ac:spMk id="68" creationId="{CA2BF226-D997-4948-91FA-BD20C8373108}"/>
+          </ac:spMkLst>
+        </pc:spChg>
+        <pc:spChg chg="ord">
+          <ac:chgData name="김영찬" userId="a81591f0-1a4d-4c10-b0d3-35a306720c09" providerId="ADAL" clId="{A3A0D0E8-9F3A-4857-BB36-F1D91E7B334A}" dt="2019-06-15T10:47:05.397" v="1395" actId="166"/>
+          <ac:spMkLst>
+            <pc:docMk/>
+            <pc:sldMk cId="1221641340" sldId="260"/>
+            <ac:spMk id="70" creationId="{0A9BAC55-4767-41B2-85DC-12B83E25DC62}"/>
+          </ac:spMkLst>
+        </pc:spChg>
+        <pc:spChg chg="ord">
+          <ac:chgData name="김영찬" userId="a81591f0-1a4d-4c10-b0d3-35a306720c09" providerId="ADAL" clId="{A3A0D0E8-9F3A-4857-BB36-F1D91E7B334A}" dt="2019-06-15T10:47:05.397" v="1395" actId="166"/>
+          <ac:spMkLst>
+            <pc:docMk/>
+            <pc:sldMk cId="1221641340" sldId="260"/>
+            <ac:spMk id="71" creationId="{DF10E50F-ACBD-46AA-98F8-D4BC191DA382}"/>
+          </ac:spMkLst>
+        </pc:spChg>
+        <pc:spChg chg="add mod ord">
+          <ac:chgData name="김영찬" userId="a81591f0-1a4d-4c10-b0d3-35a306720c09" providerId="ADAL" clId="{A3A0D0E8-9F3A-4857-BB36-F1D91E7B334A}" dt="2019-06-15T10:47:27.527" v="1406"/>
+          <ac:spMkLst>
+            <pc:docMk/>
+            <pc:sldMk cId="1221641340" sldId="260"/>
+            <ac:spMk id="83" creationId="{7917ADF4-F75F-4B0F-9F1D-FA02DB258C6D}"/>
+          </ac:spMkLst>
+        </pc:spChg>
+        <pc:spChg chg="ord">
+          <ac:chgData name="김영찬" userId="a81591f0-1a4d-4c10-b0d3-35a306720c09" providerId="ADAL" clId="{A3A0D0E8-9F3A-4857-BB36-F1D91E7B334A}" dt="2019-06-15T10:47:05.397" v="1395" actId="166"/>
+          <ac:spMkLst>
+            <pc:docMk/>
+            <pc:sldMk cId="1221641340" sldId="260"/>
+            <ac:spMk id="84" creationId="{EAC85678-A836-4438-A106-91DBC5627003}"/>
+          </ac:spMkLst>
+        </pc:spChg>
+        <pc:spChg chg="ord">
+          <ac:chgData name="김영찬" userId="a81591f0-1a4d-4c10-b0d3-35a306720c09" providerId="ADAL" clId="{A3A0D0E8-9F3A-4857-BB36-F1D91E7B334A}" dt="2019-06-15T10:47:05.397" v="1395" actId="166"/>
+          <ac:spMkLst>
+            <pc:docMk/>
+            <pc:sldMk cId="1221641340" sldId="260"/>
+            <ac:spMk id="87" creationId="{068D2518-E5B0-476F-B559-82E56135630A}"/>
+          </ac:spMkLst>
+        </pc:spChg>
+        <pc:spChg chg="ord">
+          <ac:chgData name="김영찬" userId="a81591f0-1a4d-4c10-b0d3-35a306720c09" providerId="ADAL" clId="{A3A0D0E8-9F3A-4857-BB36-F1D91E7B334A}" dt="2019-06-15T10:47:05.397" v="1395" actId="166"/>
+          <ac:spMkLst>
+            <pc:docMk/>
+            <pc:sldMk cId="1221641340" sldId="260"/>
+            <ac:spMk id="88" creationId="{E37A2F05-F345-47D5-B71B-550808A67FA9}"/>
+          </ac:spMkLst>
+        </pc:spChg>
+        <pc:spChg chg="ord">
+          <ac:chgData name="김영찬" userId="a81591f0-1a4d-4c10-b0d3-35a306720c09" providerId="ADAL" clId="{A3A0D0E8-9F3A-4857-BB36-F1D91E7B334A}" dt="2019-06-15T10:47:05.397" v="1395" actId="166"/>
+          <ac:spMkLst>
+            <pc:docMk/>
+            <pc:sldMk cId="1221641340" sldId="260"/>
+            <ac:spMk id="89" creationId="{D630C5F8-6114-43E2-B495-CACD192E2AC4}"/>
+          </ac:spMkLst>
+        </pc:spChg>
+        <pc:spChg chg="ord">
+          <ac:chgData name="김영찬" userId="a81591f0-1a4d-4c10-b0d3-35a306720c09" providerId="ADAL" clId="{A3A0D0E8-9F3A-4857-BB36-F1D91E7B334A}" dt="2019-06-15T10:47:05.397" v="1395" actId="166"/>
+          <ac:spMkLst>
+            <pc:docMk/>
+            <pc:sldMk cId="1221641340" sldId="260"/>
+            <ac:spMk id="91" creationId="{1537028D-A7DD-47B8-AD60-E2B722AB0FF7}"/>
+          </ac:spMkLst>
+        </pc:spChg>
+        <pc:spChg chg="ord">
+          <ac:chgData name="김영찬" userId="a81591f0-1a4d-4c10-b0d3-35a306720c09" providerId="ADAL" clId="{A3A0D0E8-9F3A-4857-BB36-F1D91E7B334A}" dt="2019-06-15T10:47:05.397" v="1395" actId="166"/>
+          <ac:spMkLst>
+            <pc:docMk/>
+            <pc:sldMk cId="1221641340" sldId="260"/>
+            <ac:spMk id="92" creationId="{C0E9D65E-1967-433D-8D25-1B24B3A31FD7}"/>
+          </ac:spMkLst>
+        </pc:spChg>
+        <pc:spChg chg="ord">
+          <ac:chgData name="김영찬" userId="a81591f0-1a4d-4c10-b0d3-35a306720c09" providerId="ADAL" clId="{A3A0D0E8-9F3A-4857-BB36-F1D91E7B334A}" dt="2019-06-15T10:47:05.397" v="1395" actId="166"/>
+          <ac:spMkLst>
+            <pc:docMk/>
+            <pc:sldMk cId="1221641340" sldId="260"/>
+            <ac:spMk id="93" creationId="{00B99134-D545-48C7-9194-687C99801880}"/>
+          </ac:spMkLst>
+        </pc:spChg>
+        <pc:spChg chg="ord">
+          <ac:chgData name="김영찬" userId="a81591f0-1a4d-4c10-b0d3-35a306720c09" providerId="ADAL" clId="{A3A0D0E8-9F3A-4857-BB36-F1D91E7B334A}" dt="2019-06-15T10:47:05.397" v="1395" actId="166"/>
+          <ac:spMkLst>
+            <pc:docMk/>
+            <pc:sldMk cId="1221641340" sldId="260"/>
+            <ac:spMk id="111" creationId="{E603EEBB-1BB0-4354-A1B1-F89B988907D9}"/>
+          </ac:spMkLst>
+        </pc:spChg>
+        <pc:grpChg chg="ord">
+          <ac:chgData name="김영찬" userId="a81591f0-1a4d-4c10-b0d3-35a306720c09" providerId="ADAL" clId="{A3A0D0E8-9F3A-4857-BB36-F1D91E7B334A}" dt="2019-06-15T10:47:05.397" v="1395" actId="166"/>
+          <ac:grpSpMkLst>
+            <pc:docMk/>
+            <pc:sldMk cId="1221641340" sldId="260"/>
+            <ac:grpSpMk id="49" creationId="{9C5D85DC-3298-46C4-999F-C03573D0057A}"/>
+          </ac:grpSpMkLst>
+        </pc:grpChg>
+        <pc:grpChg chg="ord">
+          <ac:chgData name="김영찬" userId="a81591f0-1a4d-4c10-b0d3-35a306720c09" providerId="ADAL" clId="{A3A0D0E8-9F3A-4857-BB36-F1D91E7B334A}" dt="2019-06-15T10:47:05.397" v="1395" actId="166"/>
+          <ac:grpSpMkLst>
+            <pc:docMk/>
+            <pc:sldMk cId="1221641340" sldId="260"/>
+            <ac:grpSpMk id="54" creationId="{38A7F04C-3C97-4840-9ECC-B1086BC0015E}"/>
+          </ac:grpSpMkLst>
+        </pc:grpChg>
+        <pc:grpChg chg="ord">
+          <ac:chgData name="김영찬" userId="a81591f0-1a4d-4c10-b0d3-35a306720c09" providerId="ADAL" clId="{A3A0D0E8-9F3A-4857-BB36-F1D91E7B334A}" dt="2019-06-15T10:47:05.397" v="1395" actId="166"/>
+          <ac:grpSpMkLst>
+            <pc:docMk/>
+            <pc:sldMk cId="1221641340" sldId="260"/>
+            <ac:grpSpMk id="57" creationId="{8601CF00-CA83-4577-A54D-095FE6BDFB52}"/>
+          </ac:grpSpMkLst>
+        </pc:grpChg>
+        <pc:grpChg chg="ord">
+          <ac:chgData name="김영찬" userId="a81591f0-1a4d-4c10-b0d3-35a306720c09" providerId="ADAL" clId="{A3A0D0E8-9F3A-4857-BB36-F1D91E7B334A}" dt="2019-06-15T10:47:05.397" v="1395" actId="166"/>
+          <ac:grpSpMkLst>
+            <pc:docMk/>
+            <pc:sldMk cId="1221641340" sldId="260"/>
+            <ac:grpSpMk id="58" creationId="{795A902F-0CEB-4624-A4F7-A35999883786}"/>
+          </ac:grpSpMkLst>
+        </pc:grpChg>
+        <pc:grpChg chg="ord">
+          <ac:chgData name="김영찬" userId="a81591f0-1a4d-4c10-b0d3-35a306720c09" providerId="ADAL" clId="{A3A0D0E8-9F3A-4857-BB36-F1D91E7B334A}" dt="2019-06-15T10:47:05.397" v="1395" actId="166"/>
+          <ac:grpSpMkLst>
+            <pc:docMk/>
+            <pc:sldMk cId="1221641340" sldId="260"/>
+            <ac:grpSpMk id="64" creationId="{48B213A5-8208-4D55-A798-2E1D6D170B76}"/>
+          </ac:grpSpMkLst>
+        </pc:grpChg>
+        <pc:grpChg chg="ord">
+          <ac:chgData name="김영찬" userId="a81591f0-1a4d-4c10-b0d3-35a306720c09" providerId="ADAL" clId="{A3A0D0E8-9F3A-4857-BB36-F1D91E7B334A}" dt="2019-06-15T10:47:05.397" v="1395" actId="166"/>
+          <ac:grpSpMkLst>
+            <pc:docMk/>
+            <pc:sldMk cId="1221641340" sldId="260"/>
+            <ac:grpSpMk id="72" creationId="{53408506-8742-4753-ABE1-CB98D979CBF0}"/>
+          </ac:grpSpMkLst>
+        </pc:grpChg>
+        <pc:grpChg chg="ord">
+          <ac:chgData name="김영찬" userId="a81591f0-1a4d-4c10-b0d3-35a306720c09" providerId="ADAL" clId="{A3A0D0E8-9F3A-4857-BB36-F1D91E7B334A}" dt="2019-06-15T10:47:05.397" v="1395" actId="166"/>
+          <ac:grpSpMkLst>
+            <pc:docMk/>
+            <pc:sldMk cId="1221641340" sldId="260"/>
+            <ac:grpSpMk id="78" creationId="{80987A1E-3518-4B2A-80D3-B1DE36C55406}"/>
+          </ac:grpSpMkLst>
+        </pc:grpChg>
+        <pc:grpChg chg="ord">
+          <ac:chgData name="김영찬" userId="a81591f0-1a4d-4c10-b0d3-35a306720c09" providerId="ADAL" clId="{A3A0D0E8-9F3A-4857-BB36-F1D91E7B334A}" dt="2019-06-15T10:47:05.397" v="1395" actId="166"/>
+          <ac:grpSpMkLst>
+            <pc:docMk/>
+            <pc:sldMk cId="1221641340" sldId="260"/>
+            <ac:grpSpMk id="79" creationId="{991786F9-976D-440E-A1AB-359FDED6E3FF}"/>
+          </ac:grpSpMkLst>
+        </pc:grpChg>
+      </pc:sldChg>
+      <pc:sldChg chg="modSp modNotesTx">
+        <pc:chgData name="김영찬" userId="a81591f0-1a4d-4c10-b0d3-35a306720c09" providerId="ADAL" clId="{A3A0D0E8-9F3A-4857-BB36-F1D91E7B334A}" dt="2019-06-14T05:02:19.067" v="219" actId="6549"/>
+        <pc:sldMkLst>
+          <pc:docMk/>
+          <pc:sldMk cId="4197121160" sldId="261"/>
+        </pc:sldMkLst>
+        <pc:graphicFrameChg chg="mod modGraphic">
+          <ac:chgData name="김영찬" userId="a81591f0-1a4d-4c10-b0d3-35a306720c09" providerId="ADAL" clId="{A3A0D0E8-9F3A-4857-BB36-F1D91E7B334A}" dt="2019-06-14T05:02:19.067" v="219" actId="6549"/>
+          <ac:graphicFrameMkLst>
+            <pc:docMk/>
+            <pc:sldMk cId="4197121160" sldId="261"/>
+            <ac:graphicFrameMk id="7" creationId="{B5583A04-3A25-4635-A454-27DEBF9D096E}"/>
+          </ac:graphicFrameMkLst>
+        </pc:graphicFrameChg>
+      </pc:sldChg>
+      <pc:sldChg chg="addSp modSp">
+        <pc:chgData name="김영찬" userId="a81591f0-1a4d-4c10-b0d3-35a306720c09" providerId="ADAL" clId="{A3A0D0E8-9F3A-4857-BB36-F1D91E7B334A}" dt="2019-06-15T10:48:27.997" v="1455" actId="404"/>
+        <pc:sldMkLst>
+          <pc:docMk/>
+          <pc:sldMk cId="2582276959" sldId="265"/>
+        </pc:sldMkLst>
+        <pc:spChg chg="ord">
+          <ac:chgData name="김영찬" userId="a81591f0-1a4d-4c10-b0d3-35a306720c09" providerId="ADAL" clId="{A3A0D0E8-9F3A-4857-BB36-F1D91E7B334A}" dt="2019-06-15T10:47:57.078" v="1410" actId="166"/>
+          <ac:spMkLst>
+            <pc:docMk/>
+            <pc:sldMk cId="2582276959" sldId="265"/>
+            <ac:spMk id="18" creationId="{61955F4C-FFAF-4582-8C24-B7F49E195252}"/>
+          </ac:spMkLst>
+        </pc:spChg>
+        <pc:spChg chg="ord">
+          <ac:chgData name="김영찬" userId="a81591f0-1a4d-4c10-b0d3-35a306720c09" providerId="ADAL" clId="{A3A0D0E8-9F3A-4857-BB36-F1D91E7B334A}" dt="2019-06-15T10:47:57.078" v="1410" actId="166"/>
+          <ac:spMkLst>
+            <pc:docMk/>
+            <pc:sldMk cId="2582276959" sldId="265"/>
+            <ac:spMk id="19" creationId="{762E667A-9045-423C-8595-FEC345859956}"/>
+          </ac:spMkLst>
+        </pc:spChg>
+        <pc:spChg chg="ord">
+          <ac:chgData name="김영찬" userId="a81591f0-1a4d-4c10-b0d3-35a306720c09" providerId="ADAL" clId="{A3A0D0E8-9F3A-4857-BB36-F1D91E7B334A}" dt="2019-06-15T10:47:57.078" v="1410" actId="166"/>
+          <ac:spMkLst>
+            <pc:docMk/>
+            <pc:sldMk cId="2582276959" sldId="265"/>
+            <ac:spMk id="20" creationId="{8D5929E5-49A3-4BBC-A9BF-60241544D46D}"/>
+          </ac:spMkLst>
+        </pc:spChg>
+        <pc:spChg chg="ord">
+          <ac:chgData name="김영찬" userId="a81591f0-1a4d-4c10-b0d3-35a306720c09" providerId="ADAL" clId="{A3A0D0E8-9F3A-4857-BB36-F1D91E7B334A}" dt="2019-06-15T10:47:57.078" v="1410" actId="166"/>
+          <ac:spMkLst>
+            <pc:docMk/>
+            <pc:sldMk cId="2582276959" sldId="265"/>
+            <ac:spMk id="23" creationId="{BE94DD50-7579-4427-B5C6-E261323D05F5}"/>
+          </ac:spMkLst>
+        </pc:spChg>
+        <pc:spChg chg="ord">
+          <ac:chgData name="김영찬" userId="a81591f0-1a4d-4c10-b0d3-35a306720c09" providerId="ADAL" clId="{A3A0D0E8-9F3A-4857-BB36-F1D91E7B334A}" dt="2019-06-15T10:47:57.078" v="1410" actId="166"/>
+          <ac:spMkLst>
+            <pc:docMk/>
+            <pc:sldMk cId="2582276959" sldId="265"/>
+            <ac:spMk id="24" creationId="{94F31387-3574-415E-B813-C3A499201D81}"/>
+          </ac:spMkLst>
+        </pc:spChg>
+        <pc:spChg chg="ord">
+          <ac:chgData name="김영찬" userId="a81591f0-1a4d-4c10-b0d3-35a306720c09" providerId="ADAL" clId="{A3A0D0E8-9F3A-4857-BB36-F1D91E7B334A}" dt="2019-06-15T10:47:57.078" v="1410" actId="166"/>
+          <ac:spMkLst>
+            <pc:docMk/>
+            <pc:sldMk cId="2582276959" sldId="265"/>
+            <ac:spMk id="26" creationId="{9E227871-F366-439A-B0E0-3B8AAC805176}"/>
+          </ac:spMkLst>
+        </pc:spChg>
+        <pc:spChg chg="ord">
+          <ac:chgData name="김영찬" userId="a81591f0-1a4d-4c10-b0d3-35a306720c09" providerId="ADAL" clId="{A3A0D0E8-9F3A-4857-BB36-F1D91E7B334A}" dt="2019-06-15T10:47:57.078" v="1410" actId="166"/>
+          <ac:spMkLst>
+            <pc:docMk/>
+            <pc:sldMk cId="2582276959" sldId="265"/>
+            <ac:spMk id="27" creationId="{F8FC38A5-7E25-4D3D-AA7D-853842B7EF7B}"/>
+          </ac:spMkLst>
+        </pc:spChg>
+        <pc:spChg chg="ord">
+          <ac:chgData name="김영찬" userId="a81591f0-1a4d-4c10-b0d3-35a306720c09" providerId="ADAL" clId="{A3A0D0E8-9F3A-4857-BB36-F1D91E7B334A}" dt="2019-06-15T10:47:57.078" v="1410" actId="166"/>
+          <ac:spMkLst>
+            <pc:docMk/>
+            <pc:sldMk cId="2582276959" sldId="265"/>
+            <ac:spMk id="28" creationId="{F7AB2A20-517A-498F-9456-2227C120888B}"/>
+          </ac:spMkLst>
+        </pc:spChg>
+        <pc:spChg chg="ord">
+          <ac:chgData name="김영찬" userId="a81591f0-1a4d-4c10-b0d3-35a306720c09" providerId="ADAL" clId="{A3A0D0E8-9F3A-4857-BB36-F1D91E7B334A}" dt="2019-06-15T10:47:57.078" v="1410" actId="166"/>
+          <ac:spMkLst>
+            <pc:docMk/>
+            <pc:sldMk cId="2582276959" sldId="265"/>
+            <ac:spMk id="29" creationId="{EFB61870-2F03-4C81-975E-5B6D933216F1}"/>
+          </ac:spMkLst>
+        </pc:spChg>
+        <pc:spChg chg="ord">
+          <ac:chgData name="김영찬" userId="a81591f0-1a4d-4c10-b0d3-35a306720c09" providerId="ADAL" clId="{A3A0D0E8-9F3A-4857-BB36-F1D91E7B334A}" dt="2019-06-15T10:47:57.078" v="1410" actId="166"/>
+          <ac:spMkLst>
+            <pc:docMk/>
+            <pc:sldMk cId="2582276959" sldId="265"/>
+            <ac:spMk id="30" creationId="{64B4FE7E-B21B-45D9-B20A-10FD80F1BA6B}"/>
+          </ac:spMkLst>
+        </pc:spChg>
+        <pc:spChg chg="ord">
+          <ac:chgData name="김영찬" userId="a81591f0-1a4d-4c10-b0d3-35a306720c09" providerId="ADAL" clId="{A3A0D0E8-9F3A-4857-BB36-F1D91E7B334A}" dt="2019-06-15T10:47:57.078" v="1410" actId="166"/>
+          <ac:spMkLst>
+            <pc:docMk/>
+            <pc:sldMk cId="2582276959" sldId="265"/>
+            <ac:spMk id="31" creationId="{FB251861-8A83-4AD8-ABAC-A5420030A015}"/>
+          </ac:spMkLst>
+        </pc:spChg>
+        <pc:spChg chg="ord">
+          <ac:chgData name="김영찬" userId="a81591f0-1a4d-4c10-b0d3-35a306720c09" providerId="ADAL" clId="{A3A0D0E8-9F3A-4857-BB36-F1D91E7B334A}" dt="2019-06-15T10:47:57.078" v="1410" actId="166"/>
+          <ac:spMkLst>
+            <pc:docMk/>
+            <pc:sldMk cId="2582276959" sldId="265"/>
+            <ac:spMk id="32" creationId="{84AD476A-FD78-4DF6-B3A9-37DE6D2F7B79}"/>
+          </ac:spMkLst>
+        </pc:spChg>
+        <pc:spChg chg="mod ord">
+          <ac:chgData name="김영찬" userId="a81591f0-1a4d-4c10-b0d3-35a306720c09" providerId="ADAL" clId="{A3A0D0E8-9F3A-4857-BB36-F1D91E7B334A}" dt="2019-06-15T10:48:27.997" v="1455" actId="404"/>
+          <ac:spMkLst>
+            <pc:docMk/>
+            <pc:sldMk cId="2582276959" sldId="265"/>
+            <ac:spMk id="33" creationId="{7E881AC3-27B3-4241-A38C-9C02407FF0CB}"/>
+          </ac:spMkLst>
+        </pc:spChg>
+        <pc:spChg chg="ord">
+          <ac:chgData name="김영찬" userId="a81591f0-1a4d-4c10-b0d3-35a306720c09" providerId="ADAL" clId="{A3A0D0E8-9F3A-4857-BB36-F1D91E7B334A}" dt="2019-06-15T10:47:57.078" v="1410" actId="166"/>
+          <ac:spMkLst>
+            <pc:docMk/>
+            <pc:sldMk cId="2582276959" sldId="265"/>
+            <ac:spMk id="37" creationId="{CB35EFBA-5839-4172-BD1F-06036DFAE808}"/>
+          </ac:spMkLst>
+        </pc:spChg>
+        <pc:spChg chg="ord">
+          <ac:chgData name="김영찬" userId="a81591f0-1a4d-4c10-b0d3-35a306720c09" providerId="ADAL" clId="{A3A0D0E8-9F3A-4857-BB36-F1D91E7B334A}" dt="2019-06-15T10:47:57.078" v="1410" actId="166"/>
+          <ac:spMkLst>
+            <pc:docMk/>
+            <pc:sldMk cId="2582276959" sldId="265"/>
+            <ac:spMk id="38" creationId="{E2972689-5762-43E9-BD75-5F1606FB050B}"/>
+          </ac:spMkLst>
+        </pc:spChg>
+        <pc:spChg chg="ord">
+          <ac:chgData name="김영찬" userId="a81591f0-1a4d-4c10-b0d3-35a306720c09" providerId="ADAL" clId="{A3A0D0E8-9F3A-4857-BB36-F1D91E7B334A}" dt="2019-06-15T10:47:57.078" v="1410" actId="166"/>
+          <ac:spMkLst>
+            <pc:docMk/>
+            <pc:sldMk cId="2582276959" sldId="265"/>
+            <ac:spMk id="40" creationId="{70CF3580-7838-4E89-A456-A1F0FACF264F}"/>
+          </ac:spMkLst>
+        </pc:spChg>
+        <pc:spChg chg="ord">
+          <ac:chgData name="김영찬" userId="a81591f0-1a4d-4c10-b0d3-35a306720c09" providerId="ADAL" clId="{A3A0D0E8-9F3A-4857-BB36-F1D91E7B334A}" dt="2019-06-15T10:47:57.078" v="1410" actId="166"/>
+          <ac:spMkLst>
+            <pc:docMk/>
+            <pc:sldMk cId="2582276959" sldId="265"/>
+            <ac:spMk id="42" creationId="{E7D49E53-CC64-4753-A13D-F0FA0FF310B6}"/>
+          </ac:spMkLst>
+        </pc:spChg>
+        <pc:spChg chg="ord">
+          <ac:chgData name="김영찬" userId="a81591f0-1a4d-4c10-b0d3-35a306720c09" providerId="ADAL" clId="{A3A0D0E8-9F3A-4857-BB36-F1D91E7B334A}" dt="2019-06-15T10:47:57.078" v="1410" actId="166"/>
+          <ac:spMkLst>
+            <pc:docMk/>
+            <pc:sldMk cId="2582276959" sldId="265"/>
+            <ac:spMk id="46" creationId="{581FC385-8C18-4205-B329-C1CDAF74689E}"/>
+          </ac:spMkLst>
+        </pc:spChg>
+        <pc:spChg chg="ord">
+          <ac:chgData name="김영찬" userId="a81591f0-1a4d-4c10-b0d3-35a306720c09" providerId="ADAL" clId="{A3A0D0E8-9F3A-4857-BB36-F1D91E7B334A}" dt="2019-06-15T10:47:57.078" v="1410" actId="166"/>
+          <ac:spMkLst>
+            <pc:docMk/>
+            <pc:sldMk cId="2582276959" sldId="265"/>
+            <ac:spMk id="47" creationId="{FCACF82F-8ABB-4DA2-99E0-D39D66B81BB2}"/>
+          </ac:spMkLst>
+        </pc:spChg>
+        <pc:spChg chg="add mod">
+          <ac:chgData name="김영찬" userId="a81591f0-1a4d-4c10-b0d3-35a306720c09" providerId="ADAL" clId="{A3A0D0E8-9F3A-4857-BB36-F1D91E7B334A}" dt="2019-06-15T10:47:46.137" v="1408" actId="1076"/>
+          <ac:spMkLst>
+            <pc:docMk/>
+            <pc:sldMk cId="2582276959" sldId="265"/>
+            <ac:spMk id="51" creationId="{507AA97B-85F5-456F-B63F-DFC10E1C409F}"/>
+          </ac:spMkLst>
+        </pc:spChg>
+        <pc:spChg chg="ord">
+          <ac:chgData name="김영찬" userId="a81591f0-1a4d-4c10-b0d3-35a306720c09" providerId="ADAL" clId="{A3A0D0E8-9F3A-4857-BB36-F1D91E7B334A}" dt="2019-06-15T10:47:57.078" v="1410" actId="166"/>
+          <ac:spMkLst>
+            <pc:docMk/>
+            <pc:sldMk cId="2582276959" sldId="265"/>
+            <ac:spMk id="53" creationId="{5D1206B4-3A4E-44E6-827C-27CEC0C7315C}"/>
+          </ac:spMkLst>
+        </pc:spChg>
+        <pc:spChg chg="ord">
+          <ac:chgData name="김영찬" userId="a81591f0-1a4d-4c10-b0d3-35a306720c09" providerId="ADAL" clId="{A3A0D0E8-9F3A-4857-BB36-F1D91E7B334A}" dt="2019-06-15T10:47:57.078" v="1410" actId="166"/>
+          <ac:spMkLst>
+            <pc:docMk/>
+            <pc:sldMk cId="2582276959" sldId="265"/>
+            <ac:spMk id="55" creationId="{225FB835-2225-4A26-AB1E-DB50DBF7E597}"/>
+          </ac:spMkLst>
+        </pc:spChg>
+        <pc:spChg chg="ord">
+          <ac:chgData name="김영찬" userId="a81591f0-1a4d-4c10-b0d3-35a306720c09" providerId="ADAL" clId="{A3A0D0E8-9F3A-4857-BB36-F1D91E7B334A}" dt="2019-06-15T10:47:57.078" v="1410" actId="166"/>
+          <ac:spMkLst>
+            <pc:docMk/>
+            <pc:sldMk cId="2582276959" sldId="265"/>
+            <ac:spMk id="58" creationId="{AE087BA9-6968-4AB6-B0B3-568BB13234A0}"/>
+          </ac:spMkLst>
+        </pc:spChg>
+        <pc:spChg chg="ord">
+          <ac:chgData name="김영찬" userId="a81591f0-1a4d-4c10-b0d3-35a306720c09" providerId="ADAL" clId="{A3A0D0E8-9F3A-4857-BB36-F1D91E7B334A}" dt="2019-06-15T10:47:57.078" v="1410" actId="166"/>
+          <ac:spMkLst>
+            <pc:docMk/>
+            <pc:sldMk cId="2582276959" sldId="265"/>
+            <ac:spMk id="60" creationId="{DA46C195-7A22-4E71-AA0F-F7110B32C538}"/>
+          </ac:spMkLst>
+        </pc:spChg>
+        <pc:spChg chg="ord">
+          <ac:chgData name="김영찬" userId="a81591f0-1a4d-4c10-b0d3-35a306720c09" providerId="ADAL" clId="{A3A0D0E8-9F3A-4857-BB36-F1D91E7B334A}" dt="2019-06-15T10:47:57.078" v="1410" actId="166"/>
+          <ac:spMkLst>
+            <pc:docMk/>
+            <pc:sldMk cId="2582276959" sldId="265"/>
+            <ac:spMk id="62" creationId="{72511F03-F295-42C2-AF41-4720E9710643}"/>
+          </ac:spMkLst>
+        </pc:spChg>
+        <pc:spChg chg="ord">
+          <ac:chgData name="김영찬" userId="a81591f0-1a4d-4c10-b0d3-35a306720c09" providerId="ADAL" clId="{A3A0D0E8-9F3A-4857-BB36-F1D91E7B334A}" dt="2019-06-15T10:47:57.078" v="1410" actId="166"/>
+          <ac:spMkLst>
+            <pc:docMk/>
+            <pc:sldMk cId="2582276959" sldId="265"/>
+            <ac:spMk id="64" creationId="{4C9C2DD2-AF4F-4A11-A176-4AC8115ECA4D}"/>
+          </ac:spMkLst>
+        </pc:spChg>
+        <pc:spChg chg="ord">
+          <ac:chgData name="김영찬" userId="a81591f0-1a4d-4c10-b0d3-35a306720c09" providerId="ADAL" clId="{A3A0D0E8-9F3A-4857-BB36-F1D91E7B334A}" dt="2019-06-15T10:47:57.078" v="1410" actId="166"/>
+          <ac:spMkLst>
+            <pc:docMk/>
+            <pc:sldMk cId="2582276959" sldId="265"/>
+            <ac:spMk id="68" creationId="{396B13CE-1307-426A-A954-2328F66940EC}"/>
+          </ac:spMkLst>
+        </pc:spChg>
+        <pc:spChg chg="mod">
+          <ac:chgData name="김영찬" userId="a81591f0-1a4d-4c10-b0d3-35a306720c09" providerId="ADAL" clId="{A3A0D0E8-9F3A-4857-BB36-F1D91E7B334A}" dt="2019-06-15T10:47:51.018" v="1409" actId="1076"/>
+          <ac:spMkLst>
+            <pc:docMk/>
+            <pc:sldMk cId="2582276959" sldId="265"/>
+            <ac:spMk id="69" creationId="{6B66C3D3-121E-4065-B817-4E0027BED189}"/>
+          </ac:spMkLst>
+        </pc:spChg>
+        <pc:grpChg chg="ord">
+          <ac:chgData name="김영찬" userId="a81591f0-1a4d-4c10-b0d3-35a306720c09" providerId="ADAL" clId="{A3A0D0E8-9F3A-4857-BB36-F1D91E7B334A}" dt="2019-06-15T10:47:57.078" v="1410" actId="166"/>
+          <ac:grpSpMkLst>
+            <pc:docMk/>
+            <pc:sldMk cId="2582276959" sldId="265"/>
+            <ac:grpSpMk id="50" creationId="{E57ABCDC-9666-47EF-9E26-DD1C96EBD674}"/>
+          </ac:grpSpMkLst>
+        </pc:grpChg>
+        <pc:picChg chg="ord">
+          <ac:chgData name="김영찬" userId="a81591f0-1a4d-4c10-b0d3-35a306720c09" providerId="ADAL" clId="{A3A0D0E8-9F3A-4857-BB36-F1D91E7B334A}" dt="2019-06-15T10:47:57.078" v="1410" actId="166"/>
+          <ac:picMkLst>
+            <pc:docMk/>
+            <pc:sldMk cId="2582276959" sldId="265"/>
+            <ac:picMk id="25" creationId="{9963EE23-F192-46B8-87EF-C84A7818A35D}"/>
+          </ac:picMkLst>
+        </pc:picChg>
+        <pc:picChg chg="ord">
+          <ac:chgData name="김영찬" userId="a81591f0-1a4d-4c10-b0d3-35a306720c09" providerId="ADAL" clId="{A3A0D0E8-9F3A-4857-BB36-F1D91E7B334A}" dt="2019-06-15T10:47:57.078" v="1410" actId="166"/>
+          <ac:picMkLst>
+            <pc:docMk/>
+            <pc:sldMk cId="2582276959" sldId="265"/>
+            <ac:picMk id="65" creationId="{5F538F27-1F41-4F12-896A-09AD58C8C0BF}"/>
+          </ac:picMkLst>
+        </pc:picChg>
+        <pc:cxnChg chg="ord">
+          <ac:chgData name="김영찬" userId="a81591f0-1a4d-4c10-b0d3-35a306720c09" providerId="ADAL" clId="{A3A0D0E8-9F3A-4857-BB36-F1D91E7B334A}" dt="2019-06-15T10:47:57.078" v="1410" actId="166"/>
+          <ac:cxnSpMkLst>
+            <pc:docMk/>
+            <pc:sldMk cId="2582276959" sldId="265"/>
+            <ac:cxnSpMk id="10" creationId="{F264205D-E2E2-4061-9A3D-6F99671212C1}"/>
+          </ac:cxnSpMkLst>
+        </pc:cxnChg>
+        <pc:cxnChg chg="ord">
+          <ac:chgData name="김영찬" userId="a81591f0-1a4d-4c10-b0d3-35a306720c09" providerId="ADAL" clId="{A3A0D0E8-9F3A-4857-BB36-F1D91E7B334A}" dt="2019-06-15T10:47:57.078" v="1410" actId="166"/>
+          <ac:cxnSpMkLst>
+            <pc:docMk/>
+            <pc:sldMk cId="2582276959" sldId="265"/>
+            <ac:cxnSpMk id="45" creationId="{442CCCA7-A6FD-4F69-AEBC-A669F5F24301}"/>
+          </ac:cxnSpMkLst>
+        </pc:cxnChg>
+        <pc:cxnChg chg="ord">
+          <ac:chgData name="김영찬" userId="a81591f0-1a4d-4c10-b0d3-35a306720c09" providerId="ADAL" clId="{A3A0D0E8-9F3A-4857-BB36-F1D91E7B334A}" dt="2019-06-15T10:47:57.078" v="1410" actId="166"/>
+          <ac:cxnSpMkLst>
+            <pc:docMk/>
+            <pc:sldMk cId="2582276959" sldId="265"/>
+            <ac:cxnSpMk id="71" creationId="{8F59005E-9052-45E6-90AA-E496E45F7E57}"/>
+          </ac:cxnSpMkLst>
+        </pc:cxnChg>
+      </pc:sldChg>
+      <pc:sldChg chg="addSp delSp modSp">
+        <pc:chgData name="김영찬" userId="a81591f0-1a4d-4c10-b0d3-35a306720c09" providerId="ADAL" clId="{A3A0D0E8-9F3A-4857-BB36-F1D91E7B334A}" dt="2019-06-14T05:28:21.888" v="1290" actId="20577"/>
+        <pc:sldMkLst>
+          <pc:docMk/>
+          <pc:sldMk cId="306099351" sldId="266"/>
+        </pc:sldMkLst>
+        <pc:spChg chg="mod">
+          <ac:chgData name="김영찬" userId="a81591f0-1a4d-4c10-b0d3-35a306720c09" providerId="ADAL" clId="{A3A0D0E8-9F3A-4857-BB36-F1D91E7B334A}" dt="2019-06-14T05:28:21.888" v="1290" actId="20577"/>
+          <ac:spMkLst>
+            <pc:docMk/>
+            <pc:sldMk cId="306099351" sldId="266"/>
+            <ac:spMk id="3" creationId="{C08FC53D-329F-4A72-89A3-715DA112070D}"/>
+          </ac:spMkLst>
+        </pc:spChg>
+        <pc:spChg chg="add mod">
+          <ac:chgData name="김영찬" userId="a81591f0-1a4d-4c10-b0d3-35a306720c09" providerId="ADAL" clId="{A3A0D0E8-9F3A-4857-BB36-F1D91E7B334A}" dt="2019-06-14T05:27:20.742" v="978" actId="403"/>
+          <ac:spMkLst>
+            <pc:docMk/>
+            <pc:sldMk cId="306099351" sldId="266"/>
+            <ac:spMk id="6" creationId="{98A6BD85-1493-43DE-BDE8-376C887F2722}"/>
+          </ac:spMkLst>
+        </pc:spChg>
+        <pc:picChg chg="add mod">
+          <ac:chgData name="김영찬" userId="a81591f0-1a4d-4c10-b0d3-35a306720c09" providerId="ADAL" clId="{A3A0D0E8-9F3A-4857-BB36-F1D91E7B334A}" dt="2019-06-14T05:25:26.633" v="786" actId="1076"/>
+          <ac:picMkLst>
+            <pc:docMk/>
+            <pc:sldMk cId="306099351" sldId="266"/>
+            <ac:picMk id="5" creationId="{1C7ED89C-DB5E-4A9D-9943-2265BE4D5015}"/>
+          </ac:picMkLst>
+        </pc:picChg>
+        <pc:picChg chg="mod">
+          <ac:chgData name="김영찬" userId="a81591f0-1a4d-4c10-b0d3-35a306720c09" providerId="ADAL" clId="{A3A0D0E8-9F3A-4857-BB36-F1D91E7B334A}" dt="2019-06-14T05:20:16.052" v="774" actId="1076"/>
+          <ac:picMkLst>
+            <pc:docMk/>
+            <pc:sldMk cId="306099351" sldId="266"/>
+            <ac:picMk id="21" creationId="{4935CDEA-1299-4F66-89AE-C64002D5BA67}"/>
+          </ac:picMkLst>
+        </pc:picChg>
+        <pc:picChg chg="del mod">
+          <ac:chgData name="김영찬" userId="a81591f0-1a4d-4c10-b0d3-35a306720c09" providerId="ADAL" clId="{A3A0D0E8-9F3A-4857-BB36-F1D91E7B334A}" dt="2019-06-14T05:26:53.381" v="956" actId="478"/>
+          <ac:picMkLst>
+            <pc:docMk/>
+            <pc:sldMk cId="306099351" sldId="266"/>
+            <ac:picMk id="23" creationId="{A63C2F75-F5BB-418F-8602-1D6FBCC95CE8}"/>
+          </ac:picMkLst>
+        </pc:picChg>
+      </pc:sldChg>
+      <pc:sldChg chg="addSp delSp modSp">
+        <pc:chgData name="김영찬" userId="a81591f0-1a4d-4c10-b0d3-35a306720c09" providerId="ADAL" clId="{A3A0D0E8-9F3A-4857-BB36-F1D91E7B334A}" dt="2019-06-14T05:09:02.234" v="229"/>
+        <pc:sldMkLst>
+          <pc:docMk/>
+          <pc:sldMk cId="2517608374" sldId="267"/>
+        </pc:sldMkLst>
+        <pc:picChg chg="add del mod">
+          <ac:chgData name="김영찬" userId="a81591f0-1a4d-4c10-b0d3-35a306720c09" providerId="ADAL" clId="{A3A0D0E8-9F3A-4857-BB36-F1D91E7B334A}" dt="2019-06-14T05:08:59.910" v="227"/>
+          <ac:picMkLst>
+            <pc:docMk/>
+            <pc:sldMk cId="2517608374" sldId="267"/>
+            <ac:picMk id="8" creationId="{385ABBE7-8214-4800-81B5-88C5B6505F4F}"/>
+          </ac:picMkLst>
+        </pc:picChg>
+        <pc:picChg chg="del mod">
+          <ac:chgData name="김영찬" userId="a81591f0-1a4d-4c10-b0d3-35a306720c09" providerId="ADAL" clId="{A3A0D0E8-9F3A-4857-BB36-F1D91E7B334A}" dt="2019-06-14T05:09:01.132" v="228" actId="478"/>
+          <ac:picMkLst>
+            <pc:docMk/>
+            <pc:sldMk cId="2517608374" sldId="267"/>
+            <ac:picMk id="10" creationId="{A4F182B4-5B20-4303-82F3-2C6365718551}"/>
+          </ac:picMkLst>
+        </pc:picChg>
+        <pc:picChg chg="add">
+          <ac:chgData name="김영찬" userId="a81591f0-1a4d-4c10-b0d3-35a306720c09" providerId="ADAL" clId="{A3A0D0E8-9F3A-4857-BB36-F1D91E7B334A}" dt="2019-06-14T05:09:02.234" v="229"/>
+          <ac:picMkLst>
+            <pc:docMk/>
+            <pc:sldMk cId="2517608374" sldId="267"/>
+            <ac:picMk id="11" creationId="{A2095E0B-E321-456D-9E01-55904A5DB82A}"/>
+          </ac:picMkLst>
+        </pc:picChg>
+      </pc:sldChg>
+      <pc:sldChg chg="addSp delSp modSp">
+        <pc:chgData name="김영찬" userId="a81591f0-1a4d-4c10-b0d3-35a306720c09" providerId="ADAL" clId="{A3A0D0E8-9F3A-4857-BB36-F1D91E7B334A}" dt="2019-06-14T05:13:18.669" v="249" actId="1076"/>
+        <pc:sldMkLst>
+          <pc:docMk/>
+          <pc:sldMk cId="2270366174" sldId="268"/>
+        </pc:sldMkLst>
+        <pc:spChg chg="add del mod">
+          <ac:chgData name="김영찬" userId="a81591f0-1a4d-4c10-b0d3-35a306720c09" providerId="ADAL" clId="{A3A0D0E8-9F3A-4857-BB36-F1D91E7B334A}" dt="2019-06-14T05:11:31.173" v="232"/>
+          <ac:spMkLst>
+            <pc:docMk/>
+            <pc:sldMk cId="2270366174" sldId="268"/>
+            <ac:spMk id="5" creationId="{8BAF3DC6-57B7-46E8-BBE3-DE4091779D00}"/>
+          </ac:spMkLst>
+        </pc:spChg>
+        <pc:picChg chg="del">
+          <ac:chgData name="김영찬" userId="a81591f0-1a4d-4c10-b0d3-35a306720c09" providerId="ADAL" clId="{A3A0D0E8-9F3A-4857-BB36-F1D91E7B334A}" dt="2019-06-14T05:09:58.262" v="230" actId="478"/>
+          <ac:picMkLst>
+            <pc:docMk/>
+            <pc:sldMk cId="2270366174" sldId="268"/>
+            <ac:picMk id="8" creationId="{2F9A39B0-7DFF-4621-AAC4-324F3D9A3478}"/>
+          </ac:picMkLst>
+        </pc:picChg>
+        <pc:picChg chg="add mod">
+          <ac:chgData name="김영찬" userId="a81591f0-1a4d-4c10-b0d3-35a306720c09" providerId="ADAL" clId="{A3A0D0E8-9F3A-4857-BB36-F1D91E7B334A}" dt="2019-06-14T05:11:46.316" v="237" actId="1076"/>
+          <ac:picMkLst>
+            <pc:docMk/>
+            <pc:sldMk cId="2270366174" sldId="268"/>
+            <ac:picMk id="9" creationId="{3503FCD1-0635-469E-89BA-B0A076C62EB9}"/>
+          </ac:picMkLst>
+        </pc:picChg>
+        <pc:picChg chg="del">
+          <ac:chgData name="김영찬" userId="a81591f0-1a4d-4c10-b0d3-35a306720c09" providerId="ADAL" clId="{A3A0D0E8-9F3A-4857-BB36-F1D91E7B334A}" dt="2019-06-14T05:10:00.845" v="231" actId="478"/>
+          <ac:picMkLst>
+            <pc:docMk/>
+            <pc:sldMk cId="2270366174" sldId="268"/>
+            <ac:picMk id="11" creationId="{DCD39B79-56E9-4FA5-ADBF-7CBBB54B1F1F}"/>
+          </ac:picMkLst>
+        </pc:picChg>
+        <pc:picChg chg="add del mod">
+          <ac:chgData name="김영찬" userId="a81591f0-1a4d-4c10-b0d3-35a306720c09" providerId="ADAL" clId="{A3A0D0E8-9F3A-4857-BB36-F1D91E7B334A}" dt="2019-06-14T05:12:30.513" v="242" actId="478"/>
+          <ac:picMkLst>
+            <pc:docMk/>
+            <pc:sldMk cId="2270366174" sldId="268"/>
+            <ac:picMk id="12" creationId="{BD192B67-2C4D-4E72-A86A-D9E066316BD0}"/>
+          </ac:picMkLst>
+        </pc:picChg>
+        <pc:picChg chg="add mod">
+          <ac:chgData name="김영찬" userId="a81591f0-1a4d-4c10-b0d3-35a306720c09" providerId="ADAL" clId="{A3A0D0E8-9F3A-4857-BB36-F1D91E7B334A}" dt="2019-06-14T05:13:18.669" v="249" actId="1076"/>
+          <ac:picMkLst>
+            <pc:docMk/>
+            <pc:sldMk cId="2270366174" sldId="268"/>
+            <ac:picMk id="14" creationId="{17CC0A98-6C19-4D01-A8EE-A15E2AA92B12}"/>
+          </ac:picMkLst>
+        </pc:picChg>
+      </pc:sldChg>
+    </pc:docChg>
+  </pc:docChgLst>
+  <pc:docChgLst>
     <pc:chgData name="김영찬" userId="a81591f0-1a4d-4c10-b0d3-35a306720c09" providerId="ADAL" clId="{55A6C147-651B-4EA1-B137-62EAA54887D7}"/>
     <pc:docChg chg="undo redo custSel addSld delSld modSld sldOrd modMainMaster">
       <pc:chgData name="김영찬" userId="a81591f0-1a4d-4c10-b0d3-35a306720c09" providerId="ADAL" clId="{55A6C147-651B-4EA1-B137-62EAA54887D7}" dt="2019-04-16T02:09:39.478" v="30811"/>
@@ -1001,6 +2062,15 @@
     </pc:docChg>
   </pc:docChgLst>
   <pc:docChgLst>
+    <pc:chgData name="김영찬" userId="a81591f0-1a4d-4c10-b0d3-35a306720c09" providerId="ADAL" clId="{96725876-79DF-416C-B807-402B7C64161B}"/>
+    <pc:docChg chg="delSld">
+      <pc:chgData name="김영찬" userId="a81591f0-1a4d-4c10-b0d3-35a306720c09" providerId="ADAL" clId="{96725876-79DF-416C-B807-402B7C64161B}" dt="2019-05-10T13:37:52.124" v="13" actId="2696"/>
+      <pc:docMkLst>
+        <pc:docMk/>
+      </pc:docMkLst>
+    </pc:docChg>
+  </pc:docChgLst>
+  <pc:docChgLst>
     <pc:chgData name="김영찬" userId="a81591f0-1a4d-4c10-b0d3-35a306720c09" providerId="ADAL" clId="{8C5D3337-9A92-4731-953F-24DDF54DD1A0}"/>
     <pc:docChg chg="undo custSel addSld delSld modSld sldOrd modMainMaster">
       <pc:chgData name="김영찬" userId="a81591f0-1a4d-4c10-b0d3-35a306720c09" providerId="ADAL" clId="{8C5D3337-9A92-4731-953F-24DDF54DD1A0}" dt="2019-05-10T18:15:54.420" v="8108" actId="14100"/>
@@ -2831,142 +3901,6 @@
     </pc:docChg>
   </pc:docChgLst>
   <pc:docChgLst>
-    <pc:chgData name="김영찬" userId="a81591f0-1a4d-4c10-b0d3-35a306720c09" providerId="ADAL" clId="{BF047AC6-B3CF-4B2E-8A29-CB4C276824B2}"/>
-  </pc:docChgLst>
-  <pc:docChgLst>
-    <pc:chgData name="김영찬" userId="a81591f0-1a4d-4c10-b0d3-35a306720c09" providerId="ADAL" clId="{C6263AE8-44B9-418E-970B-782102A8990D}"/>
-    <pc:docChg chg="undo custSel addSld delSld modSld">
-      <pc:chgData name="김영찬" userId="a81591f0-1a4d-4c10-b0d3-35a306720c09" providerId="ADAL" clId="{C6263AE8-44B9-418E-970B-782102A8990D}" dt="2019-05-28T12:28:24.664" v="175"/>
-      <pc:docMkLst>
-        <pc:docMk/>
-      </pc:docMkLst>
-      <pc:sldChg chg="modSp">
-        <pc:chgData name="김영찬" userId="a81591f0-1a4d-4c10-b0d3-35a306720c09" providerId="ADAL" clId="{C6263AE8-44B9-418E-970B-782102A8990D}" dt="2019-05-28T12:28:24.664" v="175"/>
-        <pc:sldMkLst>
-          <pc:docMk/>
-          <pc:sldMk cId="3255533136" sldId="256"/>
-        </pc:sldMkLst>
-        <pc:spChg chg="mod">
-          <ac:chgData name="김영찬" userId="a81591f0-1a4d-4c10-b0d3-35a306720c09" providerId="ADAL" clId="{C6263AE8-44B9-418E-970B-782102A8990D}" dt="2019-05-28T12:28:24.664" v="175"/>
-          <ac:spMkLst>
-            <pc:docMk/>
-            <pc:sldMk cId="3255533136" sldId="256"/>
-            <ac:spMk id="2" creationId="{C886721D-0E80-4306-9F4C-3FAA6FE50BE6}"/>
-          </ac:spMkLst>
-        </pc:spChg>
-      </pc:sldChg>
-      <pc:sldChg chg="modSp">
-        <pc:chgData name="김영찬" userId="a81591f0-1a4d-4c10-b0d3-35a306720c09" providerId="ADAL" clId="{C6263AE8-44B9-418E-970B-782102A8990D}" dt="2019-05-28T12:27:29.727" v="168" actId="404"/>
-        <pc:sldMkLst>
-          <pc:docMk/>
-          <pc:sldMk cId="4197121160" sldId="261"/>
-        </pc:sldMkLst>
-        <pc:spChg chg="mod">
-          <ac:chgData name="김영찬" userId="a81591f0-1a4d-4c10-b0d3-35a306720c09" providerId="ADAL" clId="{C6263AE8-44B9-418E-970B-782102A8990D}" dt="2019-05-28T12:15:54.655" v="9"/>
-          <ac:spMkLst>
-            <pc:docMk/>
-            <pc:sldMk cId="4197121160" sldId="261"/>
-            <ac:spMk id="2" creationId="{AA57BE3B-8A81-4775-8A24-BE9D0E50C6BC}"/>
-          </ac:spMkLst>
-        </pc:spChg>
-        <pc:graphicFrameChg chg="mod modGraphic">
-          <ac:chgData name="김영찬" userId="a81591f0-1a4d-4c10-b0d3-35a306720c09" providerId="ADAL" clId="{C6263AE8-44B9-418E-970B-782102A8990D}" dt="2019-05-28T12:27:29.727" v="168" actId="404"/>
-          <ac:graphicFrameMkLst>
-            <pc:docMk/>
-            <pc:sldMk cId="4197121160" sldId="261"/>
-            <ac:graphicFrameMk id="7" creationId="{B5583A04-3A25-4635-A454-27DEBF9D096E}"/>
-          </ac:graphicFrameMkLst>
-        </pc:graphicFrameChg>
-      </pc:sldChg>
-      <pc:sldChg chg="addSp delSp modSp">
-        <pc:chgData name="김영찬" userId="a81591f0-1a4d-4c10-b0d3-35a306720c09" providerId="ADAL" clId="{C6263AE8-44B9-418E-970B-782102A8990D}" dt="2019-05-28T12:26:07.507" v="114" actId="478"/>
-        <pc:sldMkLst>
-          <pc:docMk/>
-          <pc:sldMk cId="2517608374" sldId="267"/>
-        </pc:sldMkLst>
-        <pc:spChg chg="mod">
-          <ac:chgData name="김영찬" userId="a81591f0-1a4d-4c10-b0d3-35a306720c09" providerId="ADAL" clId="{C6263AE8-44B9-418E-970B-782102A8990D}" dt="2019-05-28T12:25:43.744" v="94" actId="20577"/>
-          <ac:spMkLst>
-            <pc:docMk/>
-            <pc:sldMk cId="2517608374" sldId="267"/>
-            <ac:spMk id="3" creationId="{9BED47D4-ED28-440D-90C9-75F03E72F699}"/>
-          </ac:spMkLst>
-        </pc:spChg>
-        <pc:picChg chg="add del mod">
-          <ac:chgData name="김영찬" userId="a81591f0-1a4d-4c10-b0d3-35a306720c09" providerId="ADAL" clId="{C6263AE8-44B9-418E-970B-782102A8990D}" dt="2019-05-28T12:25:57.006" v="105"/>
-          <ac:picMkLst>
-            <pc:docMk/>
-            <pc:sldMk cId="2517608374" sldId="267"/>
-            <ac:picMk id="8" creationId="{B77B10B1-0188-46FD-A2C0-1D79BE428841}"/>
-          </ac:picMkLst>
-        </pc:picChg>
-        <pc:picChg chg="add mod">
-          <ac:chgData name="김영찬" userId="a81591f0-1a4d-4c10-b0d3-35a306720c09" providerId="ADAL" clId="{C6263AE8-44B9-418E-970B-782102A8990D}" dt="2019-05-28T12:26:04.009" v="112" actId="1076"/>
-          <ac:picMkLst>
-            <pc:docMk/>
-            <pc:sldMk cId="2517608374" sldId="267"/>
-            <ac:picMk id="10" creationId="{A4F182B4-5B20-4303-82F3-2C6365718551}"/>
-          </ac:picMkLst>
-        </pc:picChg>
-        <pc:picChg chg="add del">
-          <ac:chgData name="김영찬" userId="a81591f0-1a4d-4c10-b0d3-35a306720c09" providerId="ADAL" clId="{C6263AE8-44B9-418E-970B-782102A8990D}" dt="2019-05-28T12:26:07.507" v="114" actId="478"/>
-          <ac:picMkLst>
-            <pc:docMk/>
-            <pc:sldMk cId="2517608374" sldId="267"/>
-            <ac:picMk id="11" creationId="{A6CE3275-91AC-4CEF-BBDE-27AEC2F502CC}"/>
-          </ac:picMkLst>
-        </pc:picChg>
-      </pc:sldChg>
-      <pc:sldChg chg="addSp delSp modSp add">
-        <pc:chgData name="김영찬" userId="a81591f0-1a4d-4c10-b0d3-35a306720c09" providerId="ADAL" clId="{C6263AE8-44B9-418E-970B-782102A8990D}" dt="2019-05-28T12:26:42.089" v="133" actId="1076"/>
-        <pc:sldMkLst>
-          <pc:docMk/>
-          <pc:sldMk cId="2270366174" sldId="268"/>
-        </pc:sldMkLst>
-        <pc:spChg chg="del mod">
-          <ac:chgData name="김영찬" userId="a81591f0-1a4d-4c10-b0d3-35a306720c09" providerId="ADAL" clId="{C6263AE8-44B9-418E-970B-782102A8990D}" dt="2019-05-28T12:26:16.290" v="118"/>
-          <ac:spMkLst>
-            <pc:docMk/>
-            <pc:sldMk cId="2270366174" sldId="268"/>
-            <ac:spMk id="3" creationId="{9BED47D4-ED28-440D-90C9-75F03E72F699}"/>
-          </ac:spMkLst>
-        </pc:spChg>
-        <pc:spChg chg="del">
-          <ac:chgData name="김영찬" userId="a81591f0-1a4d-4c10-b0d3-35a306720c09" providerId="ADAL" clId="{C6263AE8-44B9-418E-970B-782102A8990D}" dt="2019-05-28T12:26:37.093" v="131" actId="478"/>
-          <ac:spMkLst>
-            <pc:docMk/>
-            <pc:sldMk cId="2270366174" sldId="268"/>
-            <ac:spMk id="5" creationId="{A4F3CE2C-6C4B-40FA-9D7D-03679CAB5200}"/>
-          </ac:spMkLst>
-        </pc:spChg>
-        <pc:picChg chg="add mod">
-          <ac:chgData name="김영찬" userId="a81591f0-1a4d-4c10-b0d3-35a306720c09" providerId="ADAL" clId="{C6263AE8-44B9-418E-970B-782102A8990D}" dt="2019-05-28T12:26:38.232" v="132" actId="1076"/>
-          <ac:picMkLst>
-            <pc:docMk/>
-            <pc:sldMk cId="2270366174" sldId="268"/>
-            <ac:picMk id="8" creationId="{2F9A39B0-7DFF-4621-AAC4-324F3D9A3478}"/>
-          </ac:picMkLst>
-        </pc:picChg>
-        <pc:picChg chg="del">
-          <ac:chgData name="김영찬" userId="a81591f0-1a4d-4c10-b0d3-35a306720c09" providerId="ADAL" clId="{C6263AE8-44B9-418E-970B-782102A8990D}" dt="2019-05-28T12:26:12.109" v="116" actId="478"/>
-          <ac:picMkLst>
-            <pc:docMk/>
-            <pc:sldMk cId="2270366174" sldId="268"/>
-            <ac:picMk id="10" creationId="{A4F182B4-5B20-4303-82F3-2C6365718551}"/>
-          </ac:picMkLst>
-        </pc:picChg>
-        <pc:picChg chg="add mod">
-          <ac:chgData name="김영찬" userId="a81591f0-1a4d-4c10-b0d3-35a306720c09" providerId="ADAL" clId="{C6263AE8-44B9-418E-970B-782102A8990D}" dt="2019-05-28T12:26:42.089" v="133" actId="1076"/>
-          <ac:picMkLst>
-            <pc:docMk/>
-            <pc:sldMk cId="2270366174" sldId="268"/>
-            <ac:picMk id="11" creationId="{DCD39B79-56E9-4FA5-ADBF-7CBBB54B1F1F}"/>
-          </ac:picMkLst>
-        </pc:picChg>
-      </pc:sldChg>
-    </pc:docChg>
-  </pc:docChgLst>
-  <pc:docChgLst>
     <pc:chgData name="김영찬" userId="a81591f0-1a4d-4c10-b0d3-35a306720c09" providerId="ADAL" clId="{D6696B76-AE65-491A-B254-287DE2784131}"/>
     <pc:docChg chg="undo custSel addSld delSld modSld sldOrd modMainMaster">
       <pc:chgData name="김영찬" userId="a81591f0-1a4d-4c10-b0d3-35a306720c09" providerId="ADAL" clId="{D6696B76-AE65-491A-B254-287DE2784131}" dt="2019-04-22T04:45:16.545" v="3308" actId="404"/>
@@ -2997,398 +3931,6 @@
           </pc:graphicFrameChg>
         </pc:sldLayoutChg>
       </pc:sldMasterChg>
-    </pc:docChg>
-  </pc:docChgLst>
-  <pc:docChgLst>
-    <pc:chgData name="김영찬" userId="a81591f0-1a4d-4c10-b0d3-35a306720c09" providerId="ADAL" clId="{96725876-79DF-416C-B807-402B7C64161B}"/>
-    <pc:docChg chg="delSld">
-      <pc:chgData name="김영찬" userId="a81591f0-1a4d-4c10-b0d3-35a306720c09" providerId="ADAL" clId="{96725876-79DF-416C-B807-402B7C64161B}" dt="2019-05-10T13:37:52.124" v="13" actId="2696"/>
-      <pc:docMkLst>
-        <pc:docMk/>
-      </pc:docMkLst>
-    </pc:docChg>
-  </pc:docChgLst>
-  <pc:docChgLst>
-    <pc:chgData name="김영찬" userId="a81591f0-1a4d-4c10-b0d3-35a306720c09" providerId="ADAL" clId="{3222EEAA-C4D3-4163-9871-70D3B67B13F5}"/>
-    <pc:docChg chg="undo custSel addSld delSld modSld sldOrd">
-      <pc:chgData name="김영찬" userId="a81591f0-1a4d-4c10-b0d3-35a306720c09" providerId="ADAL" clId="{3222EEAA-C4D3-4163-9871-70D3B67B13F5}" dt="2019-04-28T16:27:50.859" v="4320" actId="14100"/>
-      <pc:docMkLst>
-        <pc:docMk/>
-      </pc:docMkLst>
-    </pc:docChg>
-  </pc:docChgLst>
-  <pc:docChgLst>
-    <pc:chgData name="김영찬" userId="a81591f0-1a4d-4c10-b0d3-35a306720c09" providerId="ADAL" clId="{0FF42640-1B0D-47F0-99C2-6800CA124613}"/>
-    <pc:docChg chg="undo custSel addSld delSld modSld sldOrd modMainMaster">
-      <pc:chgData name="김영찬" userId="a81591f0-1a4d-4c10-b0d3-35a306720c09" providerId="ADAL" clId="{0FF42640-1B0D-47F0-99C2-6800CA124613}" dt="2019-04-14T08:37:22.457" v="15416" actId="20577"/>
-      <pc:docMkLst>
-        <pc:docMk/>
-      </pc:docMkLst>
-      <pc:sldMasterChg chg="modSldLayout">
-        <pc:chgData name="김영찬" userId="a81591f0-1a4d-4c10-b0d3-35a306720c09" providerId="ADAL" clId="{0FF42640-1B0D-47F0-99C2-6800CA124613}" dt="2019-04-07T08:15:17.305" v="2540" actId="478"/>
-        <pc:sldMasterMkLst>
-          <pc:docMk/>
-          <pc:sldMasterMk cId="3580537156" sldId="2147483648"/>
-        </pc:sldMasterMkLst>
-        <pc:sldLayoutChg chg="modSp">
-          <pc:chgData name="김영찬" userId="a81591f0-1a4d-4c10-b0d3-35a306720c09" providerId="ADAL" clId="{0FF42640-1B0D-47F0-99C2-6800CA124613}" dt="2019-04-07T08:13:52.548" v="2519" actId="692"/>
-          <pc:sldLayoutMkLst>
-            <pc:docMk/>
-            <pc:sldMasterMk cId="3580537156" sldId="2147483648"/>
-            <pc:sldLayoutMk cId="955644835" sldId="2147483649"/>
-          </pc:sldLayoutMkLst>
-          <pc:spChg chg="mod">
-            <ac:chgData name="김영찬" userId="a81591f0-1a4d-4c10-b0d3-35a306720c09" providerId="ADAL" clId="{0FF42640-1B0D-47F0-99C2-6800CA124613}" dt="2019-04-07T08:13:52.548" v="2519" actId="692"/>
-            <ac:spMkLst>
-              <pc:docMk/>
-              <pc:sldMasterMk cId="3580537156" sldId="2147483648"/>
-              <pc:sldLayoutMk cId="955644835" sldId="2147483649"/>
-              <ac:spMk id="2" creationId="{00B1986A-0BF3-48F4-8615-0276F801B0CA}"/>
-            </ac:spMkLst>
-          </pc:spChg>
-        </pc:sldLayoutChg>
-        <pc:sldLayoutChg chg="modSp">
-          <pc:chgData name="김영찬" userId="a81591f0-1a4d-4c10-b0d3-35a306720c09" providerId="ADAL" clId="{0FF42640-1B0D-47F0-99C2-6800CA124613}" dt="2019-04-07T08:13:55.828" v="2520" actId="692"/>
-          <pc:sldLayoutMkLst>
-            <pc:docMk/>
-            <pc:sldMasterMk cId="3580537156" sldId="2147483648"/>
-            <pc:sldLayoutMk cId="3661968336" sldId="2147483650"/>
-          </pc:sldLayoutMkLst>
-          <pc:spChg chg="mod">
-            <ac:chgData name="김영찬" userId="a81591f0-1a4d-4c10-b0d3-35a306720c09" providerId="ADAL" clId="{0FF42640-1B0D-47F0-99C2-6800CA124613}" dt="2019-04-07T08:13:55.828" v="2520" actId="692"/>
-            <ac:spMkLst>
-              <pc:docMk/>
-              <pc:sldMasterMk cId="3580537156" sldId="2147483648"/>
-              <pc:sldLayoutMk cId="3661968336" sldId="2147483650"/>
-              <ac:spMk id="3" creationId="{A8A81D29-565E-4AAE-8980-ADE5607E6196}"/>
-            </ac:spMkLst>
-          </pc:spChg>
-        </pc:sldLayoutChg>
-        <pc:sldLayoutChg chg="modSp">
-          <pc:chgData name="김영찬" userId="a81591f0-1a4d-4c10-b0d3-35a306720c09" providerId="ADAL" clId="{0FF42640-1B0D-47F0-99C2-6800CA124613}" dt="2019-04-07T08:14:03.343" v="2522" actId="692"/>
-          <pc:sldLayoutMkLst>
-            <pc:docMk/>
-            <pc:sldMasterMk cId="3580537156" sldId="2147483648"/>
-            <pc:sldLayoutMk cId="1647236246" sldId="2147483654"/>
-          </pc:sldLayoutMkLst>
-          <pc:spChg chg="mod">
-            <ac:chgData name="김영찬" userId="a81591f0-1a4d-4c10-b0d3-35a306720c09" providerId="ADAL" clId="{0FF42640-1B0D-47F0-99C2-6800CA124613}" dt="2019-04-07T08:14:03.343" v="2522" actId="692"/>
-            <ac:spMkLst>
-              <pc:docMk/>
-              <pc:sldMasterMk cId="3580537156" sldId="2147483648"/>
-              <pc:sldLayoutMk cId="1647236246" sldId="2147483654"/>
-              <ac:spMk id="7" creationId="{8D7A0A2B-A5E1-4002-AC67-CEB2427BD0B5}"/>
-            </ac:spMkLst>
-          </pc:spChg>
-        </pc:sldLayoutChg>
-        <pc:sldLayoutChg chg="addSp delSp modSp">
-          <pc:chgData name="김영찬" userId="a81591f0-1a4d-4c10-b0d3-35a306720c09" providerId="ADAL" clId="{0FF42640-1B0D-47F0-99C2-6800CA124613}" dt="2019-04-07T08:15:12.443" v="2539"/>
-          <pc:sldLayoutMkLst>
-            <pc:docMk/>
-            <pc:sldMasterMk cId="3580537156" sldId="2147483648"/>
-            <pc:sldLayoutMk cId="870047011" sldId="2147483656"/>
-          </pc:sldLayoutMkLst>
-          <pc:spChg chg="mod">
-            <ac:chgData name="김영찬" userId="a81591f0-1a4d-4c10-b0d3-35a306720c09" providerId="ADAL" clId="{0FF42640-1B0D-47F0-99C2-6800CA124613}" dt="2019-04-07T08:14:23.697" v="2529" actId="14100"/>
-            <ac:spMkLst>
-              <pc:docMk/>
-              <pc:sldMasterMk cId="3580537156" sldId="2147483648"/>
-              <pc:sldLayoutMk cId="870047011" sldId="2147483656"/>
-              <ac:spMk id="3" creationId="{A8A81D29-565E-4AAE-8980-ADE5607E6196}"/>
-            </ac:spMkLst>
-          </pc:spChg>
-          <pc:spChg chg="add mod">
-            <ac:chgData name="김영찬" userId="a81591f0-1a4d-4c10-b0d3-35a306720c09" providerId="ADAL" clId="{0FF42640-1B0D-47F0-99C2-6800CA124613}" dt="2019-04-07T08:14:31.019" v="2531" actId="14100"/>
-            <ac:spMkLst>
-              <pc:docMk/>
-              <pc:sldMasterMk cId="3580537156" sldId="2147483648"/>
-              <pc:sldLayoutMk cId="870047011" sldId="2147483656"/>
-              <ac:spMk id="15" creationId="{0EAF583E-4EE0-4C2F-A8B5-74A8E2A122E0}"/>
-            </ac:spMkLst>
-          </pc:spChg>
-          <pc:spChg chg="add del">
-            <ac:chgData name="김영찬" userId="a81591f0-1a4d-4c10-b0d3-35a306720c09" providerId="ADAL" clId="{0FF42640-1B0D-47F0-99C2-6800CA124613}" dt="2019-04-07T08:15:12.443" v="2539"/>
-            <ac:spMkLst>
-              <pc:docMk/>
-              <pc:sldMasterMk cId="3580537156" sldId="2147483648"/>
-              <pc:sldLayoutMk cId="870047011" sldId="2147483656"/>
-              <ac:spMk id="17" creationId="{EA17FFFB-0737-45D5-A34A-F8526074400B}"/>
-            </ac:spMkLst>
-          </pc:spChg>
-          <pc:spChg chg="add del">
-            <ac:chgData name="김영찬" userId="a81591f0-1a4d-4c10-b0d3-35a306720c09" providerId="ADAL" clId="{0FF42640-1B0D-47F0-99C2-6800CA124613}" dt="2019-04-07T08:15:12.443" v="2539"/>
-            <ac:spMkLst>
-              <pc:docMk/>
-              <pc:sldMasterMk cId="3580537156" sldId="2147483648"/>
-              <pc:sldLayoutMk cId="870047011" sldId="2147483656"/>
-              <ac:spMk id="18" creationId="{251A7378-1EE7-4C77-8A1C-0F080AEB6F34}"/>
-            </ac:spMkLst>
-          </pc:spChg>
-          <pc:spChg chg="add del">
-            <ac:chgData name="김영찬" userId="a81591f0-1a4d-4c10-b0d3-35a306720c09" providerId="ADAL" clId="{0FF42640-1B0D-47F0-99C2-6800CA124613}" dt="2019-04-07T08:15:12.443" v="2539"/>
-            <ac:spMkLst>
-              <pc:docMk/>
-              <pc:sldMasterMk cId="3580537156" sldId="2147483648"/>
-              <pc:sldLayoutMk cId="870047011" sldId="2147483656"/>
-              <ac:spMk id="19" creationId="{F1E1F073-B1D2-4D0C-ADD6-C4F1CFF0A4F8}"/>
-            </ac:spMkLst>
-          </pc:spChg>
-          <pc:spChg chg="add del">
-            <ac:chgData name="김영찬" userId="a81591f0-1a4d-4c10-b0d3-35a306720c09" providerId="ADAL" clId="{0FF42640-1B0D-47F0-99C2-6800CA124613}" dt="2019-04-07T08:15:12.443" v="2539"/>
-            <ac:spMkLst>
-              <pc:docMk/>
-              <pc:sldMasterMk cId="3580537156" sldId="2147483648"/>
-              <pc:sldLayoutMk cId="870047011" sldId="2147483656"/>
-              <ac:spMk id="20" creationId="{F462FD96-C5D2-4E98-B841-C73746D5E7C3}"/>
-            </ac:spMkLst>
-          </pc:spChg>
-          <pc:spChg chg="add del">
-            <ac:chgData name="김영찬" userId="a81591f0-1a4d-4c10-b0d3-35a306720c09" providerId="ADAL" clId="{0FF42640-1B0D-47F0-99C2-6800CA124613}" dt="2019-04-07T08:15:12.443" v="2539"/>
-            <ac:spMkLst>
-              <pc:docMk/>
-              <pc:sldMasterMk cId="3580537156" sldId="2147483648"/>
-              <pc:sldLayoutMk cId="870047011" sldId="2147483656"/>
-              <ac:spMk id="22" creationId="{32C9F139-2930-489E-BF3B-04449072749F}"/>
-            </ac:spMkLst>
-          </pc:spChg>
-        </pc:sldLayoutChg>
-        <pc:sldLayoutChg chg="delSp">
-          <pc:chgData name="김영찬" userId="a81591f0-1a4d-4c10-b0d3-35a306720c09" providerId="ADAL" clId="{0FF42640-1B0D-47F0-99C2-6800CA124613}" dt="2019-04-07T08:15:17.305" v="2540" actId="478"/>
-          <pc:sldLayoutMkLst>
-            <pc:docMk/>
-            <pc:sldMasterMk cId="3580537156" sldId="2147483648"/>
-            <pc:sldLayoutMk cId="2806755365" sldId="2147483657"/>
-          </pc:sldLayoutMkLst>
-          <pc:spChg chg="del">
-            <ac:chgData name="김영찬" userId="a81591f0-1a4d-4c10-b0d3-35a306720c09" providerId="ADAL" clId="{0FF42640-1B0D-47F0-99C2-6800CA124613}" dt="2019-04-07T08:15:17.305" v="2540" actId="478"/>
-            <ac:spMkLst>
-              <pc:docMk/>
-              <pc:sldMasterMk cId="3580537156" sldId="2147483648"/>
-              <pc:sldLayoutMk cId="2806755365" sldId="2147483657"/>
-              <ac:spMk id="3" creationId="{A8A81D29-565E-4AAE-8980-ADE5607E6196}"/>
-            </ac:spMkLst>
-          </pc:spChg>
-        </pc:sldLayoutChg>
-      </pc:sldMasterChg>
-    </pc:docChg>
-  </pc:docChgLst>
-  <pc:docChgLst>
-    <pc:chgData name="김영찬" userId="a81591f0-1a4d-4c10-b0d3-35a306720c09" providerId="ADAL" clId="{A3A0D0E8-9F3A-4857-BB36-F1D91E7B334A}"/>
-    <pc:docChg chg="undo redo custSel modSld">
-      <pc:chgData name="김영찬" userId="a81591f0-1a4d-4c10-b0d3-35a306720c09" providerId="ADAL" clId="{A3A0D0E8-9F3A-4857-BB36-F1D91E7B334A}" dt="2019-06-14T05:31:39.735" v="1367" actId="20577"/>
-      <pc:docMkLst>
-        <pc:docMk/>
-      </pc:docMkLst>
-      <pc:sldChg chg="modSp">
-        <pc:chgData name="김영찬" userId="a81591f0-1a4d-4c10-b0d3-35a306720c09" providerId="ADAL" clId="{A3A0D0E8-9F3A-4857-BB36-F1D91E7B334A}" dt="2019-06-14T05:00:24.620" v="8"/>
-        <pc:sldMkLst>
-          <pc:docMk/>
-          <pc:sldMk cId="3255533136" sldId="256"/>
-        </pc:sldMkLst>
-        <pc:spChg chg="mod">
-          <ac:chgData name="김영찬" userId="a81591f0-1a4d-4c10-b0d3-35a306720c09" providerId="ADAL" clId="{A3A0D0E8-9F3A-4857-BB36-F1D91E7B334A}" dt="2019-06-14T05:00:24.620" v="8"/>
-          <ac:spMkLst>
-            <pc:docMk/>
-            <pc:sldMk cId="3255533136" sldId="256"/>
-            <ac:spMk id="2" creationId="{C886721D-0E80-4306-9F4C-3FAA6FE50BE6}"/>
-          </ac:spMkLst>
-        </pc:spChg>
-      </pc:sldChg>
-      <pc:sldChg chg="addSp delSp modSp">
-        <pc:chgData name="김영찬" userId="a81591f0-1a4d-4c10-b0d3-35a306720c09" providerId="ADAL" clId="{A3A0D0E8-9F3A-4857-BB36-F1D91E7B334A}" dt="2019-06-14T05:31:39.735" v="1367" actId="20577"/>
-        <pc:sldMkLst>
-          <pc:docMk/>
-          <pc:sldMk cId="3228944088" sldId="259"/>
-        </pc:sldMkLst>
-        <pc:spChg chg="mod">
-          <ac:chgData name="김영찬" userId="a81591f0-1a4d-4c10-b0d3-35a306720c09" providerId="ADAL" clId="{A3A0D0E8-9F3A-4857-BB36-F1D91E7B334A}" dt="2019-06-14T05:31:39.735" v="1367" actId="20577"/>
-          <ac:spMkLst>
-            <pc:docMk/>
-            <pc:sldMk cId="3228944088" sldId="259"/>
-            <ac:spMk id="3" creationId="{C08FC53D-329F-4A72-89A3-715DA112070D}"/>
-          </ac:spMkLst>
-        </pc:spChg>
-        <pc:spChg chg="add mod ord">
-          <ac:chgData name="김영찬" userId="a81591f0-1a4d-4c10-b0d3-35a306720c09" providerId="ADAL" clId="{A3A0D0E8-9F3A-4857-BB36-F1D91E7B334A}" dt="2019-06-14T05:19:58.903" v="769" actId="1076"/>
-          <ac:spMkLst>
-            <pc:docMk/>
-            <pc:sldMk cId="3228944088" sldId="259"/>
-            <ac:spMk id="6" creationId="{9268CF3F-FA9F-4FC0-95D7-7578F988BEAD}"/>
-          </ac:spMkLst>
-        </pc:spChg>
-        <pc:spChg chg="del">
-          <ac:chgData name="김영찬" userId="a81591f0-1a4d-4c10-b0d3-35a306720c09" providerId="ADAL" clId="{A3A0D0E8-9F3A-4857-BB36-F1D91E7B334A}" dt="2019-06-14T05:16:55.969" v="266" actId="478"/>
-          <ac:spMkLst>
-            <pc:docMk/>
-            <pc:sldMk cId="3228944088" sldId="259"/>
-            <ac:spMk id="7" creationId="{F234F5A2-857A-43E7-A9E4-F01F38BA6864}"/>
-          </ac:spMkLst>
-        </pc:spChg>
-        <pc:picChg chg="add mod">
-          <ac:chgData name="김영찬" userId="a81591f0-1a4d-4c10-b0d3-35a306720c09" providerId="ADAL" clId="{A3A0D0E8-9F3A-4857-BB36-F1D91E7B334A}" dt="2019-06-14T05:16:42.235" v="264" actId="14100"/>
-          <ac:picMkLst>
-            <pc:docMk/>
-            <pc:sldMk cId="3228944088" sldId="259"/>
-            <ac:picMk id="5" creationId="{7C3ADAB9-8142-40EB-AE41-35C83ADD07F1}"/>
-          </ac:picMkLst>
-        </pc:picChg>
-        <pc:picChg chg="mod">
-          <ac:chgData name="김영찬" userId="a81591f0-1a4d-4c10-b0d3-35a306720c09" providerId="ADAL" clId="{A3A0D0E8-9F3A-4857-BB36-F1D91E7B334A}" dt="2019-06-14T05:14:16.175" v="253" actId="1076"/>
-          <ac:picMkLst>
-            <pc:docMk/>
-            <pc:sldMk cId="3228944088" sldId="259"/>
-            <ac:picMk id="18" creationId="{E6859861-974B-4D10-8597-BF8D3FA2C810}"/>
-          </ac:picMkLst>
-        </pc:picChg>
-      </pc:sldChg>
-      <pc:sldChg chg="modSp modNotesTx">
-        <pc:chgData name="김영찬" userId="a81591f0-1a4d-4c10-b0d3-35a306720c09" providerId="ADAL" clId="{A3A0D0E8-9F3A-4857-BB36-F1D91E7B334A}" dt="2019-06-14T05:02:19.067" v="219" actId="6549"/>
-        <pc:sldMkLst>
-          <pc:docMk/>
-          <pc:sldMk cId="4197121160" sldId="261"/>
-        </pc:sldMkLst>
-        <pc:graphicFrameChg chg="mod modGraphic">
-          <ac:chgData name="김영찬" userId="a81591f0-1a4d-4c10-b0d3-35a306720c09" providerId="ADAL" clId="{A3A0D0E8-9F3A-4857-BB36-F1D91E7B334A}" dt="2019-06-14T05:02:19.067" v="219" actId="6549"/>
-          <ac:graphicFrameMkLst>
-            <pc:docMk/>
-            <pc:sldMk cId="4197121160" sldId="261"/>
-            <ac:graphicFrameMk id="7" creationId="{B5583A04-3A25-4635-A454-27DEBF9D096E}"/>
-          </ac:graphicFrameMkLst>
-        </pc:graphicFrameChg>
-      </pc:sldChg>
-      <pc:sldChg chg="addSp delSp modSp">
-        <pc:chgData name="김영찬" userId="a81591f0-1a4d-4c10-b0d3-35a306720c09" providerId="ADAL" clId="{A3A0D0E8-9F3A-4857-BB36-F1D91E7B334A}" dt="2019-06-14T05:28:21.888" v="1290" actId="20577"/>
-        <pc:sldMkLst>
-          <pc:docMk/>
-          <pc:sldMk cId="306099351" sldId="266"/>
-        </pc:sldMkLst>
-        <pc:spChg chg="mod">
-          <ac:chgData name="김영찬" userId="a81591f0-1a4d-4c10-b0d3-35a306720c09" providerId="ADAL" clId="{A3A0D0E8-9F3A-4857-BB36-F1D91E7B334A}" dt="2019-06-14T05:28:21.888" v="1290" actId="20577"/>
-          <ac:spMkLst>
-            <pc:docMk/>
-            <pc:sldMk cId="306099351" sldId="266"/>
-            <ac:spMk id="3" creationId="{C08FC53D-329F-4A72-89A3-715DA112070D}"/>
-          </ac:spMkLst>
-        </pc:spChg>
-        <pc:spChg chg="add mod">
-          <ac:chgData name="김영찬" userId="a81591f0-1a4d-4c10-b0d3-35a306720c09" providerId="ADAL" clId="{A3A0D0E8-9F3A-4857-BB36-F1D91E7B334A}" dt="2019-06-14T05:27:20.742" v="978" actId="403"/>
-          <ac:spMkLst>
-            <pc:docMk/>
-            <pc:sldMk cId="306099351" sldId="266"/>
-            <ac:spMk id="6" creationId="{98A6BD85-1493-43DE-BDE8-376C887F2722}"/>
-          </ac:spMkLst>
-        </pc:spChg>
-        <pc:picChg chg="add mod">
-          <ac:chgData name="김영찬" userId="a81591f0-1a4d-4c10-b0d3-35a306720c09" providerId="ADAL" clId="{A3A0D0E8-9F3A-4857-BB36-F1D91E7B334A}" dt="2019-06-14T05:25:26.633" v="786" actId="1076"/>
-          <ac:picMkLst>
-            <pc:docMk/>
-            <pc:sldMk cId="306099351" sldId="266"/>
-            <ac:picMk id="5" creationId="{1C7ED89C-DB5E-4A9D-9943-2265BE4D5015}"/>
-          </ac:picMkLst>
-        </pc:picChg>
-        <pc:picChg chg="mod">
-          <ac:chgData name="김영찬" userId="a81591f0-1a4d-4c10-b0d3-35a306720c09" providerId="ADAL" clId="{A3A0D0E8-9F3A-4857-BB36-F1D91E7B334A}" dt="2019-06-14T05:20:16.052" v="774" actId="1076"/>
-          <ac:picMkLst>
-            <pc:docMk/>
-            <pc:sldMk cId="306099351" sldId="266"/>
-            <ac:picMk id="21" creationId="{4935CDEA-1299-4F66-89AE-C64002D5BA67}"/>
-          </ac:picMkLst>
-        </pc:picChg>
-        <pc:picChg chg="del mod">
-          <ac:chgData name="김영찬" userId="a81591f0-1a4d-4c10-b0d3-35a306720c09" providerId="ADAL" clId="{A3A0D0E8-9F3A-4857-BB36-F1D91E7B334A}" dt="2019-06-14T05:26:53.381" v="956" actId="478"/>
-          <ac:picMkLst>
-            <pc:docMk/>
-            <pc:sldMk cId="306099351" sldId="266"/>
-            <ac:picMk id="23" creationId="{A63C2F75-F5BB-418F-8602-1D6FBCC95CE8}"/>
-          </ac:picMkLst>
-        </pc:picChg>
-      </pc:sldChg>
-      <pc:sldChg chg="addSp delSp modSp">
-        <pc:chgData name="김영찬" userId="a81591f0-1a4d-4c10-b0d3-35a306720c09" providerId="ADAL" clId="{A3A0D0E8-9F3A-4857-BB36-F1D91E7B334A}" dt="2019-06-14T05:09:02.234" v="229"/>
-        <pc:sldMkLst>
-          <pc:docMk/>
-          <pc:sldMk cId="2517608374" sldId="267"/>
-        </pc:sldMkLst>
-        <pc:picChg chg="add del mod">
-          <ac:chgData name="김영찬" userId="a81591f0-1a4d-4c10-b0d3-35a306720c09" providerId="ADAL" clId="{A3A0D0E8-9F3A-4857-BB36-F1D91E7B334A}" dt="2019-06-14T05:08:59.910" v="227"/>
-          <ac:picMkLst>
-            <pc:docMk/>
-            <pc:sldMk cId="2517608374" sldId="267"/>
-            <ac:picMk id="8" creationId="{385ABBE7-8214-4800-81B5-88C5B6505F4F}"/>
-          </ac:picMkLst>
-        </pc:picChg>
-        <pc:picChg chg="del mod">
-          <ac:chgData name="김영찬" userId="a81591f0-1a4d-4c10-b0d3-35a306720c09" providerId="ADAL" clId="{A3A0D0E8-9F3A-4857-BB36-F1D91E7B334A}" dt="2019-06-14T05:09:01.132" v="228" actId="478"/>
-          <ac:picMkLst>
-            <pc:docMk/>
-            <pc:sldMk cId="2517608374" sldId="267"/>
-            <ac:picMk id="10" creationId="{A4F182B4-5B20-4303-82F3-2C6365718551}"/>
-          </ac:picMkLst>
-        </pc:picChg>
-        <pc:picChg chg="add">
-          <ac:chgData name="김영찬" userId="a81591f0-1a4d-4c10-b0d3-35a306720c09" providerId="ADAL" clId="{A3A0D0E8-9F3A-4857-BB36-F1D91E7B334A}" dt="2019-06-14T05:09:02.234" v="229"/>
-          <ac:picMkLst>
-            <pc:docMk/>
-            <pc:sldMk cId="2517608374" sldId="267"/>
-            <ac:picMk id="11" creationId="{A2095E0B-E321-456D-9E01-55904A5DB82A}"/>
-          </ac:picMkLst>
-        </pc:picChg>
-      </pc:sldChg>
-      <pc:sldChg chg="addSp delSp modSp">
-        <pc:chgData name="김영찬" userId="a81591f0-1a4d-4c10-b0d3-35a306720c09" providerId="ADAL" clId="{A3A0D0E8-9F3A-4857-BB36-F1D91E7B334A}" dt="2019-06-14T05:13:18.669" v="249" actId="1076"/>
-        <pc:sldMkLst>
-          <pc:docMk/>
-          <pc:sldMk cId="2270366174" sldId="268"/>
-        </pc:sldMkLst>
-        <pc:spChg chg="add del mod">
-          <ac:chgData name="김영찬" userId="a81591f0-1a4d-4c10-b0d3-35a306720c09" providerId="ADAL" clId="{A3A0D0E8-9F3A-4857-BB36-F1D91E7B334A}" dt="2019-06-14T05:11:31.173" v="232"/>
-          <ac:spMkLst>
-            <pc:docMk/>
-            <pc:sldMk cId="2270366174" sldId="268"/>
-            <ac:spMk id="5" creationId="{8BAF3DC6-57B7-46E8-BBE3-DE4091779D00}"/>
-          </ac:spMkLst>
-        </pc:spChg>
-        <pc:picChg chg="del">
-          <ac:chgData name="김영찬" userId="a81591f0-1a4d-4c10-b0d3-35a306720c09" providerId="ADAL" clId="{A3A0D0E8-9F3A-4857-BB36-F1D91E7B334A}" dt="2019-06-14T05:09:58.262" v="230" actId="478"/>
-          <ac:picMkLst>
-            <pc:docMk/>
-            <pc:sldMk cId="2270366174" sldId="268"/>
-            <ac:picMk id="8" creationId="{2F9A39B0-7DFF-4621-AAC4-324F3D9A3478}"/>
-          </ac:picMkLst>
-        </pc:picChg>
-        <pc:picChg chg="add mod">
-          <ac:chgData name="김영찬" userId="a81591f0-1a4d-4c10-b0d3-35a306720c09" providerId="ADAL" clId="{A3A0D0E8-9F3A-4857-BB36-F1D91E7B334A}" dt="2019-06-14T05:11:46.316" v="237" actId="1076"/>
-          <ac:picMkLst>
-            <pc:docMk/>
-            <pc:sldMk cId="2270366174" sldId="268"/>
-            <ac:picMk id="9" creationId="{3503FCD1-0635-469E-89BA-B0A076C62EB9}"/>
-          </ac:picMkLst>
-        </pc:picChg>
-        <pc:picChg chg="del">
-          <ac:chgData name="김영찬" userId="a81591f0-1a4d-4c10-b0d3-35a306720c09" providerId="ADAL" clId="{A3A0D0E8-9F3A-4857-BB36-F1D91E7B334A}" dt="2019-06-14T05:10:00.845" v="231" actId="478"/>
-          <ac:picMkLst>
-            <pc:docMk/>
-            <pc:sldMk cId="2270366174" sldId="268"/>
-            <ac:picMk id="11" creationId="{DCD39B79-56E9-4FA5-ADBF-7CBBB54B1F1F}"/>
-          </ac:picMkLst>
-        </pc:picChg>
-        <pc:picChg chg="add del mod">
-          <ac:chgData name="김영찬" userId="a81591f0-1a4d-4c10-b0d3-35a306720c09" providerId="ADAL" clId="{A3A0D0E8-9F3A-4857-BB36-F1D91E7B334A}" dt="2019-06-14T05:12:30.513" v="242" actId="478"/>
-          <ac:picMkLst>
-            <pc:docMk/>
-            <pc:sldMk cId="2270366174" sldId="268"/>
-            <ac:picMk id="12" creationId="{BD192B67-2C4D-4E72-A86A-D9E066316BD0}"/>
-          </ac:picMkLst>
-        </pc:picChg>
-        <pc:picChg chg="add mod">
-          <ac:chgData name="김영찬" userId="a81591f0-1a4d-4c10-b0d3-35a306720c09" providerId="ADAL" clId="{A3A0D0E8-9F3A-4857-BB36-F1D91E7B334A}" dt="2019-06-14T05:13:18.669" v="249" actId="1076"/>
-          <ac:picMkLst>
-            <pc:docMk/>
-            <pc:sldMk cId="2270366174" sldId="268"/>
-            <ac:picMk id="14" creationId="{17CC0A98-6C19-4D01-A8EE-A15E2AA92B12}"/>
-          </ac:picMkLst>
-        </pc:picChg>
-      </pc:sldChg>
     </pc:docChg>
   </pc:docChgLst>
 </pc:chgInfo>
@@ -3488,7 +4030,7 @@
           <a:p>
             <a:fld id="{9EBD400C-D4EE-43AF-A8C1-EAEA1AAE157C}" type="datetimeFigureOut">
               <a:rPr lang="ko-KR" altLang="en-US" smtClean="0"/>
-              <a:t>2019-06-14</a:t>
+              <a:t>2019-06-15</a:t>
             </a:fld>
             <a:endParaRPr lang="ko-KR" altLang="en-US"/>
           </a:p>
@@ -3665,7 +4207,7 @@
           <a:p>
             <a:fld id="{4AC17D22-34BF-49C7-B9E4-936328C69082}" type="datetimeFigureOut">
               <a:rPr lang="ko-KR" altLang="en-US" smtClean="0"/>
-              <a:t>2019-06-14</a:t>
+              <a:t>2019-06-15</a:t>
             </a:fld>
             <a:endParaRPr lang="ko-KR" altLang="en-US"/>
           </a:p>
@@ -4715,7 +5257,7 @@
           <a:p>
             <a:fld id="{AFB8E149-2C51-4ADD-BF12-9ED39A8F29B7}" type="datetime1">
               <a:rPr lang="ko-KR" altLang="en-US" smtClean="0"/>
-              <a:t>2019-06-14</a:t>
+              <a:t>2019-06-15</a:t>
             </a:fld>
             <a:endParaRPr lang="ko-KR" altLang="en-US"/>
           </a:p>
@@ -4959,7 +5501,7 @@
           <a:p>
             <a:fld id="{254F05D0-7BEB-4E54-8B88-9E52B88A7ED6}" type="datetime1">
               <a:rPr lang="ko-KR" altLang="en-US" smtClean="0"/>
-              <a:t>2019-06-14</a:t>
+              <a:t>2019-06-15</a:t>
             </a:fld>
             <a:endParaRPr lang="ko-KR" altLang="en-US"/>
           </a:p>
@@ -5491,7 +6033,7 @@
           <a:p>
             <a:fld id="{88808292-3813-4042-9978-4F1A545F40BE}" type="datetime1">
               <a:rPr lang="ko-KR" altLang="en-US" smtClean="0"/>
-              <a:t>2019-06-14</a:t>
+              <a:t>2019-06-15</a:t>
             </a:fld>
             <a:endParaRPr lang="ko-KR" altLang="en-US"/>
           </a:p>
@@ -6023,7 +6565,7 @@
           <a:p>
             <a:fld id="{47FB0504-EED6-4277-A0FB-8774F035E42D}" type="datetime1">
               <a:rPr lang="ko-KR" altLang="en-US" smtClean="0"/>
-              <a:t>2019-06-14</a:t>
+              <a:t>2019-06-15</a:t>
             </a:fld>
             <a:endParaRPr lang="ko-KR" altLang="en-US"/>
           </a:p>
@@ -6599,7 +7141,7 @@
           <a:p>
             <a:fld id="{4E120477-E608-4E03-99B7-D64E1C12E98E}" type="datetime1">
               <a:rPr lang="ko-KR" altLang="en-US" smtClean="0"/>
-              <a:t>2019-06-14</a:t>
+              <a:t>2019-06-15</a:t>
             </a:fld>
             <a:endParaRPr lang="ko-KR" altLang="en-US"/>
           </a:p>
@@ -7200,7 +7742,7 @@
           <a:p>
             <a:fld id="{16361297-DE0A-42FB-A537-4E7EC73ACB5F}" type="datetime1">
               <a:rPr lang="ko-KR" altLang="en-US" smtClean="0"/>
-              <a:t>2019-06-14</a:t>
+              <a:t>2019-06-15</a:t>
             </a:fld>
             <a:endParaRPr lang="ko-KR" altLang="en-US"/>
           </a:p>
@@ -7561,7 +8103,7 @@
           <a:p>
             <a:fld id="{1E3D61BA-8358-430B-BB50-426CB24AA664}" type="datetime1">
               <a:rPr lang="ko-KR" altLang="en-US" smtClean="0"/>
-              <a:t>2019-06-14</a:t>
+              <a:t>2019-06-15</a:t>
             </a:fld>
             <a:endParaRPr lang="ko-KR" altLang="en-US"/>
           </a:p>
@@ -10888,6 +11430,734 @@
       </p:sp>
       <p:sp>
         <p:nvSpPr>
+          <p:cNvPr id="83" name="사각형: 둥근 모서리 82">
+            <a:extLst>
+              <a:ext uri="{FF2B5EF4-FFF2-40B4-BE49-F238E27FC236}">
+                <a16:creationId xmlns:a16="http://schemas.microsoft.com/office/drawing/2014/main" id="{7917ADF4-F75F-4B0F-9F1D-FA02DB258C6D}"/>
+              </a:ext>
+            </a:extLst>
+          </p:cNvPr>
+          <p:cNvSpPr/>
+          <p:nvPr/>
+        </p:nvSpPr>
+        <p:spPr>
+          <a:xfrm>
+            <a:off x="4080198" y="1906441"/>
+            <a:ext cx="1318986" cy="382555"/>
+          </a:xfrm>
+          <a:prstGeom prst="roundRect">
+            <a:avLst/>
+          </a:prstGeom>
+          <a:solidFill>
+            <a:schemeClr val="bg1">
+              <a:lumMod val="75000"/>
+            </a:schemeClr>
+          </a:solidFill>
+          <a:ln w="28575">
+            <a:solidFill>
+              <a:schemeClr val="bg1">
+                <a:lumMod val="50000"/>
+              </a:schemeClr>
+            </a:solidFill>
+          </a:ln>
+        </p:spPr>
+        <p:style>
+          <a:lnRef idx="2">
+            <a:schemeClr val="accent1">
+              <a:shade val="50000"/>
+            </a:schemeClr>
+          </a:lnRef>
+          <a:fillRef idx="1">
+            <a:schemeClr val="accent1"/>
+          </a:fillRef>
+          <a:effectRef idx="0">
+            <a:schemeClr val="accent1"/>
+          </a:effectRef>
+          <a:fontRef idx="minor">
+            <a:schemeClr val="lt1"/>
+          </a:fontRef>
+        </p:style>
+        <p:txBody>
+          <a:bodyPr rtlCol="0" anchor="t"/>
+          <a:lstStyle/>
+          <a:p>
+            <a:pPr algn="ctr"/>
+            <a:r>
+              <a:rPr lang="ko-KR" altLang="en-US" sz="1200" b="1" dirty="0">
+                <a:solidFill>
+                  <a:schemeClr val="tx1"/>
+                </a:solidFill>
+              </a:rPr>
+              <a:t>설정</a:t>
+            </a:r>
+          </a:p>
+        </p:txBody>
+      </p:sp>
+      <p:sp>
+        <p:nvSpPr>
+          <p:cNvPr id="95" name="직사각형 94">
+            <a:extLst>
+              <a:ext uri="{FF2B5EF4-FFF2-40B4-BE49-F238E27FC236}">
+                <a16:creationId xmlns:a16="http://schemas.microsoft.com/office/drawing/2014/main" id="{8C8EA029-C5D4-44CC-A291-12D8F791ECE9}"/>
+              </a:ext>
+            </a:extLst>
+          </p:cNvPr>
+          <p:cNvSpPr/>
+          <p:nvPr/>
+        </p:nvSpPr>
+        <p:spPr>
+          <a:xfrm>
+            <a:off x="5057193" y="2182842"/>
+            <a:ext cx="6074356" cy="1478806"/>
+          </a:xfrm>
+          <a:prstGeom prst="rect">
+            <a:avLst/>
+          </a:prstGeom>
+          <a:solidFill>
+            <a:schemeClr val="bg1"/>
+          </a:solidFill>
+          <a:ln>
+            <a:solidFill>
+              <a:schemeClr val="bg1">
+                <a:lumMod val="50000"/>
+              </a:schemeClr>
+            </a:solidFill>
+          </a:ln>
+        </p:spPr>
+        <p:style>
+          <a:lnRef idx="2">
+            <a:schemeClr val="accent1">
+              <a:shade val="50000"/>
+            </a:schemeClr>
+          </a:lnRef>
+          <a:fillRef idx="1">
+            <a:schemeClr val="accent1"/>
+          </a:fillRef>
+          <a:effectRef idx="0">
+            <a:schemeClr val="accent1"/>
+          </a:effectRef>
+          <a:fontRef idx="minor">
+            <a:schemeClr val="lt1"/>
+          </a:fontRef>
+        </p:style>
+        <p:txBody>
+          <a:bodyPr rtlCol="0" anchor="t"/>
+          <a:lstStyle/>
+          <a:p>
+            <a:r>
+              <a:rPr lang="en-US" altLang="ko-KR" sz="1200" b="1" dirty="0">
+                <a:solidFill>
+                  <a:schemeClr val="tx1"/>
+                </a:solidFill>
+              </a:rPr>
+              <a:t>List</a:t>
+            </a:r>
+            <a:r>
+              <a:rPr lang="ko-KR" altLang="en-US" sz="1200" b="1" dirty="0">
+                <a:solidFill>
+                  <a:schemeClr val="tx1"/>
+                </a:solidFill>
+              </a:rPr>
+              <a:t> </a:t>
+            </a:r>
+            <a:r>
+              <a:rPr lang="en-US" altLang="ko-KR" sz="1200" b="1" dirty="0">
+                <a:solidFill>
+                  <a:schemeClr val="tx1"/>
+                </a:solidFill>
+              </a:rPr>
+              <a:t>Box</a:t>
+            </a:r>
+          </a:p>
+          <a:p>
+            <a:endParaRPr lang="en-US" altLang="ko-KR" sz="1200" b="1" dirty="0">
+              <a:solidFill>
+                <a:schemeClr val="tx1"/>
+              </a:solidFill>
+            </a:endParaRPr>
+          </a:p>
+          <a:p>
+            <a:r>
+              <a:rPr lang="ko-KR" altLang="en-US" sz="1200" b="1" dirty="0">
+                <a:solidFill>
+                  <a:schemeClr val="tx1"/>
+                </a:solidFill>
+              </a:rPr>
+              <a:t>검색 결과를 출력</a:t>
+            </a:r>
+          </a:p>
+        </p:txBody>
+      </p:sp>
+      <p:sp>
+        <p:nvSpPr>
+          <p:cNvPr id="98" name="직사각형 97">
+            <a:extLst>
+              <a:ext uri="{FF2B5EF4-FFF2-40B4-BE49-F238E27FC236}">
+                <a16:creationId xmlns:a16="http://schemas.microsoft.com/office/drawing/2014/main" id="{9FA3C2C2-B434-423B-BB25-24038ABC2008}"/>
+              </a:ext>
+            </a:extLst>
+          </p:cNvPr>
+          <p:cNvSpPr/>
+          <p:nvPr/>
+        </p:nvSpPr>
+        <p:spPr>
+          <a:xfrm>
+            <a:off x="10868561" y="2189224"/>
+            <a:ext cx="272254" cy="1472424"/>
+          </a:xfrm>
+          <a:prstGeom prst="rect">
+            <a:avLst/>
+          </a:prstGeom>
+          <a:solidFill>
+            <a:schemeClr val="bg1">
+              <a:lumMod val="75000"/>
+            </a:schemeClr>
+          </a:solidFill>
+          <a:ln w="19050">
+            <a:solidFill>
+              <a:schemeClr val="bg1">
+                <a:lumMod val="50000"/>
+              </a:schemeClr>
+            </a:solidFill>
+          </a:ln>
+        </p:spPr>
+        <p:style>
+          <a:lnRef idx="2">
+            <a:schemeClr val="accent1">
+              <a:shade val="50000"/>
+            </a:schemeClr>
+          </a:lnRef>
+          <a:fillRef idx="1">
+            <a:schemeClr val="accent1"/>
+          </a:fillRef>
+          <a:effectRef idx="0">
+            <a:schemeClr val="accent1"/>
+          </a:effectRef>
+          <a:fontRef idx="minor">
+            <a:schemeClr val="lt1"/>
+          </a:fontRef>
+        </p:style>
+        <p:txBody>
+          <a:bodyPr rtlCol="0" anchor="ctr"/>
+          <a:lstStyle/>
+          <a:p>
+            <a:pPr algn="ctr"/>
+            <a:endParaRPr lang="ko-KR" altLang="en-US"/>
+          </a:p>
+        </p:txBody>
+      </p:sp>
+      <p:sp>
+        <p:nvSpPr>
+          <p:cNvPr id="99" name="직사각형 98">
+            <a:extLst>
+              <a:ext uri="{FF2B5EF4-FFF2-40B4-BE49-F238E27FC236}">
+                <a16:creationId xmlns:a16="http://schemas.microsoft.com/office/drawing/2014/main" id="{4FE9EFE3-EC47-4E1B-8231-F5944EFACE60}"/>
+              </a:ext>
+            </a:extLst>
+          </p:cNvPr>
+          <p:cNvSpPr/>
+          <p:nvPr/>
+        </p:nvSpPr>
+        <p:spPr>
+          <a:xfrm>
+            <a:off x="10868561" y="2368527"/>
+            <a:ext cx="272254" cy="789195"/>
+          </a:xfrm>
+          <a:prstGeom prst="rect">
+            <a:avLst/>
+          </a:prstGeom>
+          <a:solidFill>
+            <a:schemeClr val="bg1">
+              <a:lumMod val="50000"/>
+            </a:schemeClr>
+          </a:solidFill>
+          <a:ln w="19050">
+            <a:solidFill>
+              <a:schemeClr val="bg1">
+                <a:lumMod val="50000"/>
+              </a:schemeClr>
+            </a:solidFill>
+          </a:ln>
+        </p:spPr>
+        <p:style>
+          <a:lnRef idx="2">
+            <a:schemeClr val="accent1">
+              <a:shade val="50000"/>
+            </a:schemeClr>
+          </a:lnRef>
+          <a:fillRef idx="1">
+            <a:schemeClr val="accent1"/>
+          </a:fillRef>
+          <a:effectRef idx="0">
+            <a:schemeClr val="accent1"/>
+          </a:effectRef>
+          <a:fontRef idx="minor">
+            <a:schemeClr val="lt1"/>
+          </a:fontRef>
+        </p:style>
+        <p:txBody>
+          <a:bodyPr rtlCol="0" anchor="ctr"/>
+          <a:lstStyle/>
+          <a:p>
+            <a:pPr algn="ctr"/>
+            <a:endParaRPr lang="ko-KR" altLang="en-US" dirty="0"/>
+          </a:p>
+        </p:txBody>
+      </p:sp>
+      <p:sp>
+        <p:nvSpPr>
+          <p:cNvPr id="100" name="직사각형 99">
+            <a:extLst>
+              <a:ext uri="{FF2B5EF4-FFF2-40B4-BE49-F238E27FC236}">
+                <a16:creationId xmlns:a16="http://schemas.microsoft.com/office/drawing/2014/main" id="{261A27DD-4853-4F3C-B05A-B9FE8B123CC0}"/>
+              </a:ext>
+            </a:extLst>
+          </p:cNvPr>
+          <p:cNvSpPr/>
+          <p:nvPr/>
+        </p:nvSpPr>
+        <p:spPr>
+          <a:xfrm>
+            <a:off x="8098971" y="3668030"/>
+            <a:ext cx="3032578" cy="2248799"/>
+          </a:xfrm>
+          <a:prstGeom prst="rect">
+            <a:avLst/>
+          </a:prstGeom>
+          <a:solidFill>
+            <a:schemeClr val="accent5">
+              <a:lumMod val="60000"/>
+              <a:lumOff val="40000"/>
+            </a:schemeClr>
+          </a:solidFill>
+          <a:ln>
+            <a:solidFill>
+              <a:schemeClr val="bg1">
+                <a:lumMod val="50000"/>
+              </a:schemeClr>
+            </a:solidFill>
+          </a:ln>
+        </p:spPr>
+        <p:style>
+          <a:lnRef idx="2">
+            <a:schemeClr val="accent1">
+              <a:shade val="50000"/>
+            </a:schemeClr>
+          </a:lnRef>
+          <a:fillRef idx="1">
+            <a:schemeClr val="accent1"/>
+          </a:fillRef>
+          <a:effectRef idx="0">
+            <a:schemeClr val="accent1"/>
+          </a:effectRef>
+          <a:fontRef idx="minor">
+            <a:schemeClr val="lt1"/>
+          </a:fontRef>
+        </p:style>
+        <p:txBody>
+          <a:bodyPr rtlCol="0" anchor="t"/>
+          <a:lstStyle/>
+          <a:p>
+            <a:endParaRPr lang="ko-KR" altLang="en-US" sz="1200" b="1" dirty="0">
+              <a:solidFill>
+                <a:schemeClr val="tx1"/>
+              </a:solidFill>
+            </a:endParaRPr>
+          </a:p>
+        </p:txBody>
+      </p:sp>
+      <p:pic>
+        <p:nvPicPr>
+          <p:cNvPr id="101" name="그림 100" descr="벡터그래픽, 텍스트이(가) 표시된 사진&#10;&#10;자동 생성된 설명">
+            <a:extLst>
+              <a:ext uri="{FF2B5EF4-FFF2-40B4-BE49-F238E27FC236}">
+                <a16:creationId xmlns:a16="http://schemas.microsoft.com/office/drawing/2014/main" id="{568BA88D-162C-452A-9720-F7E37A27BBA6}"/>
+              </a:ext>
+            </a:extLst>
+          </p:cNvPr>
+          <p:cNvPicPr>
+            <a:picLocks noChangeAspect="1"/>
+          </p:cNvPicPr>
+          <p:nvPr/>
+        </p:nvPicPr>
+        <p:blipFill>
+          <a:blip r:embed="rId3">
+            <a:extLst>
+              <a:ext uri="{28A0092B-C50C-407E-A947-70E740481C1C}">
+                <a14:useLocalDpi xmlns:a14="http://schemas.microsoft.com/office/drawing/2010/main" val="0"/>
+              </a:ext>
+            </a:extLst>
+          </a:blip>
+          <a:stretch>
+            <a:fillRect/>
+          </a:stretch>
+        </p:blipFill>
+        <p:spPr>
+          <a:xfrm>
+            <a:off x="8807118" y="3860562"/>
+            <a:ext cx="1614936" cy="1614936"/>
+          </a:xfrm>
+          <a:prstGeom prst="rect">
+            <a:avLst/>
+          </a:prstGeom>
+        </p:spPr>
+      </p:pic>
+      <p:sp>
+        <p:nvSpPr>
+          <p:cNvPr id="104" name="직사각형 103">
+            <a:extLst>
+              <a:ext uri="{FF2B5EF4-FFF2-40B4-BE49-F238E27FC236}">
+                <a16:creationId xmlns:a16="http://schemas.microsoft.com/office/drawing/2014/main" id="{F085F12D-B613-49F0-AE28-22D415A07D19}"/>
+              </a:ext>
+            </a:extLst>
+          </p:cNvPr>
+          <p:cNvSpPr/>
+          <p:nvPr/>
+        </p:nvSpPr>
+        <p:spPr>
+          <a:xfrm>
+            <a:off x="5488986" y="3723777"/>
+            <a:ext cx="2376720" cy="1437216"/>
+          </a:xfrm>
+          <a:prstGeom prst="rect">
+            <a:avLst/>
+          </a:prstGeom>
+          <a:noFill/>
+          <a:ln>
+            <a:noFill/>
+          </a:ln>
+        </p:spPr>
+        <p:style>
+          <a:lnRef idx="2">
+            <a:schemeClr val="accent1">
+              <a:shade val="50000"/>
+            </a:schemeClr>
+          </a:lnRef>
+          <a:fillRef idx="1">
+            <a:schemeClr val="accent1"/>
+          </a:fillRef>
+          <a:effectRef idx="0">
+            <a:schemeClr val="accent1"/>
+          </a:effectRef>
+          <a:fontRef idx="minor">
+            <a:schemeClr val="lt1"/>
+          </a:fontRef>
+        </p:style>
+        <p:txBody>
+          <a:bodyPr rtlCol="0" anchor="ctr"/>
+          <a:lstStyle/>
+          <a:p>
+            <a:pPr algn="ctr"/>
+            <a:r>
+              <a:rPr lang="en-US" altLang="ko-KR" sz="1400" b="1" dirty="0">
+                <a:solidFill>
+                  <a:schemeClr val="tx1"/>
+                </a:solidFill>
+              </a:rPr>
+              <a:t>List Box </a:t>
+            </a:r>
+            <a:r>
+              <a:rPr lang="ko-KR" altLang="en-US" sz="1400" b="1" dirty="0">
+                <a:solidFill>
+                  <a:schemeClr val="tx1"/>
+                </a:solidFill>
+              </a:rPr>
+              <a:t>선택 대상에 대한</a:t>
+            </a:r>
+            <a:endParaRPr lang="en-US" altLang="ko-KR" sz="1400" b="1" dirty="0">
+              <a:solidFill>
+                <a:schemeClr val="tx1"/>
+              </a:solidFill>
+            </a:endParaRPr>
+          </a:p>
+          <a:p>
+            <a:pPr algn="ctr"/>
+            <a:r>
+              <a:rPr lang="ko-KR" altLang="en-US" sz="1400" b="1" dirty="0">
+                <a:solidFill>
+                  <a:schemeClr val="tx1"/>
+                </a:solidFill>
+              </a:rPr>
+              <a:t>상세 정보 기술</a:t>
+            </a:r>
+          </a:p>
+        </p:txBody>
+      </p:sp>
+      <p:sp>
+        <p:nvSpPr>
+          <p:cNvPr id="106" name="직사각형 105">
+            <a:extLst>
+              <a:ext uri="{FF2B5EF4-FFF2-40B4-BE49-F238E27FC236}">
+                <a16:creationId xmlns:a16="http://schemas.microsoft.com/office/drawing/2014/main" id="{93E83828-EC9E-48A0-BCDF-D2EC2A864C6B}"/>
+              </a:ext>
+            </a:extLst>
+          </p:cNvPr>
+          <p:cNvSpPr/>
+          <p:nvPr/>
+        </p:nvSpPr>
+        <p:spPr>
+          <a:xfrm>
+            <a:off x="7134809" y="5520924"/>
+            <a:ext cx="821612" cy="272424"/>
+          </a:xfrm>
+          <a:prstGeom prst="rect">
+            <a:avLst/>
+          </a:prstGeom>
+          <a:solidFill>
+            <a:schemeClr val="bg1">
+              <a:lumMod val="65000"/>
+            </a:schemeClr>
+          </a:solidFill>
+          <a:ln w="28575">
+            <a:solidFill>
+              <a:schemeClr val="bg1">
+                <a:lumMod val="50000"/>
+              </a:schemeClr>
+            </a:solidFill>
+          </a:ln>
+        </p:spPr>
+        <p:style>
+          <a:lnRef idx="2">
+            <a:schemeClr val="accent1">
+              <a:shade val="50000"/>
+            </a:schemeClr>
+          </a:lnRef>
+          <a:fillRef idx="1">
+            <a:schemeClr val="accent1"/>
+          </a:fillRef>
+          <a:effectRef idx="0">
+            <a:schemeClr val="accent1"/>
+          </a:effectRef>
+          <a:fontRef idx="minor">
+            <a:schemeClr val="lt1"/>
+          </a:fontRef>
+        </p:style>
+        <p:txBody>
+          <a:bodyPr rtlCol="0" anchor="ctr"/>
+          <a:lstStyle/>
+          <a:p>
+            <a:pPr algn="ctr"/>
+            <a:r>
+              <a:rPr lang="ko-KR" altLang="en-US" sz="900" b="1" dirty="0">
+                <a:solidFill>
+                  <a:schemeClr val="tx1"/>
+                </a:solidFill>
+              </a:rPr>
+              <a:t>목록에 저장</a:t>
+            </a:r>
+          </a:p>
+        </p:txBody>
+      </p:sp>
+      <p:sp>
+        <p:nvSpPr>
+          <p:cNvPr id="107" name="직사각형 106">
+            <a:extLst>
+              <a:ext uri="{FF2B5EF4-FFF2-40B4-BE49-F238E27FC236}">
+                <a16:creationId xmlns:a16="http://schemas.microsoft.com/office/drawing/2014/main" id="{24904CE7-5DA6-40D1-B5F1-C3ACC9ECE9C8}"/>
+              </a:ext>
+            </a:extLst>
+          </p:cNvPr>
+          <p:cNvSpPr/>
+          <p:nvPr/>
+        </p:nvSpPr>
+        <p:spPr>
+          <a:xfrm>
+            <a:off x="10040601" y="2581806"/>
+            <a:ext cx="1041132" cy="424764"/>
+          </a:xfrm>
+          <a:prstGeom prst="rect">
+            <a:avLst/>
+          </a:prstGeom>
+          <a:noFill/>
+          <a:ln>
+            <a:noFill/>
+          </a:ln>
+        </p:spPr>
+        <p:style>
+          <a:lnRef idx="2">
+            <a:schemeClr val="accent1">
+              <a:shade val="50000"/>
+            </a:schemeClr>
+          </a:lnRef>
+          <a:fillRef idx="1">
+            <a:schemeClr val="accent1"/>
+          </a:fillRef>
+          <a:effectRef idx="0">
+            <a:schemeClr val="accent1"/>
+          </a:effectRef>
+          <a:fontRef idx="minor">
+            <a:schemeClr val="lt1"/>
+          </a:fontRef>
+        </p:style>
+        <p:txBody>
+          <a:bodyPr rtlCol="0" anchor="ctr"/>
+          <a:lstStyle/>
+          <a:p>
+            <a:pPr algn="ctr"/>
+            <a:r>
+              <a:rPr lang="en-US" altLang="ko-KR" sz="1400" b="1" dirty="0">
+                <a:solidFill>
+                  <a:schemeClr val="tx1"/>
+                </a:solidFill>
+              </a:rPr>
+              <a:t>Scroll</a:t>
+            </a:r>
+          </a:p>
+          <a:p>
+            <a:pPr algn="ctr"/>
+            <a:r>
+              <a:rPr lang="en-US" altLang="ko-KR" sz="1400" b="1" dirty="0">
+                <a:solidFill>
+                  <a:schemeClr val="tx1"/>
+                </a:solidFill>
+              </a:rPr>
+              <a:t>Bar</a:t>
+            </a:r>
+            <a:endParaRPr lang="ko-KR" altLang="en-US" sz="1400" b="1" dirty="0">
+              <a:solidFill>
+                <a:schemeClr val="tx1"/>
+              </a:solidFill>
+            </a:endParaRPr>
+          </a:p>
+        </p:txBody>
+      </p:sp>
+      <p:sp>
+        <p:nvSpPr>
+          <p:cNvPr id="108" name="직사각형 107">
+            <a:extLst>
+              <a:ext uri="{FF2B5EF4-FFF2-40B4-BE49-F238E27FC236}">
+                <a16:creationId xmlns:a16="http://schemas.microsoft.com/office/drawing/2014/main" id="{AB8825B0-7968-4597-91DD-281F9BA73EB7}"/>
+              </a:ext>
+            </a:extLst>
+          </p:cNvPr>
+          <p:cNvSpPr/>
+          <p:nvPr/>
+        </p:nvSpPr>
+        <p:spPr>
+          <a:xfrm>
+            <a:off x="8103965" y="3655925"/>
+            <a:ext cx="721279" cy="424764"/>
+          </a:xfrm>
+          <a:prstGeom prst="rect">
+            <a:avLst/>
+          </a:prstGeom>
+          <a:noFill/>
+          <a:ln>
+            <a:noFill/>
+          </a:ln>
+        </p:spPr>
+        <p:style>
+          <a:lnRef idx="2">
+            <a:schemeClr val="accent1">
+              <a:shade val="50000"/>
+            </a:schemeClr>
+          </a:lnRef>
+          <a:fillRef idx="1">
+            <a:schemeClr val="accent1"/>
+          </a:fillRef>
+          <a:effectRef idx="0">
+            <a:schemeClr val="accent1"/>
+          </a:effectRef>
+          <a:fontRef idx="minor">
+            <a:schemeClr val="lt1"/>
+          </a:fontRef>
+        </p:style>
+        <p:txBody>
+          <a:bodyPr rtlCol="0" anchor="ctr"/>
+          <a:lstStyle/>
+          <a:p>
+            <a:pPr algn="ctr"/>
+            <a:r>
+              <a:rPr lang="en-US" altLang="ko-KR" sz="1400" b="1" dirty="0">
+                <a:solidFill>
+                  <a:schemeClr val="tx1"/>
+                </a:solidFill>
+              </a:rPr>
+              <a:t>Map</a:t>
+            </a:r>
+            <a:endParaRPr lang="ko-KR" altLang="en-US" sz="1400" b="1" dirty="0">
+              <a:solidFill>
+                <a:schemeClr val="tx1"/>
+              </a:solidFill>
+            </a:endParaRPr>
+          </a:p>
+        </p:txBody>
+      </p:sp>
+      <p:cxnSp>
+        <p:nvCxnSpPr>
+          <p:cNvPr id="113" name="직선 연결선 112">
+            <a:extLst>
+              <a:ext uri="{FF2B5EF4-FFF2-40B4-BE49-F238E27FC236}">
+                <a16:creationId xmlns:a16="http://schemas.microsoft.com/office/drawing/2014/main" id="{E412AD73-05FE-4267-90C9-5281741E8BA2}"/>
+              </a:ext>
+            </a:extLst>
+          </p:cNvPr>
+          <p:cNvCxnSpPr/>
+          <p:nvPr/>
+        </p:nvCxnSpPr>
+        <p:spPr>
+          <a:xfrm>
+            <a:off x="1041788" y="2184435"/>
+            <a:ext cx="10108293" cy="22671"/>
+          </a:xfrm>
+          <a:prstGeom prst="line">
+            <a:avLst/>
+          </a:prstGeom>
+          <a:ln w="28575">
+            <a:solidFill>
+              <a:schemeClr val="bg1">
+                <a:lumMod val="50000"/>
+              </a:schemeClr>
+            </a:solidFill>
+          </a:ln>
+        </p:spPr>
+        <p:style>
+          <a:lnRef idx="1">
+            <a:schemeClr val="accent1"/>
+          </a:lnRef>
+          <a:fillRef idx="0">
+            <a:schemeClr val="accent1"/>
+          </a:fillRef>
+          <a:effectRef idx="0">
+            <a:schemeClr val="accent1"/>
+          </a:effectRef>
+          <a:fontRef idx="minor">
+            <a:schemeClr val="tx1"/>
+          </a:fontRef>
+        </p:style>
+      </p:cxnSp>
+      <p:sp>
+        <p:nvSpPr>
+          <p:cNvPr id="112" name="슬라이드 번호 개체 틀 111">
+            <a:extLst>
+              <a:ext uri="{FF2B5EF4-FFF2-40B4-BE49-F238E27FC236}">
+                <a16:creationId xmlns:a16="http://schemas.microsoft.com/office/drawing/2014/main" id="{424C4EAE-A823-42E9-961F-55DFE2906EAB}"/>
+              </a:ext>
+            </a:extLst>
+          </p:cNvPr>
+          <p:cNvSpPr>
+            <a:spLocks noGrp="1"/>
+          </p:cNvSpPr>
+          <p:nvPr>
+            <p:ph type="sldNum" sz="quarter" idx="12"/>
+          </p:nvPr>
+        </p:nvSpPr>
+        <p:spPr/>
+        <p:txBody>
+          <a:bodyPr/>
+          <a:lstStyle/>
+          <a:p>
+            <a:fld id="{B32CDA53-975C-43B8-B883-D547DCE1CDE9}" type="slidenum">
+              <a:rPr lang="ko-KR" altLang="en-US" smtClean="0"/>
+              <a:pPr/>
+              <a:t>6</a:t>
+            </a:fld>
+            <a:endParaRPr lang="ko-KR" altLang="en-US" dirty="0"/>
+          </a:p>
+        </p:txBody>
+      </p:sp>
+      <p:sp>
+        <p:nvSpPr>
           <p:cNvPr id="25" name="직사각형 24">
             <a:extLst>
               <a:ext uri="{FF2B5EF4-FFF2-40B4-BE49-F238E27FC236}">
@@ -13473,639 +14743,6 @@
       </p:sp>
       <p:sp>
         <p:nvSpPr>
-          <p:cNvPr id="95" name="직사각형 94">
-            <a:extLst>
-              <a:ext uri="{FF2B5EF4-FFF2-40B4-BE49-F238E27FC236}">
-                <a16:creationId xmlns:a16="http://schemas.microsoft.com/office/drawing/2014/main" id="{8C8EA029-C5D4-44CC-A291-12D8F791ECE9}"/>
-              </a:ext>
-            </a:extLst>
-          </p:cNvPr>
-          <p:cNvSpPr/>
-          <p:nvPr/>
-        </p:nvSpPr>
-        <p:spPr>
-          <a:xfrm>
-            <a:off x="5057193" y="2182842"/>
-            <a:ext cx="6074356" cy="1478806"/>
-          </a:xfrm>
-          <a:prstGeom prst="rect">
-            <a:avLst/>
-          </a:prstGeom>
-          <a:solidFill>
-            <a:schemeClr val="bg1"/>
-          </a:solidFill>
-          <a:ln>
-            <a:solidFill>
-              <a:schemeClr val="bg1">
-                <a:lumMod val="50000"/>
-              </a:schemeClr>
-            </a:solidFill>
-          </a:ln>
-        </p:spPr>
-        <p:style>
-          <a:lnRef idx="2">
-            <a:schemeClr val="accent1">
-              <a:shade val="50000"/>
-            </a:schemeClr>
-          </a:lnRef>
-          <a:fillRef idx="1">
-            <a:schemeClr val="accent1"/>
-          </a:fillRef>
-          <a:effectRef idx="0">
-            <a:schemeClr val="accent1"/>
-          </a:effectRef>
-          <a:fontRef idx="minor">
-            <a:schemeClr val="lt1"/>
-          </a:fontRef>
-        </p:style>
-        <p:txBody>
-          <a:bodyPr rtlCol="0" anchor="t"/>
-          <a:lstStyle/>
-          <a:p>
-            <a:r>
-              <a:rPr lang="en-US" altLang="ko-KR" sz="1200" b="1" dirty="0">
-                <a:solidFill>
-                  <a:schemeClr val="tx1"/>
-                </a:solidFill>
-              </a:rPr>
-              <a:t>List</a:t>
-            </a:r>
-            <a:r>
-              <a:rPr lang="ko-KR" altLang="en-US" sz="1200" b="1" dirty="0">
-                <a:solidFill>
-                  <a:schemeClr val="tx1"/>
-                </a:solidFill>
-              </a:rPr>
-              <a:t> </a:t>
-            </a:r>
-            <a:r>
-              <a:rPr lang="en-US" altLang="ko-KR" sz="1200" b="1" dirty="0">
-                <a:solidFill>
-                  <a:schemeClr val="tx1"/>
-                </a:solidFill>
-              </a:rPr>
-              <a:t>Box</a:t>
-            </a:r>
-          </a:p>
-          <a:p>
-            <a:endParaRPr lang="en-US" altLang="ko-KR" sz="1200" b="1" dirty="0">
-              <a:solidFill>
-                <a:schemeClr val="tx1"/>
-              </a:solidFill>
-            </a:endParaRPr>
-          </a:p>
-          <a:p>
-            <a:r>
-              <a:rPr lang="ko-KR" altLang="en-US" sz="1200" b="1" dirty="0">
-                <a:solidFill>
-                  <a:schemeClr val="tx1"/>
-                </a:solidFill>
-              </a:rPr>
-              <a:t>검색 결과를 출력</a:t>
-            </a:r>
-          </a:p>
-        </p:txBody>
-      </p:sp>
-      <p:sp>
-        <p:nvSpPr>
-          <p:cNvPr id="98" name="직사각형 97">
-            <a:extLst>
-              <a:ext uri="{FF2B5EF4-FFF2-40B4-BE49-F238E27FC236}">
-                <a16:creationId xmlns:a16="http://schemas.microsoft.com/office/drawing/2014/main" id="{9FA3C2C2-B434-423B-BB25-24038ABC2008}"/>
-              </a:ext>
-            </a:extLst>
-          </p:cNvPr>
-          <p:cNvSpPr/>
-          <p:nvPr/>
-        </p:nvSpPr>
-        <p:spPr>
-          <a:xfrm>
-            <a:off x="10868561" y="2189224"/>
-            <a:ext cx="272254" cy="1472424"/>
-          </a:xfrm>
-          <a:prstGeom prst="rect">
-            <a:avLst/>
-          </a:prstGeom>
-          <a:solidFill>
-            <a:schemeClr val="bg1">
-              <a:lumMod val="75000"/>
-            </a:schemeClr>
-          </a:solidFill>
-          <a:ln w="19050">
-            <a:solidFill>
-              <a:schemeClr val="bg1">
-                <a:lumMod val="50000"/>
-              </a:schemeClr>
-            </a:solidFill>
-          </a:ln>
-        </p:spPr>
-        <p:style>
-          <a:lnRef idx="2">
-            <a:schemeClr val="accent1">
-              <a:shade val="50000"/>
-            </a:schemeClr>
-          </a:lnRef>
-          <a:fillRef idx="1">
-            <a:schemeClr val="accent1"/>
-          </a:fillRef>
-          <a:effectRef idx="0">
-            <a:schemeClr val="accent1"/>
-          </a:effectRef>
-          <a:fontRef idx="minor">
-            <a:schemeClr val="lt1"/>
-          </a:fontRef>
-        </p:style>
-        <p:txBody>
-          <a:bodyPr rtlCol="0" anchor="ctr"/>
-          <a:lstStyle/>
-          <a:p>
-            <a:pPr algn="ctr"/>
-            <a:endParaRPr lang="ko-KR" altLang="en-US"/>
-          </a:p>
-        </p:txBody>
-      </p:sp>
-      <p:sp>
-        <p:nvSpPr>
-          <p:cNvPr id="99" name="직사각형 98">
-            <a:extLst>
-              <a:ext uri="{FF2B5EF4-FFF2-40B4-BE49-F238E27FC236}">
-                <a16:creationId xmlns:a16="http://schemas.microsoft.com/office/drawing/2014/main" id="{4FE9EFE3-EC47-4E1B-8231-F5944EFACE60}"/>
-              </a:ext>
-            </a:extLst>
-          </p:cNvPr>
-          <p:cNvSpPr/>
-          <p:nvPr/>
-        </p:nvSpPr>
-        <p:spPr>
-          <a:xfrm>
-            <a:off x="10868561" y="2368527"/>
-            <a:ext cx="272254" cy="789195"/>
-          </a:xfrm>
-          <a:prstGeom prst="rect">
-            <a:avLst/>
-          </a:prstGeom>
-          <a:solidFill>
-            <a:schemeClr val="bg1">
-              <a:lumMod val="50000"/>
-            </a:schemeClr>
-          </a:solidFill>
-          <a:ln w="19050">
-            <a:solidFill>
-              <a:schemeClr val="bg1">
-                <a:lumMod val="50000"/>
-              </a:schemeClr>
-            </a:solidFill>
-          </a:ln>
-        </p:spPr>
-        <p:style>
-          <a:lnRef idx="2">
-            <a:schemeClr val="accent1">
-              <a:shade val="50000"/>
-            </a:schemeClr>
-          </a:lnRef>
-          <a:fillRef idx="1">
-            <a:schemeClr val="accent1"/>
-          </a:fillRef>
-          <a:effectRef idx="0">
-            <a:schemeClr val="accent1"/>
-          </a:effectRef>
-          <a:fontRef idx="minor">
-            <a:schemeClr val="lt1"/>
-          </a:fontRef>
-        </p:style>
-        <p:txBody>
-          <a:bodyPr rtlCol="0" anchor="ctr"/>
-          <a:lstStyle/>
-          <a:p>
-            <a:pPr algn="ctr"/>
-            <a:endParaRPr lang="ko-KR" altLang="en-US" dirty="0"/>
-          </a:p>
-        </p:txBody>
-      </p:sp>
-      <p:sp>
-        <p:nvSpPr>
-          <p:cNvPr id="100" name="직사각형 99">
-            <a:extLst>
-              <a:ext uri="{FF2B5EF4-FFF2-40B4-BE49-F238E27FC236}">
-                <a16:creationId xmlns:a16="http://schemas.microsoft.com/office/drawing/2014/main" id="{261A27DD-4853-4F3C-B05A-B9FE8B123CC0}"/>
-              </a:ext>
-            </a:extLst>
-          </p:cNvPr>
-          <p:cNvSpPr/>
-          <p:nvPr/>
-        </p:nvSpPr>
-        <p:spPr>
-          <a:xfrm>
-            <a:off x="8098971" y="3668030"/>
-            <a:ext cx="3032578" cy="2248799"/>
-          </a:xfrm>
-          <a:prstGeom prst="rect">
-            <a:avLst/>
-          </a:prstGeom>
-          <a:solidFill>
-            <a:schemeClr val="accent5">
-              <a:lumMod val="60000"/>
-              <a:lumOff val="40000"/>
-            </a:schemeClr>
-          </a:solidFill>
-          <a:ln>
-            <a:solidFill>
-              <a:schemeClr val="bg1">
-                <a:lumMod val="50000"/>
-              </a:schemeClr>
-            </a:solidFill>
-          </a:ln>
-        </p:spPr>
-        <p:style>
-          <a:lnRef idx="2">
-            <a:schemeClr val="accent1">
-              <a:shade val="50000"/>
-            </a:schemeClr>
-          </a:lnRef>
-          <a:fillRef idx="1">
-            <a:schemeClr val="accent1"/>
-          </a:fillRef>
-          <a:effectRef idx="0">
-            <a:schemeClr val="accent1"/>
-          </a:effectRef>
-          <a:fontRef idx="minor">
-            <a:schemeClr val="lt1"/>
-          </a:fontRef>
-        </p:style>
-        <p:txBody>
-          <a:bodyPr rtlCol="0" anchor="t"/>
-          <a:lstStyle/>
-          <a:p>
-            <a:endParaRPr lang="ko-KR" altLang="en-US" sz="1200" b="1" dirty="0">
-              <a:solidFill>
-                <a:schemeClr val="tx1"/>
-              </a:solidFill>
-            </a:endParaRPr>
-          </a:p>
-        </p:txBody>
-      </p:sp>
-      <p:pic>
-        <p:nvPicPr>
-          <p:cNvPr id="101" name="그림 100" descr="벡터그래픽, 텍스트이(가) 표시된 사진&#10;&#10;자동 생성된 설명">
-            <a:extLst>
-              <a:ext uri="{FF2B5EF4-FFF2-40B4-BE49-F238E27FC236}">
-                <a16:creationId xmlns:a16="http://schemas.microsoft.com/office/drawing/2014/main" id="{568BA88D-162C-452A-9720-F7E37A27BBA6}"/>
-              </a:ext>
-            </a:extLst>
-          </p:cNvPr>
-          <p:cNvPicPr>
-            <a:picLocks noChangeAspect="1"/>
-          </p:cNvPicPr>
-          <p:nvPr/>
-        </p:nvPicPr>
-        <p:blipFill>
-          <a:blip r:embed="rId3">
-            <a:extLst>
-              <a:ext uri="{28A0092B-C50C-407E-A947-70E740481C1C}">
-                <a14:useLocalDpi xmlns:a14="http://schemas.microsoft.com/office/drawing/2010/main" val="0"/>
-              </a:ext>
-            </a:extLst>
-          </a:blip>
-          <a:stretch>
-            <a:fillRect/>
-          </a:stretch>
-        </p:blipFill>
-        <p:spPr>
-          <a:xfrm>
-            <a:off x="8807118" y="3860562"/>
-            <a:ext cx="1614936" cy="1614936"/>
-          </a:xfrm>
-          <a:prstGeom prst="rect">
-            <a:avLst/>
-          </a:prstGeom>
-        </p:spPr>
-      </p:pic>
-      <p:sp>
-        <p:nvSpPr>
-          <p:cNvPr id="104" name="직사각형 103">
-            <a:extLst>
-              <a:ext uri="{FF2B5EF4-FFF2-40B4-BE49-F238E27FC236}">
-                <a16:creationId xmlns:a16="http://schemas.microsoft.com/office/drawing/2014/main" id="{F085F12D-B613-49F0-AE28-22D415A07D19}"/>
-              </a:ext>
-            </a:extLst>
-          </p:cNvPr>
-          <p:cNvSpPr/>
-          <p:nvPr/>
-        </p:nvSpPr>
-        <p:spPr>
-          <a:xfrm>
-            <a:off x="5488986" y="3723777"/>
-            <a:ext cx="2376720" cy="1437216"/>
-          </a:xfrm>
-          <a:prstGeom prst="rect">
-            <a:avLst/>
-          </a:prstGeom>
-          <a:noFill/>
-          <a:ln>
-            <a:noFill/>
-          </a:ln>
-        </p:spPr>
-        <p:style>
-          <a:lnRef idx="2">
-            <a:schemeClr val="accent1">
-              <a:shade val="50000"/>
-            </a:schemeClr>
-          </a:lnRef>
-          <a:fillRef idx="1">
-            <a:schemeClr val="accent1"/>
-          </a:fillRef>
-          <a:effectRef idx="0">
-            <a:schemeClr val="accent1"/>
-          </a:effectRef>
-          <a:fontRef idx="minor">
-            <a:schemeClr val="lt1"/>
-          </a:fontRef>
-        </p:style>
-        <p:txBody>
-          <a:bodyPr rtlCol="0" anchor="ctr"/>
-          <a:lstStyle/>
-          <a:p>
-            <a:pPr algn="ctr"/>
-            <a:r>
-              <a:rPr lang="en-US" altLang="ko-KR" sz="1400" b="1" dirty="0">
-                <a:solidFill>
-                  <a:schemeClr val="tx1"/>
-                </a:solidFill>
-              </a:rPr>
-              <a:t>List Box </a:t>
-            </a:r>
-            <a:r>
-              <a:rPr lang="ko-KR" altLang="en-US" sz="1400" b="1" dirty="0">
-                <a:solidFill>
-                  <a:schemeClr val="tx1"/>
-                </a:solidFill>
-              </a:rPr>
-              <a:t>선택 대상에 대한</a:t>
-            </a:r>
-            <a:endParaRPr lang="en-US" altLang="ko-KR" sz="1400" b="1" dirty="0">
-              <a:solidFill>
-                <a:schemeClr val="tx1"/>
-              </a:solidFill>
-            </a:endParaRPr>
-          </a:p>
-          <a:p>
-            <a:pPr algn="ctr"/>
-            <a:r>
-              <a:rPr lang="ko-KR" altLang="en-US" sz="1400" b="1" dirty="0">
-                <a:solidFill>
-                  <a:schemeClr val="tx1"/>
-                </a:solidFill>
-              </a:rPr>
-              <a:t>상세 정보 기술</a:t>
-            </a:r>
-          </a:p>
-        </p:txBody>
-      </p:sp>
-      <p:sp>
-        <p:nvSpPr>
-          <p:cNvPr id="106" name="직사각형 105">
-            <a:extLst>
-              <a:ext uri="{FF2B5EF4-FFF2-40B4-BE49-F238E27FC236}">
-                <a16:creationId xmlns:a16="http://schemas.microsoft.com/office/drawing/2014/main" id="{93E83828-EC9E-48A0-BCDF-D2EC2A864C6B}"/>
-              </a:ext>
-            </a:extLst>
-          </p:cNvPr>
-          <p:cNvSpPr/>
-          <p:nvPr/>
-        </p:nvSpPr>
-        <p:spPr>
-          <a:xfrm>
-            <a:off x="7134809" y="5520924"/>
-            <a:ext cx="821612" cy="272424"/>
-          </a:xfrm>
-          <a:prstGeom prst="rect">
-            <a:avLst/>
-          </a:prstGeom>
-          <a:solidFill>
-            <a:schemeClr val="bg1">
-              <a:lumMod val="65000"/>
-            </a:schemeClr>
-          </a:solidFill>
-          <a:ln w="28575">
-            <a:solidFill>
-              <a:schemeClr val="bg1">
-                <a:lumMod val="50000"/>
-              </a:schemeClr>
-            </a:solidFill>
-          </a:ln>
-        </p:spPr>
-        <p:style>
-          <a:lnRef idx="2">
-            <a:schemeClr val="accent1">
-              <a:shade val="50000"/>
-            </a:schemeClr>
-          </a:lnRef>
-          <a:fillRef idx="1">
-            <a:schemeClr val="accent1"/>
-          </a:fillRef>
-          <a:effectRef idx="0">
-            <a:schemeClr val="accent1"/>
-          </a:effectRef>
-          <a:fontRef idx="minor">
-            <a:schemeClr val="lt1"/>
-          </a:fontRef>
-        </p:style>
-        <p:txBody>
-          <a:bodyPr rtlCol="0" anchor="ctr"/>
-          <a:lstStyle/>
-          <a:p>
-            <a:pPr algn="ctr"/>
-            <a:r>
-              <a:rPr lang="ko-KR" altLang="en-US" sz="900" b="1" dirty="0">
-                <a:solidFill>
-                  <a:schemeClr val="tx1"/>
-                </a:solidFill>
-              </a:rPr>
-              <a:t>목록에 저장</a:t>
-            </a:r>
-          </a:p>
-        </p:txBody>
-      </p:sp>
-      <p:sp>
-        <p:nvSpPr>
-          <p:cNvPr id="107" name="직사각형 106">
-            <a:extLst>
-              <a:ext uri="{FF2B5EF4-FFF2-40B4-BE49-F238E27FC236}">
-                <a16:creationId xmlns:a16="http://schemas.microsoft.com/office/drawing/2014/main" id="{24904CE7-5DA6-40D1-B5F1-C3ACC9ECE9C8}"/>
-              </a:ext>
-            </a:extLst>
-          </p:cNvPr>
-          <p:cNvSpPr/>
-          <p:nvPr/>
-        </p:nvSpPr>
-        <p:spPr>
-          <a:xfrm>
-            <a:off x="10040601" y="2581806"/>
-            <a:ext cx="1041132" cy="424764"/>
-          </a:xfrm>
-          <a:prstGeom prst="rect">
-            <a:avLst/>
-          </a:prstGeom>
-          <a:noFill/>
-          <a:ln>
-            <a:noFill/>
-          </a:ln>
-        </p:spPr>
-        <p:style>
-          <a:lnRef idx="2">
-            <a:schemeClr val="accent1">
-              <a:shade val="50000"/>
-            </a:schemeClr>
-          </a:lnRef>
-          <a:fillRef idx="1">
-            <a:schemeClr val="accent1"/>
-          </a:fillRef>
-          <a:effectRef idx="0">
-            <a:schemeClr val="accent1"/>
-          </a:effectRef>
-          <a:fontRef idx="minor">
-            <a:schemeClr val="lt1"/>
-          </a:fontRef>
-        </p:style>
-        <p:txBody>
-          <a:bodyPr rtlCol="0" anchor="ctr"/>
-          <a:lstStyle/>
-          <a:p>
-            <a:pPr algn="ctr"/>
-            <a:r>
-              <a:rPr lang="en-US" altLang="ko-KR" sz="1400" b="1" dirty="0">
-                <a:solidFill>
-                  <a:schemeClr val="tx1"/>
-                </a:solidFill>
-              </a:rPr>
-              <a:t>Scroll</a:t>
-            </a:r>
-          </a:p>
-          <a:p>
-            <a:pPr algn="ctr"/>
-            <a:r>
-              <a:rPr lang="en-US" altLang="ko-KR" sz="1400" b="1" dirty="0">
-                <a:solidFill>
-                  <a:schemeClr val="tx1"/>
-                </a:solidFill>
-              </a:rPr>
-              <a:t>Bar</a:t>
-            </a:r>
-            <a:endParaRPr lang="ko-KR" altLang="en-US" sz="1400" b="1" dirty="0">
-              <a:solidFill>
-                <a:schemeClr val="tx1"/>
-              </a:solidFill>
-            </a:endParaRPr>
-          </a:p>
-        </p:txBody>
-      </p:sp>
-      <p:sp>
-        <p:nvSpPr>
-          <p:cNvPr id="108" name="직사각형 107">
-            <a:extLst>
-              <a:ext uri="{FF2B5EF4-FFF2-40B4-BE49-F238E27FC236}">
-                <a16:creationId xmlns:a16="http://schemas.microsoft.com/office/drawing/2014/main" id="{AB8825B0-7968-4597-91DD-281F9BA73EB7}"/>
-              </a:ext>
-            </a:extLst>
-          </p:cNvPr>
-          <p:cNvSpPr/>
-          <p:nvPr/>
-        </p:nvSpPr>
-        <p:spPr>
-          <a:xfrm>
-            <a:off x="8103965" y="3655925"/>
-            <a:ext cx="721279" cy="424764"/>
-          </a:xfrm>
-          <a:prstGeom prst="rect">
-            <a:avLst/>
-          </a:prstGeom>
-          <a:noFill/>
-          <a:ln>
-            <a:noFill/>
-          </a:ln>
-        </p:spPr>
-        <p:style>
-          <a:lnRef idx="2">
-            <a:schemeClr val="accent1">
-              <a:shade val="50000"/>
-            </a:schemeClr>
-          </a:lnRef>
-          <a:fillRef idx="1">
-            <a:schemeClr val="accent1"/>
-          </a:fillRef>
-          <a:effectRef idx="0">
-            <a:schemeClr val="accent1"/>
-          </a:effectRef>
-          <a:fontRef idx="minor">
-            <a:schemeClr val="lt1"/>
-          </a:fontRef>
-        </p:style>
-        <p:txBody>
-          <a:bodyPr rtlCol="0" anchor="ctr"/>
-          <a:lstStyle/>
-          <a:p>
-            <a:pPr algn="ctr"/>
-            <a:r>
-              <a:rPr lang="en-US" altLang="ko-KR" sz="1400" b="1" dirty="0">
-                <a:solidFill>
-                  <a:schemeClr val="tx1"/>
-                </a:solidFill>
-              </a:rPr>
-              <a:t>Map</a:t>
-            </a:r>
-            <a:endParaRPr lang="ko-KR" altLang="en-US" sz="1400" b="1" dirty="0">
-              <a:solidFill>
-                <a:schemeClr val="tx1"/>
-              </a:solidFill>
-            </a:endParaRPr>
-          </a:p>
-        </p:txBody>
-      </p:sp>
-      <p:cxnSp>
-        <p:nvCxnSpPr>
-          <p:cNvPr id="113" name="직선 연결선 112">
-            <a:extLst>
-              <a:ext uri="{FF2B5EF4-FFF2-40B4-BE49-F238E27FC236}">
-                <a16:creationId xmlns:a16="http://schemas.microsoft.com/office/drawing/2014/main" id="{E412AD73-05FE-4267-90C9-5281741E8BA2}"/>
-              </a:ext>
-            </a:extLst>
-          </p:cNvPr>
-          <p:cNvCxnSpPr/>
-          <p:nvPr/>
-        </p:nvCxnSpPr>
-        <p:spPr>
-          <a:xfrm>
-            <a:off x="1041788" y="2184435"/>
-            <a:ext cx="10108293" cy="22671"/>
-          </a:xfrm>
-          <a:prstGeom prst="line">
-            <a:avLst/>
-          </a:prstGeom>
-          <a:ln w="28575">
-            <a:solidFill>
-              <a:schemeClr val="bg1">
-                <a:lumMod val="50000"/>
-              </a:schemeClr>
-            </a:solidFill>
-          </a:ln>
-        </p:spPr>
-        <p:style>
-          <a:lnRef idx="1">
-            <a:schemeClr val="accent1"/>
-          </a:lnRef>
-          <a:fillRef idx="0">
-            <a:schemeClr val="accent1"/>
-          </a:fillRef>
-          <a:effectRef idx="0">
-            <a:schemeClr val="accent1"/>
-          </a:effectRef>
-          <a:fontRef idx="minor">
-            <a:schemeClr val="tx1"/>
-          </a:fontRef>
-        </p:style>
-      </p:cxnSp>
-      <p:sp>
-        <p:nvSpPr>
           <p:cNvPr id="111" name="직사각형 110">
             <a:extLst>
               <a:ext uri="{FF2B5EF4-FFF2-40B4-BE49-F238E27FC236}">
@@ -14155,36 +14792,6 @@
           <a:p>
             <a:pPr algn="ctr"/>
             <a:endParaRPr lang="ko-KR" altLang="en-US"/>
-          </a:p>
-        </p:txBody>
-      </p:sp>
-      <p:sp>
-        <p:nvSpPr>
-          <p:cNvPr id="112" name="슬라이드 번호 개체 틀 111">
-            <a:extLst>
-              <a:ext uri="{FF2B5EF4-FFF2-40B4-BE49-F238E27FC236}">
-                <a16:creationId xmlns:a16="http://schemas.microsoft.com/office/drawing/2014/main" id="{424C4EAE-A823-42E9-961F-55DFE2906EAB}"/>
-              </a:ext>
-            </a:extLst>
-          </p:cNvPr>
-          <p:cNvSpPr>
-            <a:spLocks noGrp="1"/>
-          </p:cNvSpPr>
-          <p:nvPr>
-            <p:ph type="sldNum" sz="quarter" idx="12"/>
-          </p:nvPr>
-        </p:nvSpPr>
-        <p:spPr/>
-        <p:txBody>
-          <a:bodyPr/>
-          <a:lstStyle/>
-          <a:p>
-            <a:fld id="{B32CDA53-975C-43B8-B883-D547DCE1CDE9}" type="slidenum">
-              <a:rPr lang="ko-KR" altLang="en-US" smtClean="0"/>
-              <a:pPr/>
-              <a:t>6</a:t>
-            </a:fld>
-            <a:endParaRPr lang="ko-KR" altLang="en-US" dirty="0"/>
           </a:p>
         </p:txBody>
       </p:sp>
@@ -14757,6 +15364,106 @@
       </p:sp>
       <p:sp>
         <p:nvSpPr>
+          <p:cNvPr id="69" name="슬라이드 번호 개체 틀 68">
+            <a:extLst>
+              <a:ext uri="{FF2B5EF4-FFF2-40B4-BE49-F238E27FC236}">
+                <a16:creationId xmlns:a16="http://schemas.microsoft.com/office/drawing/2014/main" id="{6B66C3D3-121E-4065-B817-4E0027BED189}"/>
+              </a:ext>
+            </a:extLst>
+          </p:cNvPr>
+          <p:cNvSpPr>
+            <a:spLocks noGrp="1"/>
+          </p:cNvSpPr>
+          <p:nvPr>
+            <p:ph type="sldNum" sz="quarter" idx="12"/>
+          </p:nvPr>
+        </p:nvSpPr>
+        <p:spPr>
+          <a:xfrm>
+            <a:off x="8805233" y="6366986"/>
+            <a:ext cx="2900544" cy="365125"/>
+          </a:xfrm>
+        </p:spPr>
+        <p:txBody>
+          <a:bodyPr/>
+          <a:lstStyle/>
+          <a:p>
+            <a:fld id="{B32CDA53-975C-43B8-B883-D547DCE1CDE9}" type="slidenum">
+              <a:rPr lang="ko-KR" altLang="en-US" smtClean="0"/>
+              <a:pPr/>
+              <a:t>7</a:t>
+            </a:fld>
+            <a:endParaRPr lang="ko-KR" altLang="en-US" dirty="0"/>
+          </a:p>
+        </p:txBody>
+      </p:sp>
+      <p:sp>
+        <p:nvSpPr>
+          <p:cNvPr id="51" name="사각형: 둥근 모서리 50">
+            <a:extLst>
+              <a:ext uri="{FF2B5EF4-FFF2-40B4-BE49-F238E27FC236}">
+                <a16:creationId xmlns:a16="http://schemas.microsoft.com/office/drawing/2014/main" id="{507AA97B-85F5-456F-B63F-DFC10E1C409F}"/>
+              </a:ext>
+            </a:extLst>
+          </p:cNvPr>
+          <p:cNvSpPr/>
+          <p:nvPr/>
+        </p:nvSpPr>
+        <p:spPr>
+          <a:xfrm>
+            <a:off x="4080198" y="1653114"/>
+            <a:ext cx="1318986" cy="382555"/>
+          </a:xfrm>
+          <a:prstGeom prst="roundRect">
+            <a:avLst/>
+          </a:prstGeom>
+          <a:solidFill>
+            <a:schemeClr val="bg1">
+              <a:lumMod val="75000"/>
+            </a:schemeClr>
+          </a:solidFill>
+          <a:ln w="28575">
+            <a:solidFill>
+              <a:schemeClr val="bg1">
+                <a:lumMod val="50000"/>
+              </a:schemeClr>
+            </a:solidFill>
+          </a:ln>
+        </p:spPr>
+        <p:style>
+          <a:lnRef idx="2">
+            <a:schemeClr val="accent1">
+              <a:shade val="50000"/>
+            </a:schemeClr>
+          </a:lnRef>
+          <a:fillRef idx="1">
+            <a:schemeClr val="accent1"/>
+          </a:fillRef>
+          <a:effectRef idx="0">
+            <a:schemeClr val="accent1"/>
+          </a:effectRef>
+          <a:fontRef idx="minor">
+            <a:schemeClr val="lt1"/>
+          </a:fontRef>
+        </p:style>
+        <p:txBody>
+          <a:bodyPr rtlCol="0" anchor="t"/>
+          <a:lstStyle/>
+          <a:p>
+            <a:pPr algn="ctr"/>
+            <a:r>
+              <a:rPr lang="ko-KR" altLang="en-US" sz="1200" b="1" dirty="0">
+                <a:solidFill>
+                  <a:schemeClr val="tx1"/>
+                </a:solidFill>
+              </a:rPr>
+              <a:t>설정</a:t>
+            </a:r>
+          </a:p>
+        </p:txBody>
+      </p:sp>
+      <p:sp>
+        <p:nvSpPr>
           <p:cNvPr id="23" name="직사각형 22">
             <a:extLst>
               <a:ext uri="{FF2B5EF4-FFF2-40B4-BE49-F238E27FC236}">
@@ -15697,15 +16404,31 @@
           <a:p>
             <a:pPr algn="ctr"/>
             <a:r>
-              <a:rPr lang="en-US" altLang="ko-KR" sz="1400" b="1">
+              <a:rPr lang="ko-KR" altLang="en-US" sz="1200" b="1" dirty="0" err="1">
                 <a:solidFill>
                   <a:schemeClr val="tx1"/>
                 </a:solidFill>
               </a:rPr>
-              <a:t>XML </a:t>
-            </a:r>
-            <a:r>
-              <a:rPr lang="ko-KR" altLang="en-US" sz="1400" b="1" dirty="0">
+              <a:t>찜목록</a:t>
+            </a:r>
+            <a:r>
+              <a:rPr lang="ko-KR" altLang="en-US" sz="1200" b="1" dirty="0">
+                <a:solidFill>
+                  <a:schemeClr val="tx1"/>
+                </a:solidFill>
+              </a:rPr>
+              <a:t> 저장</a:t>
+            </a:r>
+            <a:r>
+              <a:rPr lang="en-US" altLang="ko-KR" sz="1200" b="1" dirty="0">
+                <a:solidFill>
+                  <a:schemeClr val="tx1"/>
+                </a:solidFill>
+              </a:rPr>
+              <a:t> </a:t>
+            </a:r>
+            <a:r>
+              <a:rPr lang="ko-KR" altLang="en-US" sz="1200" b="1" dirty="0">
                 <a:solidFill>
                   <a:schemeClr val="tx1"/>
                 </a:solidFill>
@@ -16764,36 +17487,6 @@
           <a:p>
             <a:pPr algn="ctr"/>
             <a:endParaRPr lang="ko-KR" altLang="en-US"/>
-          </a:p>
-        </p:txBody>
-      </p:sp>
-      <p:sp>
-        <p:nvSpPr>
-          <p:cNvPr id="69" name="슬라이드 번호 개체 틀 68">
-            <a:extLst>
-              <a:ext uri="{FF2B5EF4-FFF2-40B4-BE49-F238E27FC236}">
-                <a16:creationId xmlns:a16="http://schemas.microsoft.com/office/drawing/2014/main" id="{6B66C3D3-121E-4065-B817-4E0027BED189}"/>
-              </a:ext>
-            </a:extLst>
-          </p:cNvPr>
-          <p:cNvSpPr>
-            <a:spLocks noGrp="1"/>
-          </p:cNvSpPr>
-          <p:nvPr>
-            <p:ph type="sldNum" sz="quarter" idx="12"/>
-          </p:nvPr>
-        </p:nvSpPr>
-        <p:spPr/>
-        <p:txBody>
-          <a:bodyPr/>
-          <a:lstStyle/>
-          <a:p>
-            <a:fld id="{B32CDA53-975C-43B8-B883-D547DCE1CDE9}" type="slidenum">
-              <a:rPr lang="ko-KR" altLang="en-US" smtClean="0"/>
-              <a:pPr/>
-              <a:t>7</a:t>
-            </a:fld>
-            <a:endParaRPr lang="ko-KR" altLang="en-US" dirty="0"/>
           </a:p>
         </p:txBody>
       </p:sp>
